--- a/RPG/etc/view.pptx
+++ b/RPG/etc/view.pptx
@@ -5,7 +5,7 @@
     <p:sldMasterId id="2147483648" r:id="rId1"/>
   </p:sldMasterIdLst>
   <p:notesMasterIdLst>
-    <p:notesMasterId r:id="rId13"/>
+    <p:notesMasterId r:id="rId15"/>
   </p:notesMasterIdLst>
   <p:sldIdLst>
     <p:sldId id="256" r:id="rId2"/>
@@ -19,6 +19,8 @@
     <p:sldId id="263" r:id="rId10"/>
     <p:sldId id="264" r:id="rId11"/>
     <p:sldId id="265" r:id="rId12"/>
+    <p:sldId id="267" r:id="rId13"/>
+    <p:sldId id="268" r:id="rId14"/>
   </p:sldIdLst>
   <p:sldSz cx="9144000" cy="6858000" type="screen4x3"/>
   <p:notesSz cx="6858000" cy="9144000"/>
@@ -202,7 +204,7 @@
           <a:p>
             <a:fld id="{77946FEB-6533-4778-8682-859E4C6A3A82}" type="datetimeFigureOut">
               <a:rPr lang="ko-KR" altLang="en-US" smtClean="0"/>
-              <a:t>2019-02-22</a:t>
+              <a:t>2019-03-08</a:t>
             </a:fld>
             <a:endParaRPr lang="ko-KR" altLang="en-US"/>
           </a:p>
@@ -651,7 +653,7 @@
           <a:p>
             <a:fld id="{1FAC5247-A0F9-451C-8367-F46B7645F8B6}" type="datetimeFigureOut">
               <a:rPr lang="ko-KR" altLang="en-US" smtClean="0"/>
-              <a:t>2019-02-22</a:t>
+              <a:t>2019-03-08</a:t>
             </a:fld>
             <a:endParaRPr lang="ko-KR" altLang="en-US"/>
           </a:p>
@@ -821,7 +823,7 @@
           <a:p>
             <a:fld id="{1FAC5247-A0F9-451C-8367-F46B7645F8B6}" type="datetimeFigureOut">
               <a:rPr lang="ko-KR" altLang="en-US" smtClean="0"/>
-              <a:t>2019-02-22</a:t>
+              <a:t>2019-03-08</a:t>
             </a:fld>
             <a:endParaRPr lang="ko-KR" altLang="en-US"/>
           </a:p>
@@ -1001,7 +1003,7 @@
           <a:p>
             <a:fld id="{1FAC5247-A0F9-451C-8367-F46B7645F8B6}" type="datetimeFigureOut">
               <a:rPr lang="ko-KR" altLang="en-US" smtClean="0"/>
-              <a:t>2019-02-22</a:t>
+              <a:t>2019-03-08</a:t>
             </a:fld>
             <a:endParaRPr lang="ko-KR" altLang="en-US"/>
           </a:p>
@@ -1171,7 +1173,7 @@
           <a:p>
             <a:fld id="{1FAC5247-A0F9-451C-8367-F46B7645F8B6}" type="datetimeFigureOut">
               <a:rPr lang="ko-KR" altLang="en-US" smtClean="0"/>
-              <a:t>2019-02-22</a:t>
+              <a:t>2019-03-08</a:t>
             </a:fld>
             <a:endParaRPr lang="ko-KR" altLang="en-US"/>
           </a:p>
@@ -1417,7 +1419,7 @@
           <a:p>
             <a:fld id="{1FAC5247-A0F9-451C-8367-F46B7645F8B6}" type="datetimeFigureOut">
               <a:rPr lang="ko-KR" altLang="en-US" smtClean="0"/>
-              <a:t>2019-02-22</a:t>
+              <a:t>2019-03-08</a:t>
             </a:fld>
             <a:endParaRPr lang="ko-KR" altLang="en-US"/>
           </a:p>
@@ -1705,7 +1707,7 @@
           <a:p>
             <a:fld id="{1FAC5247-A0F9-451C-8367-F46B7645F8B6}" type="datetimeFigureOut">
               <a:rPr lang="ko-KR" altLang="en-US" smtClean="0"/>
-              <a:t>2019-02-22</a:t>
+              <a:t>2019-03-08</a:t>
             </a:fld>
             <a:endParaRPr lang="ko-KR" altLang="en-US"/>
           </a:p>
@@ -2127,7 +2129,7 @@
           <a:p>
             <a:fld id="{1FAC5247-A0F9-451C-8367-F46B7645F8B6}" type="datetimeFigureOut">
               <a:rPr lang="ko-KR" altLang="en-US" smtClean="0"/>
-              <a:t>2019-02-22</a:t>
+              <a:t>2019-03-08</a:t>
             </a:fld>
             <a:endParaRPr lang="ko-KR" altLang="en-US"/>
           </a:p>
@@ -2245,7 +2247,7 @@
           <a:p>
             <a:fld id="{1FAC5247-A0F9-451C-8367-F46B7645F8B6}" type="datetimeFigureOut">
               <a:rPr lang="ko-KR" altLang="en-US" smtClean="0"/>
-              <a:t>2019-02-22</a:t>
+              <a:t>2019-03-08</a:t>
             </a:fld>
             <a:endParaRPr lang="ko-KR" altLang="en-US"/>
           </a:p>
@@ -2340,7 +2342,7 @@
           <a:p>
             <a:fld id="{1FAC5247-A0F9-451C-8367-F46B7645F8B6}" type="datetimeFigureOut">
               <a:rPr lang="ko-KR" altLang="en-US" smtClean="0"/>
-              <a:t>2019-02-22</a:t>
+              <a:t>2019-03-08</a:t>
             </a:fld>
             <a:endParaRPr lang="ko-KR" altLang="en-US"/>
           </a:p>
@@ -2617,7 +2619,7 @@
           <a:p>
             <a:fld id="{1FAC5247-A0F9-451C-8367-F46B7645F8B6}" type="datetimeFigureOut">
               <a:rPr lang="ko-KR" altLang="en-US" smtClean="0"/>
-              <a:t>2019-02-22</a:t>
+              <a:t>2019-03-08</a:t>
             </a:fld>
             <a:endParaRPr lang="ko-KR" altLang="en-US"/>
           </a:p>
@@ -2870,7 +2872,7 @@
           <a:p>
             <a:fld id="{1FAC5247-A0F9-451C-8367-F46B7645F8B6}" type="datetimeFigureOut">
               <a:rPr lang="ko-KR" altLang="en-US" smtClean="0"/>
-              <a:t>2019-02-22</a:t>
+              <a:t>2019-03-08</a:t>
             </a:fld>
             <a:endParaRPr lang="ko-KR" altLang="en-US"/>
           </a:p>
@@ -3083,7 +3085,7 @@
           <a:p>
             <a:fld id="{1FAC5247-A0F9-451C-8367-F46B7645F8B6}" type="datetimeFigureOut">
               <a:rPr lang="ko-KR" altLang="en-US" smtClean="0"/>
-              <a:t>2019-02-22</a:t>
+              <a:t>2019-03-08</a:t>
             </a:fld>
             <a:endParaRPr lang="ko-KR" altLang="en-US"/>
           </a:p>
@@ -4421,7 +4423,7 @@
         <p:spPr>
           <a:xfrm>
             <a:off x="0" y="0"/>
-            <a:ext cx="1104790" cy="369332"/>
+            <a:ext cx="1274260" cy="369332"/>
           </a:xfrm>
           <a:prstGeom prst="rect">
             <a:avLst/>
@@ -4436,7 +4438,11 @@
           <a:p>
             <a:r>
               <a:rPr lang="en-US" altLang="ko-KR" dirty="0" err="1" smtClean="0"/>
-              <a:t>quest.jsp</a:t>
+              <a:t>journal</a:t>
+            </a:r>
+            <a:r>
+              <a:rPr lang="en-US" altLang="ko-KR" dirty="0" err="1" smtClean="0"/>
+              <a:t>.jsp</a:t>
             </a:r>
             <a:endParaRPr lang="ko-KR" altLang="en-US" dirty="0"/>
           </a:p>
@@ -4895,7 +4901,6 @@
               <a:rPr lang="ko-KR" altLang="en-US" dirty="0"/>
               <a:t>지</a:t>
             </a:r>
-            <a:endParaRPr lang="ko-KR" altLang="en-US" dirty="0"/>
           </a:p>
         </p:txBody>
       </p:sp>
@@ -5262,7 +5267,7 @@
         <p:spPr>
           <a:xfrm>
             <a:off x="0" y="0"/>
-            <a:ext cx="821059" cy="369332"/>
+            <a:ext cx="1551387" cy="369332"/>
           </a:xfrm>
           <a:prstGeom prst="rect">
             <a:avLst/>
@@ -5276,8 +5281,12 @@
           <a:lstStyle/>
           <a:p>
             <a:r>
+              <a:rPr lang="en-US" altLang="ko-KR" dirty="0" err="1"/>
+              <a:t>dictionary</a:t>
+            </a:r>
+            <a:r>
               <a:rPr lang="en-US" altLang="ko-KR" dirty="0" err="1" smtClean="0"/>
-              <a:t>list.jsp</a:t>
+              <a:t>.jsp</a:t>
             </a:r>
             <a:endParaRPr lang="ko-KR" altLang="en-US" dirty="0"/>
           </a:p>
@@ -5287,6 +5296,1227 @@
     <p:extLst>
       <p:ext uri="{BB962C8B-B14F-4D97-AF65-F5344CB8AC3E}">
         <p14:creationId xmlns:p14="http://schemas.microsoft.com/office/powerpoint/2010/main" val="1752414561"/>
+      </p:ext>
+    </p:extLst>
+  </p:cSld>
+  <p:clrMapOvr>
+    <a:masterClrMapping/>
+  </p:clrMapOvr>
+  <p:timing>
+    <p:tnLst>
+      <p:par>
+        <p:cTn id="1" dur="indefinite" restart="never" nodeType="tmRoot"/>
+      </p:par>
+    </p:tnLst>
+  </p:timing>
+</p:sld>
+</file>
+
+<file path=ppt/slides/slide12.xml><?xml version="1.0" encoding="utf-8"?>
+<p:sld xmlns:a="http://schemas.openxmlformats.org/drawingml/2006/main" xmlns:r="http://schemas.openxmlformats.org/officeDocument/2006/relationships" xmlns:p="http://schemas.openxmlformats.org/presentationml/2006/main">
+  <p:cSld>
+    <p:spTree>
+      <p:nvGrpSpPr>
+        <p:cNvPr id="1" name=""/>
+        <p:cNvGrpSpPr/>
+        <p:nvPr/>
+      </p:nvGrpSpPr>
+      <p:grpSpPr>
+        <a:xfrm>
+          <a:off x="0" y="0"/>
+          <a:ext cx="0" cy="0"/>
+          <a:chOff x="0" y="0"/>
+          <a:chExt cx="0" cy="0"/>
+        </a:xfrm>
+      </p:grpSpPr>
+      <p:sp>
+        <p:nvSpPr>
+          <p:cNvPr id="7" name="직사각형 6"/>
+          <p:cNvSpPr/>
+          <p:nvPr/>
+        </p:nvSpPr>
+        <p:spPr>
+          <a:xfrm>
+            <a:off x="1050287" y="1988840"/>
+            <a:ext cx="7120371" cy="4392488"/>
+          </a:xfrm>
+          <a:prstGeom prst="rect">
+            <a:avLst/>
+          </a:prstGeom>
+        </p:spPr>
+        <p:style>
+          <a:lnRef idx="2">
+            <a:schemeClr val="accent1">
+              <a:shade val="50000"/>
+            </a:schemeClr>
+          </a:lnRef>
+          <a:fillRef idx="1">
+            <a:schemeClr val="accent1"/>
+          </a:fillRef>
+          <a:effectRef idx="0">
+            <a:schemeClr val="accent1"/>
+          </a:effectRef>
+          <a:fontRef idx="minor">
+            <a:schemeClr val="lt1"/>
+          </a:fontRef>
+        </p:style>
+        <p:txBody>
+          <a:bodyPr rtlCol="0" anchor="ctr"/>
+          <a:lstStyle/>
+          <a:p>
+            <a:pPr algn="ctr"/>
+            <a:endParaRPr lang="ko-KR" altLang="en-US"/>
+          </a:p>
+        </p:txBody>
+      </p:sp>
+      <p:sp>
+        <p:nvSpPr>
+          <p:cNvPr id="10" name="TextBox 9">
+            <a:hlinkClick r:id="rId2" action="ppaction://hlinksldjump"/>
+          </p:cNvPr>
+          <p:cNvSpPr txBox="1"/>
+          <p:nvPr/>
+        </p:nvSpPr>
+        <p:spPr>
+          <a:xfrm>
+            <a:off x="3275856" y="4941168"/>
+            <a:ext cx="1107996" cy="369332"/>
+          </a:xfrm>
+          <a:prstGeom prst="rect">
+            <a:avLst/>
+          </a:prstGeom>
+        </p:spPr>
+        <p:style>
+          <a:lnRef idx="2">
+            <a:schemeClr val="accent1"/>
+          </a:lnRef>
+          <a:fillRef idx="1">
+            <a:schemeClr val="lt1"/>
+          </a:fillRef>
+          <a:effectRef idx="0">
+            <a:schemeClr val="accent1"/>
+          </a:effectRef>
+          <a:fontRef idx="minor">
+            <a:schemeClr val="dk1"/>
+          </a:fontRef>
+        </p:style>
+        <p:txBody>
+          <a:bodyPr wrap="none" rtlCol="0">
+            <a:spAutoFit/>
+          </a:bodyPr>
+          <a:lstStyle/>
+          <a:p>
+            <a:r>
+              <a:rPr lang="ko-KR" altLang="en-US" dirty="0" smtClean="0"/>
+              <a:t>전투한다</a:t>
+            </a:r>
+            <a:endParaRPr lang="ko-KR" altLang="en-US" dirty="0"/>
+          </a:p>
+        </p:txBody>
+      </p:sp>
+      <p:sp>
+        <p:nvSpPr>
+          <p:cNvPr id="20" name="TextBox 19">
+            <a:hlinkClick r:id="rId3" action="ppaction://hlinksldjump"/>
+          </p:cNvPr>
+          <p:cNvSpPr txBox="1"/>
+          <p:nvPr/>
+        </p:nvSpPr>
+        <p:spPr>
+          <a:xfrm>
+            <a:off x="4828254" y="4941168"/>
+            <a:ext cx="1107996" cy="369332"/>
+          </a:xfrm>
+          <a:prstGeom prst="rect">
+            <a:avLst/>
+          </a:prstGeom>
+        </p:spPr>
+        <p:style>
+          <a:lnRef idx="2">
+            <a:schemeClr val="accent1"/>
+          </a:lnRef>
+          <a:fillRef idx="1">
+            <a:schemeClr val="lt1"/>
+          </a:fillRef>
+          <a:effectRef idx="0">
+            <a:schemeClr val="accent1"/>
+          </a:effectRef>
+          <a:fontRef idx="minor">
+            <a:schemeClr val="dk1"/>
+          </a:fontRef>
+        </p:style>
+        <p:txBody>
+          <a:bodyPr wrap="none" rtlCol="0">
+            <a:spAutoFit/>
+          </a:bodyPr>
+          <a:lstStyle/>
+          <a:p>
+            <a:r>
+              <a:rPr lang="ko-KR" altLang="en-US" dirty="0" smtClean="0"/>
+              <a:t>지나친</a:t>
+            </a:r>
+            <a:r>
+              <a:rPr lang="ko-KR" altLang="en-US" dirty="0"/>
+              <a:t>다</a:t>
+            </a:r>
+            <a:endParaRPr lang="ko-KR" altLang="en-US" dirty="0"/>
+          </a:p>
+        </p:txBody>
+      </p:sp>
+      <p:sp>
+        <p:nvSpPr>
+          <p:cNvPr id="28" name="TextBox 27">
+            <a:hlinkClick r:id="rId4" action="ppaction://hlinksldjump"/>
+          </p:cNvPr>
+          <p:cNvSpPr txBox="1"/>
+          <p:nvPr/>
+        </p:nvSpPr>
+        <p:spPr>
+          <a:xfrm>
+            <a:off x="1331640" y="1124744"/>
+            <a:ext cx="877163" cy="369332"/>
+          </a:xfrm>
+          <a:prstGeom prst="rect">
+            <a:avLst/>
+          </a:prstGeom>
+        </p:spPr>
+        <p:style>
+          <a:lnRef idx="2">
+            <a:schemeClr val="accent1">
+              <a:shade val="50000"/>
+            </a:schemeClr>
+          </a:lnRef>
+          <a:fillRef idx="1">
+            <a:schemeClr val="accent1"/>
+          </a:fillRef>
+          <a:effectRef idx="0">
+            <a:schemeClr val="accent1"/>
+          </a:effectRef>
+          <a:fontRef idx="minor">
+            <a:schemeClr val="lt1"/>
+          </a:fontRef>
+        </p:style>
+        <p:txBody>
+          <a:bodyPr wrap="none" rtlCol="0">
+            <a:spAutoFit/>
+          </a:bodyPr>
+          <a:lstStyle/>
+          <a:p>
+            <a:r>
+              <a:rPr lang="ko-KR" altLang="en-US" smtClean="0"/>
+              <a:t>월드맵</a:t>
+            </a:r>
+            <a:endParaRPr lang="ko-KR" altLang="en-US" dirty="0"/>
+          </a:p>
+        </p:txBody>
+      </p:sp>
+      <p:sp>
+        <p:nvSpPr>
+          <p:cNvPr id="29" name="TextBox 28">
+            <a:hlinkClick r:id="rId5" action="ppaction://hlinksldjump"/>
+          </p:cNvPr>
+          <p:cNvSpPr txBox="1"/>
+          <p:nvPr/>
+        </p:nvSpPr>
+        <p:spPr>
+          <a:xfrm>
+            <a:off x="4139952" y="1124744"/>
+            <a:ext cx="1107996" cy="369332"/>
+          </a:xfrm>
+          <a:prstGeom prst="rect">
+            <a:avLst/>
+          </a:prstGeom>
+        </p:spPr>
+        <p:style>
+          <a:lnRef idx="2">
+            <a:schemeClr val="accent1">
+              <a:shade val="50000"/>
+            </a:schemeClr>
+          </a:lnRef>
+          <a:fillRef idx="1">
+            <a:schemeClr val="accent1"/>
+          </a:fillRef>
+          <a:effectRef idx="0">
+            <a:schemeClr val="accent1"/>
+          </a:effectRef>
+          <a:fontRef idx="minor">
+            <a:schemeClr val="lt1"/>
+          </a:fontRef>
+        </p:style>
+        <p:txBody>
+          <a:bodyPr wrap="none" rtlCol="0">
+            <a:spAutoFit/>
+          </a:bodyPr>
+          <a:lstStyle/>
+          <a:p>
+            <a:r>
+              <a:rPr lang="ko-KR" altLang="en-US" dirty="0" err="1" smtClean="0"/>
+              <a:t>인벤토리</a:t>
+            </a:r>
+            <a:endParaRPr lang="ko-KR" altLang="en-US" dirty="0"/>
+          </a:p>
+        </p:txBody>
+      </p:sp>
+      <p:sp>
+        <p:nvSpPr>
+          <p:cNvPr id="30" name="TextBox 29">
+            <a:hlinkClick r:id="rId3" action="ppaction://hlinksldjump"/>
+          </p:cNvPr>
+          <p:cNvSpPr txBox="1"/>
+          <p:nvPr/>
+        </p:nvSpPr>
+        <p:spPr>
+          <a:xfrm>
+            <a:off x="2629525" y="1124744"/>
+            <a:ext cx="1107996" cy="369332"/>
+          </a:xfrm>
+          <a:prstGeom prst="rect">
+            <a:avLst/>
+          </a:prstGeom>
+        </p:spPr>
+        <p:style>
+          <a:lnRef idx="2">
+            <a:schemeClr val="accent1"/>
+          </a:lnRef>
+          <a:fillRef idx="1">
+            <a:schemeClr val="lt1"/>
+          </a:fillRef>
+          <a:effectRef idx="0">
+            <a:schemeClr val="accent1"/>
+          </a:effectRef>
+          <a:fontRef idx="minor">
+            <a:schemeClr val="dk1"/>
+          </a:fontRef>
+        </p:style>
+        <p:txBody>
+          <a:bodyPr wrap="none" rtlCol="0">
+            <a:spAutoFit/>
+          </a:bodyPr>
+          <a:lstStyle/>
+          <a:p>
+            <a:r>
+              <a:rPr lang="ko-KR" altLang="en-US" dirty="0" smtClean="0"/>
+              <a:t>둘러보</a:t>
+            </a:r>
+            <a:r>
+              <a:rPr lang="ko-KR" altLang="en-US" dirty="0"/>
+              <a:t>기</a:t>
+            </a:r>
+          </a:p>
+        </p:txBody>
+      </p:sp>
+      <p:sp>
+        <p:nvSpPr>
+          <p:cNvPr id="31" name="TextBox 30">
+            <a:hlinkClick r:id="rId6" action="ppaction://hlinksldjump"/>
+          </p:cNvPr>
+          <p:cNvSpPr txBox="1"/>
+          <p:nvPr/>
+        </p:nvSpPr>
+        <p:spPr>
+          <a:xfrm>
+            <a:off x="5753452" y="1124744"/>
+            <a:ext cx="1338828" cy="369332"/>
+          </a:xfrm>
+          <a:prstGeom prst="rect">
+            <a:avLst/>
+          </a:prstGeom>
+        </p:spPr>
+        <p:style>
+          <a:lnRef idx="2">
+            <a:schemeClr val="accent1">
+              <a:shade val="50000"/>
+            </a:schemeClr>
+          </a:lnRef>
+          <a:fillRef idx="1">
+            <a:schemeClr val="accent1"/>
+          </a:fillRef>
+          <a:effectRef idx="0">
+            <a:schemeClr val="accent1"/>
+          </a:effectRef>
+          <a:fontRef idx="minor">
+            <a:schemeClr val="lt1"/>
+          </a:fontRef>
+        </p:style>
+        <p:txBody>
+          <a:bodyPr wrap="none" rtlCol="0">
+            <a:spAutoFit/>
+          </a:bodyPr>
+          <a:lstStyle/>
+          <a:p>
+            <a:r>
+              <a:rPr lang="ko-KR" altLang="en-US" dirty="0" err="1" smtClean="0"/>
+              <a:t>퀘스트일지</a:t>
+            </a:r>
+            <a:endParaRPr lang="ko-KR" altLang="en-US" dirty="0"/>
+          </a:p>
+        </p:txBody>
+      </p:sp>
+      <p:sp>
+        <p:nvSpPr>
+          <p:cNvPr id="32" name="TextBox 31">
+            <a:hlinkClick r:id="rId7" action="ppaction://hlinksldjump"/>
+          </p:cNvPr>
+          <p:cNvSpPr txBox="1"/>
+          <p:nvPr/>
+        </p:nvSpPr>
+        <p:spPr>
+          <a:xfrm>
+            <a:off x="7524328" y="1124744"/>
+            <a:ext cx="646331" cy="369332"/>
+          </a:xfrm>
+          <a:prstGeom prst="rect">
+            <a:avLst/>
+          </a:prstGeom>
+        </p:spPr>
+        <p:style>
+          <a:lnRef idx="2">
+            <a:schemeClr val="accent1">
+              <a:shade val="50000"/>
+            </a:schemeClr>
+          </a:lnRef>
+          <a:fillRef idx="1">
+            <a:schemeClr val="accent1"/>
+          </a:fillRef>
+          <a:effectRef idx="0">
+            <a:schemeClr val="accent1"/>
+          </a:effectRef>
+          <a:fontRef idx="minor">
+            <a:schemeClr val="lt1"/>
+          </a:fontRef>
+        </p:style>
+        <p:txBody>
+          <a:bodyPr wrap="none" rtlCol="0">
+            <a:spAutoFit/>
+          </a:bodyPr>
+          <a:lstStyle/>
+          <a:p>
+            <a:r>
+              <a:rPr lang="ko-KR" altLang="en-US" dirty="0" smtClean="0"/>
+              <a:t>도감</a:t>
+            </a:r>
+            <a:endParaRPr lang="ko-KR" altLang="en-US" dirty="0"/>
+          </a:p>
+        </p:txBody>
+      </p:sp>
+      <p:sp>
+        <p:nvSpPr>
+          <p:cNvPr id="33" name="TextBox 32"/>
+          <p:cNvSpPr txBox="1"/>
+          <p:nvPr/>
+        </p:nvSpPr>
+        <p:spPr>
+          <a:xfrm>
+            <a:off x="0" y="0"/>
+            <a:ext cx="1890261" cy="369332"/>
+          </a:xfrm>
+          <a:prstGeom prst="rect">
+            <a:avLst/>
+          </a:prstGeom>
+          <a:noFill/>
+        </p:spPr>
+        <p:txBody>
+          <a:bodyPr wrap="none" rtlCol="0">
+            <a:spAutoFit/>
+          </a:bodyPr>
+          <a:lstStyle/>
+          <a:p>
+            <a:r>
+              <a:rPr lang="en-US" altLang="ko-KR" dirty="0" err="1" smtClean="0"/>
+              <a:t>battle_choice.jsp</a:t>
+            </a:r>
+            <a:endParaRPr lang="ko-KR" altLang="en-US" dirty="0"/>
+          </a:p>
+        </p:txBody>
+      </p:sp>
+      <p:sp>
+        <p:nvSpPr>
+          <p:cNvPr id="19" name="TextBox 18"/>
+          <p:cNvSpPr txBox="1"/>
+          <p:nvPr/>
+        </p:nvSpPr>
+        <p:spPr>
+          <a:xfrm>
+            <a:off x="2432094" y="3060271"/>
+            <a:ext cx="4119244" cy="369332"/>
+          </a:xfrm>
+          <a:prstGeom prst="rect">
+            <a:avLst/>
+          </a:prstGeom>
+        </p:spPr>
+        <p:style>
+          <a:lnRef idx="2">
+            <a:schemeClr val="accent1"/>
+          </a:lnRef>
+          <a:fillRef idx="1">
+            <a:schemeClr val="lt1"/>
+          </a:fillRef>
+          <a:effectRef idx="0">
+            <a:schemeClr val="accent1"/>
+          </a:effectRef>
+          <a:fontRef idx="minor">
+            <a:schemeClr val="dk1"/>
+          </a:fontRef>
+        </p:style>
+        <p:txBody>
+          <a:bodyPr wrap="square" rtlCol="0">
+            <a:spAutoFit/>
+          </a:bodyPr>
+          <a:lstStyle/>
+          <a:p>
+            <a:r>
+              <a:rPr lang="ko-KR" altLang="en-US" dirty="0" err="1" smtClean="0"/>
+              <a:t>고블린들이</a:t>
+            </a:r>
+            <a:r>
+              <a:rPr lang="ko-KR" altLang="en-US" dirty="0" smtClean="0"/>
+              <a:t> 위협적으로 </a:t>
+            </a:r>
+            <a:r>
+              <a:rPr lang="ko-KR" altLang="en-US" dirty="0" err="1" smtClean="0"/>
+              <a:t>무리지어</a:t>
+            </a:r>
+            <a:r>
+              <a:rPr lang="ko-KR" altLang="en-US" dirty="0" smtClean="0"/>
+              <a:t> 있다</a:t>
+            </a:r>
+            <a:endParaRPr lang="ko-KR" altLang="en-US" dirty="0"/>
+          </a:p>
+        </p:txBody>
+      </p:sp>
+    </p:spTree>
+    <p:extLst>
+      <p:ext uri="{BB962C8B-B14F-4D97-AF65-F5344CB8AC3E}">
+        <p14:creationId xmlns:p14="http://schemas.microsoft.com/office/powerpoint/2010/main" val="493355247"/>
+      </p:ext>
+    </p:extLst>
+  </p:cSld>
+  <p:clrMapOvr>
+    <a:masterClrMapping/>
+  </p:clrMapOvr>
+  <p:timing>
+    <p:tnLst>
+      <p:par>
+        <p:cTn id="1" dur="indefinite" restart="never" nodeType="tmRoot"/>
+      </p:par>
+    </p:tnLst>
+  </p:timing>
+</p:sld>
+</file>
+
+<file path=ppt/slides/slide13.xml><?xml version="1.0" encoding="utf-8"?>
+<p:sld xmlns:a="http://schemas.openxmlformats.org/drawingml/2006/main" xmlns:r="http://schemas.openxmlformats.org/officeDocument/2006/relationships" xmlns:p="http://schemas.openxmlformats.org/presentationml/2006/main">
+  <p:cSld>
+    <p:spTree>
+      <p:nvGrpSpPr>
+        <p:cNvPr id="1" name=""/>
+        <p:cNvGrpSpPr/>
+        <p:nvPr/>
+      </p:nvGrpSpPr>
+      <p:grpSpPr>
+        <a:xfrm>
+          <a:off x="0" y="0"/>
+          <a:ext cx="0" cy="0"/>
+          <a:chOff x="0" y="0"/>
+          <a:chExt cx="0" cy="0"/>
+        </a:xfrm>
+      </p:grpSpPr>
+      <p:sp>
+        <p:nvSpPr>
+          <p:cNvPr id="7" name="직사각형 6"/>
+          <p:cNvSpPr/>
+          <p:nvPr/>
+        </p:nvSpPr>
+        <p:spPr>
+          <a:xfrm>
+            <a:off x="1050287" y="1988840"/>
+            <a:ext cx="7120371" cy="4392488"/>
+          </a:xfrm>
+          <a:prstGeom prst="rect">
+            <a:avLst/>
+          </a:prstGeom>
+        </p:spPr>
+        <p:style>
+          <a:lnRef idx="2">
+            <a:schemeClr val="accent1">
+              <a:shade val="50000"/>
+            </a:schemeClr>
+          </a:lnRef>
+          <a:fillRef idx="1">
+            <a:schemeClr val="accent1"/>
+          </a:fillRef>
+          <a:effectRef idx="0">
+            <a:schemeClr val="accent1"/>
+          </a:effectRef>
+          <a:fontRef idx="minor">
+            <a:schemeClr val="lt1"/>
+          </a:fontRef>
+        </p:style>
+        <p:txBody>
+          <a:bodyPr rtlCol="0" anchor="ctr"/>
+          <a:lstStyle/>
+          <a:p>
+            <a:pPr algn="ctr"/>
+            <a:endParaRPr lang="ko-KR" altLang="en-US"/>
+          </a:p>
+        </p:txBody>
+      </p:sp>
+      <p:sp>
+        <p:nvSpPr>
+          <p:cNvPr id="8" name="TextBox 7"/>
+          <p:cNvSpPr txBox="1"/>
+          <p:nvPr/>
+        </p:nvSpPr>
+        <p:spPr>
+          <a:xfrm>
+            <a:off x="1043608" y="1988840"/>
+            <a:ext cx="646331" cy="369332"/>
+          </a:xfrm>
+          <a:prstGeom prst="rect">
+            <a:avLst/>
+          </a:prstGeom>
+        </p:spPr>
+        <p:style>
+          <a:lnRef idx="2">
+            <a:schemeClr val="accent1"/>
+          </a:lnRef>
+          <a:fillRef idx="1">
+            <a:schemeClr val="lt1"/>
+          </a:fillRef>
+          <a:effectRef idx="0">
+            <a:schemeClr val="accent1"/>
+          </a:effectRef>
+          <a:fontRef idx="minor">
+            <a:schemeClr val="dk1"/>
+          </a:fontRef>
+        </p:style>
+        <p:txBody>
+          <a:bodyPr wrap="none" rtlCol="0">
+            <a:spAutoFit/>
+          </a:bodyPr>
+          <a:lstStyle/>
+          <a:p>
+            <a:r>
+              <a:rPr lang="ko-KR" altLang="en-US" dirty="0" smtClean="0"/>
+              <a:t>전투</a:t>
+            </a:r>
+            <a:endParaRPr lang="ko-KR" altLang="en-US" dirty="0"/>
+          </a:p>
+        </p:txBody>
+      </p:sp>
+      <p:sp>
+        <p:nvSpPr>
+          <p:cNvPr id="10" name="TextBox 9">
+            <a:hlinkClick r:id="rId2" action="ppaction://hlinksldjump"/>
+          </p:cNvPr>
+          <p:cNvSpPr txBox="1"/>
+          <p:nvPr/>
+        </p:nvSpPr>
+        <p:spPr>
+          <a:xfrm>
+            <a:off x="6084168" y="5312750"/>
+            <a:ext cx="646331" cy="369332"/>
+          </a:xfrm>
+          <a:prstGeom prst="rect">
+            <a:avLst/>
+          </a:prstGeom>
+        </p:spPr>
+        <p:style>
+          <a:lnRef idx="2">
+            <a:schemeClr val="accent1"/>
+          </a:lnRef>
+          <a:fillRef idx="1">
+            <a:schemeClr val="lt1"/>
+          </a:fillRef>
+          <a:effectRef idx="0">
+            <a:schemeClr val="accent1"/>
+          </a:effectRef>
+          <a:fontRef idx="minor">
+            <a:schemeClr val="dk1"/>
+          </a:fontRef>
+        </p:style>
+        <p:txBody>
+          <a:bodyPr wrap="none" rtlCol="0">
+            <a:spAutoFit/>
+          </a:bodyPr>
+          <a:lstStyle/>
+          <a:p>
+            <a:r>
+              <a:rPr lang="ko-KR" altLang="en-US" dirty="0" smtClean="0"/>
+              <a:t>완료</a:t>
+            </a:r>
+            <a:endParaRPr lang="ko-KR" altLang="en-US" dirty="0"/>
+          </a:p>
+        </p:txBody>
+      </p:sp>
+      <p:sp>
+        <p:nvSpPr>
+          <p:cNvPr id="28" name="TextBox 27">
+            <a:hlinkClick r:id="rId3" action="ppaction://hlinksldjump"/>
+          </p:cNvPr>
+          <p:cNvSpPr txBox="1"/>
+          <p:nvPr/>
+        </p:nvSpPr>
+        <p:spPr>
+          <a:xfrm>
+            <a:off x="1331640" y="1124744"/>
+            <a:ext cx="877163" cy="369332"/>
+          </a:xfrm>
+          <a:prstGeom prst="rect">
+            <a:avLst/>
+          </a:prstGeom>
+        </p:spPr>
+        <p:style>
+          <a:lnRef idx="2">
+            <a:schemeClr val="accent1">
+              <a:shade val="50000"/>
+            </a:schemeClr>
+          </a:lnRef>
+          <a:fillRef idx="1">
+            <a:schemeClr val="accent1"/>
+          </a:fillRef>
+          <a:effectRef idx="0">
+            <a:schemeClr val="accent1"/>
+          </a:effectRef>
+          <a:fontRef idx="minor">
+            <a:schemeClr val="lt1"/>
+          </a:fontRef>
+        </p:style>
+        <p:txBody>
+          <a:bodyPr wrap="none" rtlCol="0">
+            <a:spAutoFit/>
+          </a:bodyPr>
+          <a:lstStyle/>
+          <a:p>
+            <a:r>
+              <a:rPr lang="ko-KR" altLang="en-US" smtClean="0"/>
+              <a:t>월드맵</a:t>
+            </a:r>
+            <a:endParaRPr lang="ko-KR" altLang="en-US" dirty="0"/>
+          </a:p>
+        </p:txBody>
+      </p:sp>
+      <p:sp>
+        <p:nvSpPr>
+          <p:cNvPr id="29" name="TextBox 28">
+            <a:hlinkClick r:id="rId4" action="ppaction://hlinksldjump"/>
+          </p:cNvPr>
+          <p:cNvSpPr txBox="1"/>
+          <p:nvPr/>
+        </p:nvSpPr>
+        <p:spPr>
+          <a:xfrm>
+            <a:off x="4139952" y="1124744"/>
+            <a:ext cx="1107996" cy="369332"/>
+          </a:xfrm>
+          <a:prstGeom prst="rect">
+            <a:avLst/>
+          </a:prstGeom>
+        </p:spPr>
+        <p:style>
+          <a:lnRef idx="2">
+            <a:schemeClr val="accent1">
+              <a:shade val="50000"/>
+            </a:schemeClr>
+          </a:lnRef>
+          <a:fillRef idx="1">
+            <a:schemeClr val="accent1"/>
+          </a:fillRef>
+          <a:effectRef idx="0">
+            <a:schemeClr val="accent1"/>
+          </a:effectRef>
+          <a:fontRef idx="minor">
+            <a:schemeClr val="lt1"/>
+          </a:fontRef>
+        </p:style>
+        <p:txBody>
+          <a:bodyPr wrap="none" rtlCol="0">
+            <a:spAutoFit/>
+          </a:bodyPr>
+          <a:lstStyle/>
+          <a:p>
+            <a:r>
+              <a:rPr lang="ko-KR" altLang="en-US" dirty="0" err="1" smtClean="0"/>
+              <a:t>인벤토리</a:t>
+            </a:r>
+            <a:endParaRPr lang="ko-KR" altLang="en-US" dirty="0"/>
+          </a:p>
+        </p:txBody>
+      </p:sp>
+      <p:sp>
+        <p:nvSpPr>
+          <p:cNvPr id="30" name="TextBox 29">
+            <a:hlinkClick r:id="rId2" action="ppaction://hlinksldjump"/>
+          </p:cNvPr>
+          <p:cNvSpPr txBox="1"/>
+          <p:nvPr/>
+        </p:nvSpPr>
+        <p:spPr>
+          <a:xfrm>
+            <a:off x="2629525" y="1124744"/>
+            <a:ext cx="1107996" cy="369332"/>
+          </a:xfrm>
+          <a:prstGeom prst="rect">
+            <a:avLst/>
+          </a:prstGeom>
+        </p:spPr>
+        <p:style>
+          <a:lnRef idx="2">
+            <a:schemeClr val="accent1"/>
+          </a:lnRef>
+          <a:fillRef idx="1">
+            <a:schemeClr val="lt1"/>
+          </a:fillRef>
+          <a:effectRef idx="0">
+            <a:schemeClr val="accent1"/>
+          </a:effectRef>
+          <a:fontRef idx="minor">
+            <a:schemeClr val="dk1"/>
+          </a:fontRef>
+        </p:style>
+        <p:txBody>
+          <a:bodyPr wrap="none" rtlCol="0">
+            <a:spAutoFit/>
+          </a:bodyPr>
+          <a:lstStyle/>
+          <a:p>
+            <a:r>
+              <a:rPr lang="ko-KR" altLang="en-US" dirty="0" smtClean="0"/>
+              <a:t>둘러보</a:t>
+            </a:r>
+            <a:r>
+              <a:rPr lang="ko-KR" altLang="en-US" dirty="0"/>
+              <a:t>기</a:t>
+            </a:r>
+          </a:p>
+        </p:txBody>
+      </p:sp>
+      <p:sp>
+        <p:nvSpPr>
+          <p:cNvPr id="31" name="TextBox 30">
+            <a:hlinkClick r:id="rId5" action="ppaction://hlinksldjump"/>
+          </p:cNvPr>
+          <p:cNvSpPr txBox="1"/>
+          <p:nvPr/>
+        </p:nvSpPr>
+        <p:spPr>
+          <a:xfrm>
+            <a:off x="5753452" y="1124744"/>
+            <a:ext cx="1338828" cy="369332"/>
+          </a:xfrm>
+          <a:prstGeom prst="rect">
+            <a:avLst/>
+          </a:prstGeom>
+        </p:spPr>
+        <p:style>
+          <a:lnRef idx="2">
+            <a:schemeClr val="accent1">
+              <a:shade val="50000"/>
+            </a:schemeClr>
+          </a:lnRef>
+          <a:fillRef idx="1">
+            <a:schemeClr val="accent1"/>
+          </a:fillRef>
+          <a:effectRef idx="0">
+            <a:schemeClr val="accent1"/>
+          </a:effectRef>
+          <a:fontRef idx="minor">
+            <a:schemeClr val="lt1"/>
+          </a:fontRef>
+        </p:style>
+        <p:txBody>
+          <a:bodyPr wrap="none" rtlCol="0">
+            <a:spAutoFit/>
+          </a:bodyPr>
+          <a:lstStyle/>
+          <a:p>
+            <a:r>
+              <a:rPr lang="ko-KR" altLang="en-US" dirty="0" err="1" smtClean="0"/>
+              <a:t>퀘스트일지</a:t>
+            </a:r>
+            <a:endParaRPr lang="ko-KR" altLang="en-US" dirty="0"/>
+          </a:p>
+        </p:txBody>
+      </p:sp>
+      <p:sp>
+        <p:nvSpPr>
+          <p:cNvPr id="32" name="TextBox 31">
+            <a:hlinkClick r:id="rId6" action="ppaction://hlinksldjump"/>
+          </p:cNvPr>
+          <p:cNvSpPr txBox="1"/>
+          <p:nvPr/>
+        </p:nvSpPr>
+        <p:spPr>
+          <a:xfrm>
+            <a:off x="7524328" y="1124744"/>
+            <a:ext cx="646331" cy="369332"/>
+          </a:xfrm>
+          <a:prstGeom prst="rect">
+            <a:avLst/>
+          </a:prstGeom>
+        </p:spPr>
+        <p:style>
+          <a:lnRef idx="2">
+            <a:schemeClr val="accent1">
+              <a:shade val="50000"/>
+            </a:schemeClr>
+          </a:lnRef>
+          <a:fillRef idx="1">
+            <a:schemeClr val="accent1"/>
+          </a:fillRef>
+          <a:effectRef idx="0">
+            <a:schemeClr val="accent1"/>
+          </a:effectRef>
+          <a:fontRef idx="minor">
+            <a:schemeClr val="lt1"/>
+          </a:fontRef>
+        </p:style>
+        <p:txBody>
+          <a:bodyPr wrap="none" rtlCol="0">
+            <a:spAutoFit/>
+          </a:bodyPr>
+          <a:lstStyle/>
+          <a:p>
+            <a:r>
+              <a:rPr lang="ko-KR" altLang="en-US" dirty="0" smtClean="0"/>
+              <a:t>도감</a:t>
+            </a:r>
+            <a:endParaRPr lang="ko-KR" altLang="en-US" dirty="0"/>
+          </a:p>
+        </p:txBody>
+      </p:sp>
+      <p:sp>
+        <p:nvSpPr>
+          <p:cNvPr id="33" name="TextBox 32"/>
+          <p:cNvSpPr txBox="1"/>
+          <p:nvPr/>
+        </p:nvSpPr>
+        <p:spPr>
+          <a:xfrm>
+            <a:off x="0" y="0"/>
+            <a:ext cx="1123962" cy="369332"/>
+          </a:xfrm>
+          <a:prstGeom prst="rect">
+            <a:avLst/>
+          </a:prstGeom>
+          <a:noFill/>
+        </p:spPr>
+        <p:txBody>
+          <a:bodyPr wrap="none" rtlCol="0">
+            <a:spAutoFit/>
+          </a:bodyPr>
+          <a:lstStyle/>
+          <a:p>
+            <a:r>
+              <a:rPr lang="en-US" altLang="ko-KR" dirty="0" err="1" smtClean="0"/>
+              <a:t>battle.jsp</a:t>
+            </a:r>
+            <a:endParaRPr lang="ko-KR" altLang="en-US" dirty="0"/>
+          </a:p>
+        </p:txBody>
+      </p:sp>
+      <p:sp>
+        <p:nvSpPr>
+          <p:cNvPr id="2" name="직사각형 1"/>
+          <p:cNvSpPr/>
+          <p:nvPr/>
+        </p:nvSpPr>
+        <p:spPr>
+          <a:xfrm>
+            <a:off x="6084168" y="2852936"/>
+            <a:ext cx="1440160" cy="1728192"/>
+          </a:xfrm>
+          <a:prstGeom prst="rect">
+            <a:avLst/>
+          </a:prstGeom>
+        </p:spPr>
+        <p:style>
+          <a:lnRef idx="2">
+            <a:schemeClr val="accent2">
+              <a:shade val="50000"/>
+            </a:schemeClr>
+          </a:lnRef>
+          <a:fillRef idx="1">
+            <a:schemeClr val="accent2"/>
+          </a:fillRef>
+          <a:effectRef idx="0">
+            <a:schemeClr val="accent2"/>
+          </a:effectRef>
+          <a:fontRef idx="minor">
+            <a:schemeClr val="lt1"/>
+          </a:fontRef>
+        </p:style>
+        <p:txBody>
+          <a:bodyPr rtlCol="0" anchor="ctr"/>
+          <a:lstStyle/>
+          <a:p>
+            <a:pPr algn="ctr"/>
+            <a:endParaRPr lang="ko-KR" altLang="en-US"/>
+          </a:p>
+        </p:txBody>
+      </p:sp>
+      <p:sp>
+        <p:nvSpPr>
+          <p:cNvPr id="15" name="직사각형 14"/>
+          <p:cNvSpPr/>
+          <p:nvPr/>
+        </p:nvSpPr>
+        <p:spPr>
+          <a:xfrm>
+            <a:off x="1739187" y="2852936"/>
+            <a:ext cx="1440160" cy="1728192"/>
+          </a:xfrm>
+          <a:prstGeom prst="rect">
+            <a:avLst/>
+          </a:prstGeom>
+        </p:spPr>
+        <p:style>
+          <a:lnRef idx="2">
+            <a:schemeClr val="accent2">
+              <a:shade val="50000"/>
+            </a:schemeClr>
+          </a:lnRef>
+          <a:fillRef idx="1">
+            <a:schemeClr val="accent2"/>
+          </a:fillRef>
+          <a:effectRef idx="0">
+            <a:schemeClr val="accent2"/>
+          </a:effectRef>
+          <a:fontRef idx="minor">
+            <a:schemeClr val="lt1"/>
+          </a:fontRef>
+        </p:style>
+        <p:txBody>
+          <a:bodyPr rtlCol="0" anchor="ctr"/>
+          <a:lstStyle/>
+          <a:p>
+            <a:pPr algn="ctr"/>
+            <a:endParaRPr lang="ko-KR" altLang="en-US"/>
+          </a:p>
+        </p:txBody>
+      </p:sp>
+      <p:sp>
+        <p:nvSpPr>
+          <p:cNvPr id="17" name="TextBox 16"/>
+          <p:cNvSpPr txBox="1"/>
+          <p:nvPr/>
+        </p:nvSpPr>
+        <p:spPr>
+          <a:xfrm>
+            <a:off x="1708527" y="5303303"/>
+            <a:ext cx="3962876" cy="923330"/>
+          </a:xfrm>
+          <a:prstGeom prst="rect">
+            <a:avLst/>
+          </a:prstGeom>
+        </p:spPr>
+        <p:style>
+          <a:lnRef idx="2">
+            <a:schemeClr val="accent1"/>
+          </a:lnRef>
+          <a:fillRef idx="1">
+            <a:schemeClr val="lt1"/>
+          </a:fillRef>
+          <a:effectRef idx="0">
+            <a:schemeClr val="accent1"/>
+          </a:effectRef>
+          <a:fontRef idx="minor">
+            <a:schemeClr val="dk1"/>
+          </a:fontRef>
+        </p:style>
+        <p:txBody>
+          <a:bodyPr wrap="square" rtlCol="0">
+            <a:spAutoFit/>
+          </a:bodyPr>
+          <a:lstStyle/>
+          <a:p>
+            <a:r>
+              <a:rPr lang="ko-KR" altLang="en-US" dirty="0" err="1" smtClean="0"/>
+              <a:t>오니가와라의</a:t>
+            </a:r>
+            <a:r>
+              <a:rPr lang="ko-KR" altLang="en-US" dirty="0" smtClean="0"/>
+              <a:t> 턴</a:t>
+            </a:r>
+            <a:endParaRPr lang="en-US" altLang="ko-KR" dirty="0" smtClean="0"/>
+          </a:p>
+          <a:p>
+            <a:r>
+              <a:rPr lang="en-US" altLang="ko-KR" dirty="0" smtClean="0"/>
+              <a:t>10</a:t>
+            </a:r>
+            <a:r>
+              <a:rPr lang="ko-KR" altLang="en-US" dirty="0" smtClean="0"/>
+              <a:t>의 </a:t>
+            </a:r>
+            <a:r>
+              <a:rPr lang="ko-KR" altLang="en-US" dirty="0" err="1" smtClean="0"/>
+              <a:t>데미지를</a:t>
+            </a:r>
+            <a:r>
+              <a:rPr lang="ko-KR" altLang="en-US" dirty="0" smtClean="0"/>
+              <a:t> 입혔다</a:t>
+            </a:r>
+            <a:endParaRPr lang="en-US" altLang="ko-KR" dirty="0" smtClean="0"/>
+          </a:p>
+          <a:p>
+            <a:r>
+              <a:rPr lang="ko-KR" altLang="en-US" dirty="0" err="1" smtClean="0"/>
+              <a:t>고블린의</a:t>
+            </a:r>
+            <a:r>
+              <a:rPr lang="ko-KR" altLang="en-US" dirty="0" smtClean="0"/>
+              <a:t> 턴</a:t>
+            </a:r>
+            <a:endParaRPr lang="ko-KR" altLang="en-US" dirty="0"/>
+          </a:p>
+        </p:txBody>
+      </p:sp>
+      <p:sp>
+        <p:nvSpPr>
+          <p:cNvPr id="18" name="TextBox 17"/>
+          <p:cNvSpPr txBox="1"/>
+          <p:nvPr/>
+        </p:nvSpPr>
+        <p:spPr>
+          <a:xfrm>
+            <a:off x="3737521" y="2864323"/>
+            <a:ext cx="772969" cy="369332"/>
+          </a:xfrm>
+          <a:prstGeom prst="rect">
+            <a:avLst/>
+          </a:prstGeom>
+        </p:spPr>
+        <p:style>
+          <a:lnRef idx="2">
+            <a:schemeClr val="accent1"/>
+          </a:lnRef>
+          <a:fillRef idx="1">
+            <a:schemeClr val="lt1"/>
+          </a:fillRef>
+          <a:effectRef idx="0">
+            <a:schemeClr val="accent1"/>
+          </a:effectRef>
+          <a:fontRef idx="minor">
+            <a:schemeClr val="dk1"/>
+          </a:fontRef>
+        </p:style>
+        <p:txBody>
+          <a:bodyPr wrap="none" rtlCol="0">
+            <a:spAutoFit/>
+          </a:bodyPr>
+          <a:lstStyle/>
+          <a:p>
+            <a:r>
+              <a:rPr lang="ko-KR" altLang="en-US" dirty="0" smtClean="0"/>
+              <a:t>스킬</a:t>
+            </a:r>
+            <a:r>
+              <a:rPr lang="en-US" altLang="ko-KR" dirty="0" smtClean="0"/>
+              <a:t>1</a:t>
+            </a:r>
+            <a:endParaRPr lang="ko-KR" altLang="en-US" dirty="0"/>
+          </a:p>
+        </p:txBody>
+      </p:sp>
+      <p:sp>
+        <p:nvSpPr>
+          <p:cNvPr id="21" name="TextBox 20"/>
+          <p:cNvSpPr txBox="1"/>
+          <p:nvPr/>
+        </p:nvSpPr>
+        <p:spPr>
+          <a:xfrm>
+            <a:off x="3737521" y="3532366"/>
+            <a:ext cx="772969" cy="369332"/>
+          </a:xfrm>
+          <a:prstGeom prst="rect">
+            <a:avLst/>
+          </a:prstGeom>
+        </p:spPr>
+        <p:style>
+          <a:lnRef idx="2">
+            <a:schemeClr val="accent1"/>
+          </a:lnRef>
+          <a:fillRef idx="1">
+            <a:schemeClr val="lt1"/>
+          </a:fillRef>
+          <a:effectRef idx="0">
+            <a:schemeClr val="accent1"/>
+          </a:effectRef>
+          <a:fontRef idx="minor">
+            <a:schemeClr val="dk1"/>
+          </a:fontRef>
+        </p:style>
+        <p:txBody>
+          <a:bodyPr wrap="none" rtlCol="0">
+            <a:spAutoFit/>
+          </a:bodyPr>
+          <a:lstStyle/>
+          <a:p>
+            <a:r>
+              <a:rPr lang="ko-KR" altLang="en-US" dirty="0" smtClean="0"/>
+              <a:t>스킬</a:t>
+            </a:r>
+            <a:r>
+              <a:rPr lang="en-US" altLang="ko-KR" dirty="0" smtClean="0"/>
+              <a:t>2</a:t>
+            </a:r>
+            <a:endParaRPr lang="ko-KR" altLang="en-US" dirty="0"/>
+          </a:p>
+        </p:txBody>
+      </p:sp>
+      <p:sp>
+        <p:nvSpPr>
+          <p:cNvPr id="22" name="TextBox 21"/>
+          <p:cNvSpPr txBox="1"/>
+          <p:nvPr/>
+        </p:nvSpPr>
+        <p:spPr>
+          <a:xfrm>
+            <a:off x="3737521" y="4185084"/>
+            <a:ext cx="1003801" cy="369332"/>
+          </a:xfrm>
+          <a:prstGeom prst="rect">
+            <a:avLst/>
+          </a:prstGeom>
+        </p:spPr>
+        <p:style>
+          <a:lnRef idx="2">
+            <a:schemeClr val="accent1"/>
+          </a:lnRef>
+          <a:fillRef idx="1">
+            <a:schemeClr val="lt1"/>
+          </a:fillRef>
+          <a:effectRef idx="0">
+            <a:schemeClr val="accent1"/>
+          </a:effectRef>
+          <a:fontRef idx="minor">
+            <a:schemeClr val="dk1"/>
+          </a:fontRef>
+        </p:style>
+        <p:txBody>
+          <a:bodyPr wrap="none" rtlCol="0">
+            <a:spAutoFit/>
+          </a:bodyPr>
+          <a:lstStyle/>
+          <a:p>
+            <a:r>
+              <a:rPr lang="ko-KR" altLang="en-US" dirty="0" smtClean="0"/>
+              <a:t>아이템</a:t>
+            </a:r>
+            <a:r>
+              <a:rPr lang="en-US" altLang="ko-KR" dirty="0" smtClean="0"/>
+              <a:t>1</a:t>
+            </a:r>
+            <a:endParaRPr lang="ko-KR" altLang="en-US" dirty="0"/>
+          </a:p>
+        </p:txBody>
+      </p:sp>
+    </p:spTree>
+    <p:extLst>
+      <p:ext uri="{BB962C8B-B14F-4D97-AF65-F5344CB8AC3E}">
+        <p14:creationId xmlns:p14="http://schemas.microsoft.com/office/powerpoint/2010/main" val="3514929571"/>
       </p:ext>
     </p:extLst>
   </p:cSld>
@@ -5329,7 +6559,7 @@
         <p:spPr>
           <a:xfrm>
             <a:off x="0" y="0"/>
-            <a:ext cx="2192139" cy="369332"/>
+            <a:ext cx="2155270" cy="369332"/>
           </a:xfrm>
           <a:prstGeom prst="rect">
             <a:avLst/>
@@ -5344,7 +6574,7 @@
           <a:p>
             <a:r>
               <a:rPr lang="en-US" altLang="ko-KR" dirty="0" err="1" smtClean="0"/>
-              <a:t>Chararter_select.jsp</a:t>
+              <a:t>chararter_select.jsp</a:t>
             </a:r>
             <a:endParaRPr lang="ko-KR" altLang="en-US" dirty="0"/>
           </a:p>
@@ -6127,11 +7357,7 @@
           <a:p>
             <a:r>
               <a:rPr lang="ko-KR" altLang="en-US" dirty="0" err="1" smtClean="0"/>
-              <a:t>간단한스토리설명</a:t>
-            </a:r>
-            <a:r>
-              <a:rPr lang="ko-KR" altLang="en-US" dirty="0" err="1" smtClean="0"/>
-              <a:t>간단한스토리설명간단한스토리설명</a:t>
+              <a:t>간단한스토리설명간단한스토리설명간단한스토리설명</a:t>
             </a:r>
             <a:endParaRPr lang="en-US" altLang="ko-KR" dirty="0"/>
           </a:p>
@@ -6245,7 +7471,7 @@
         <p:spPr>
           <a:xfrm>
             <a:off x="0" y="0"/>
-            <a:ext cx="1042273" cy="369332"/>
+            <a:ext cx="1491883" cy="369332"/>
           </a:xfrm>
           <a:prstGeom prst="rect">
             <a:avLst/>
@@ -6259,8 +7485,8 @@
           <a:lstStyle/>
           <a:p>
             <a:r>
-              <a:rPr lang="en-US" altLang="ko-KR" dirty="0" err="1" smtClean="0"/>
-              <a:t>main.jsp</a:t>
+              <a:rPr lang="en-US" altLang="ko-KR" dirty="0" err="1"/>
+              <a:t>inventory.jsp</a:t>
             </a:r>
             <a:endParaRPr lang="ko-KR" altLang="en-US" dirty="0"/>
           </a:p>
@@ -7029,7 +8255,9 @@
       </p:sp>
       <p:sp>
         <p:nvSpPr>
-          <p:cNvPr id="34" name="TextBox 33"/>
+          <p:cNvPr id="34" name="TextBox 33">
+            <a:hlinkClick r:id="rId2" action="ppaction://hlinksldjump"/>
+          </p:cNvPr>
           <p:cNvSpPr txBox="1"/>
           <p:nvPr/>
         </p:nvSpPr>
@@ -7356,7 +8584,7 @@
         <p:spPr>
           <a:xfrm>
             <a:off x="0" y="0"/>
-            <a:ext cx="990977" cy="369332"/>
+            <a:ext cx="1673150" cy="369332"/>
           </a:xfrm>
           <a:prstGeom prst="rect">
             <a:avLst/>
@@ -7371,7 +8599,11 @@
           <a:p>
             <a:r>
               <a:rPr lang="en-US" altLang="ko-KR" dirty="0" err="1" smtClean="0"/>
-              <a:t>map.jsp</a:t>
+              <a:t>map_world</a:t>
+            </a:r>
+            <a:r>
+              <a:rPr lang="en-US" altLang="ko-KR" dirty="0" err="1" smtClean="0"/>
+              <a:t>.jsp</a:t>
             </a:r>
             <a:endParaRPr lang="ko-KR" altLang="en-US" dirty="0"/>
           </a:p>
@@ -9083,6 +10315,59 @@
             <a:r>
               <a:rPr lang="ko-KR" altLang="en-US" dirty="0" smtClean="0"/>
               <a:t>도감</a:t>
+            </a:r>
+            <a:endParaRPr lang="ko-KR" altLang="en-US" dirty="0"/>
+          </a:p>
+        </p:txBody>
+      </p:sp>
+      <p:sp>
+        <p:nvSpPr>
+          <p:cNvPr id="16" name="TextBox 15">
+            <a:hlinkClick r:id="rId7" action="ppaction://hlinksldjump"/>
+          </p:cNvPr>
+          <p:cNvSpPr txBox="1"/>
+          <p:nvPr/>
+        </p:nvSpPr>
+        <p:spPr>
+          <a:xfrm>
+            <a:off x="1770221" y="3815752"/>
+            <a:ext cx="1600118" cy="369332"/>
+          </a:xfrm>
+          <a:prstGeom prst="rect">
+            <a:avLst/>
+          </a:prstGeom>
+        </p:spPr>
+        <p:style>
+          <a:lnRef idx="2">
+            <a:schemeClr val="accent1"/>
+          </a:lnRef>
+          <a:fillRef idx="1">
+            <a:schemeClr val="lt1"/>
+          </a:fillRef>
+          <a:effectRef idx="0">
+            <a:schemeClr val="accent1"/>
+          </a:effectRef>
+          <a:fontRef idx="minor">
+            <a:schemeClr val="dk1"/>
+          </a:fontRef>
+        </p:style>
+        <p:txBody>
+          <a:bodyPr wrap="none" rtlCol="0">
+            <a:spAutoFit/>
+          </a:bodyPr>
+          <a:lstStyle/>
+          <a:p>
+            <a:r>
+              <a:rPr lang="en-US" altLang="ko-KR" dirty="0" smtClean="0"/>
+              <a:t>* </a:t>
+            </a:r>
+            <a:r>
+              <a:rPr lang="ko-KR" altLang="en-US" dirty="0" err="1" smtClean="0"/>
+              <a:t>고블린</a:t>
+            </a:r>
+            <a:r>
+              <a:rPr lang="ko-KR" altLang="en-US" dirty="0" smtClean="0"/>
+              <a:t> 무리</a:t>
             </a:r>
             <a:endParaRPr lang="ko-KR" altLang="en-US" dirty="0"/>
           </a:p>

--- a/RPG/etc/view.pptx
+++ b/RPG/etc/view.pptx
@@ -204,7 +204,7 @@
           <a:p>
             <a:fld id="{77946FEB-6533-4778-8682-859E4C6A3A82}" type="datetimeFigureOut">
               <a:rPr lang="ko-KR" altLang="en-US" smtClean="0"/>
-              <a:t>2019-03-08</a:t>
+              <a:t>2019-03-11</a:t>
             </a:fld>
             <a:endParaRPr lang="ko-KR" altLang="en-US"/>
           </a:p>
@@ -653,7 +653,7 @@
           <a:p>
             <a:fld id="{1FAC5247-A0F9-451C-8367-F46B7645F8B6}" type="datetimeFigureOut">
               <a:rPr lang="ko-KR" altLang="en-US" smtClean="0"/>
-              <a:t>2019-03-08</a:t>
+              <a:t>2019-03-11</a:t>
             </a:fld>
             <a:endParaRPr lang="ko-KR" altLang="en-US"/>
           </a:p>
@@ -823,7 +823,7 @@
           <a:p>
             <a:fld id="{1FAC5247-A0F9-451C-8367-F46B7645F8B6}" type="datetimeFigureOut">
               <a:rPr lang="ko-KR" altLang="en-US" smtClean="0"/>
-              <a:t>2019-03-08</a:t>
+              <a:t>2019-03-11</a:t>
             </a:fld>
             <a:endParaRPr lang="ko-KR" altLang="en-US"/>
           </a:p>
@@ -1003,7 +1003,7 @@
           <a:p>
             <a:fld id="{1FAC5247-A0F9-451C-8367-F46B7645F8B6}" type="datetimeFigureOut">
               <a:rPr lang="ko-KR" altLang="en-US" smtClean="0"/>
-              <a:t>2019-03-08</a:t>
+              <a:t>2019-03-11</a:t>
             </a:fld>
             <a:endParaRPr lang="ko-KR" altLang="en-US"/>
           </a:p>
@@ -1173,7 +1173,7 @@
           <a:p>
             <a:fld id="{1FAC5247-A0F9-451C-8367-F46B7645F8B6}" type="datetimeFigureOut">
               <a:rPr lang="ko-KR" altLang="en-US" smtClean="0"/>
-              <a:t>2019-03-08</a:t>
+              <a:t>2019-03-11</a:t>
             </a:fld>
             <a:endParaRPr lang="ko-KR" altLang="en-US"/>
           </a:p>
@@ -1419,7 +1419,7 @@
           <a:p>
             <a:fld id="{1FAC5247-A0F9-451C-8367-F46B7645F8B6}" type="datetimeFigureOut">
               <a:rPr lang="ko-KR" altLang="en-US" smtClean="0"/>
-              <a:t>2019-03-08</a:t>
+              <a:t>2019-03-11</a:t>
             </a:fld>
             <a:endParaRPr lang="ko-KR" altLang="en-US"/>
           </a:p>
@@ -1707,7 +1707,7 @@
           <a:p>
             <a:fld id="{1FAC5247-A0F9-451C-8367-F46B7645F8B6}" type="datetimeFigureOut">
               <a:rPr lang="ko-KR" altLang="en-US" smtClean="0"/>
-              <a:t>2019-03-08</a:t>
+              <a:t>2019-03-11</a:t>
             </a:fld>
             <a:endParaRPr lang="ko-KR" altLang="en-US"/>
           </a:p>
@@ -2129,7 +2129,7 @@
           <a:p>
             <a:fld id="{1FAC5247-A0F9-451C-8367-F46B7645F8B6}" type="datetimeFigureOut">
               <a:rPr lang="ko-KR" altLang="en-US" smtClean="0"/>
-              <a:t>2019-03-08</a:t>
+              <a:t>2019-03-11</a:t>
             </a:fld>
             <a:endParaRPr lang="ko-KR" altLang="en-US"/>
           </a:p>
@@ -2247,7 +2247,7 @@
           <a:p>
             <a:fld id="{1FAC5247-A0F9-451C-8367-F46B7645F8B6}" type="datetimeFigureOut">
               <a:rPr lang="ko-KR" altLang="en-US" smtClean="0"/>
-              <a:t>2019-03-08</a:t>
+              <a:t>2019-03-11</a:t>
             </a:fld>
             <a:endParaRPr lang="ko-KR" altLang="en-US"/>
           </a:p>
@@ -2342,7 +2342,7 @@
           <a:p>
             <a:fld id="{1FAC5247-A0F9-451C-8367-F46B7645F8B6}" type="datetimeFigureOut">
               <a:rPr lang="ko-KR" altLang="en-US" smtClean="0"/>
-              <a:t>2019-03-08</a:t>
+              <a:t>2019-03-11</a:t>
             </a:fld>
             <a:endParaRPr lang="ko-KR" altLang="en-US"/>
           </a:p>
@@ -2619,7 +2619,7 @@
           <a:p>
             <a:fld id="{1FAC5247-A0F9-451C-8367-F46B7645F8B6}" type="datetimeFigureOut">
               <a:rPr lang="ko-KR" altLang="en-US" smtClean="0"/>
-              <a:t>2019-03-08</a:t>
+              <a:t>2019-03-11</a:t>
             </a:fld>
             <a:endParaRPr lang="ko-KR" altLang="en-US"/>
           </a:p>
@@ -2872,7 +2872,7 @@
           <a:p>
             <a:fld id="{1FAC5247-A0F9-451C-8367-F46B7645F8B6}" type="datetimeFigureOut">
               <a:rPr lang="ko-KR" altLang="en-US" smtClean="0"/>
-              <a:t>2019-03-08</a:t>
+              <a:t>2019-03-11</a:t>
             </a:fld>
             <a:endParaRPr lang="ko-KR" altLang="en-US"/>
           </a:p>
@@ -3085,7 +3085,7 @@
           <a:p>
             <a:fld id="{1FAC5247-A0F9-451C-8367-F46B7645F8B6}" type="datetimeFigureOut">
               <a:rPr lang="ko-KR" altLang="en-US" smtClean="0"/>
-              <a:t>2019-03-08</a:t>
+              <a:t>2019-03-11</a:t>
             </a:fld>
             <a:endParaRPr lang="ko-KR" altLang="en-US"/>
           </a:p>
@@ -4438,11 +4438,7 @@
           <a:p>
             <a:r>
               <a:rPr lang="en-US" altLang="ko-KR" dirty="0" err="1" smtClean="0"/>
-              <a:t>journal</a:t>
-            </a:r>
-            <a:r>
-              <a:rPr lang="en-US" altLang="ko-KR" dirty="0" err="1" smtClean="0"/>
-              <a:t>.jsp</a:t>
+              <a:t>journal.jsp</a:t>
             </a:r>
             <a:endParaRPr lang="ko-KR" altLang="en-US" dirty="0"/>
           </a:p>
@@ -5459,7 +5455,6 @@
               <a:rPr lang="ko-KR" altLang="en-US" dirty="0"/>
               <a:t>다</a:t>
             </a:r>
-            <a:endParaRPr lang="ko-KR" altLang="en-US" dirty="0"/>
           </a:p>
         </p:txBody>
       </p:sp>
@@ -6589,7 +6584,7 @@
         <p:spPr>
           <a:xfrm>
             <a:off x="2987824" y="980728"/>
-            <a:ext cx="2343911" cy="369332"/>
+            <a:ext cx="2887329" cy="369332"/>
           </a:xfrm>
           <a:prstGeom prst="rect">
             <a:avLst/>
@@ -6604,11 +6599,11 @@
           <a:p>
             <a:r>
               <a:rPr lang="ko-KR" altLang="en-US" dirty="0" err="1" smtClean="0"/>
-              <a:t>케릭터를</a:t>
+              <a:t>케릭터</a:t>
             </a:r>
             <a:r>
               <a:rPr lang="ko-KR" altLang="en-US" dirty="0" smtClean="0"/>
-              <a:t> 선택하세요</a:t>
+              <a:t> 정보를 입력하세요</a:t>
             </a:r>
             <a:endParaRPr lang="ko-KR" altLang="en-US" dirty="0"/>
           </a:p>
@@ -6624,8 +6619,152 @@
         </p:nvSpPr>
         <p:spPr>
           <a:xfrm>
-            <a:off x="3563888" y="1916832"/>
-            <a:ext cx="1872208" cy="3240360"/>
+            <a:off x="3789539" y="2884294"/>
+            <a:ext cx="1872208" cy="288032"/>
+          </a:xfrm>
+          <a:prstGeom prst="rect">
+            <a:avLst/>
+          </a:prstGeom>
+        </p:spPr>
+        <p:style>
+          <a:lnRef idx="2">
+            <a:schemeClr val="accent1"/>
+          </a:lnRef>
+          <a:fillRef idx="1">
+            <a:schemeClr val="lt1"/>
+          </a:fillRef>
+          <a:effectRef idx="0">
+            <a:schemeClr val="accent1"/>
+          </a:effectRef>
+          <a:fontRef idx="minor">
+            <a:schemeClr val="dk1"/>
+          </a:fontRef>
+        </p:style>
+        <p:txBody>
+          <a:bodyPr rtlCol="0" anchor="ctr"/>
+          <a:lstStyle/>
+          <a:p>
+            <a:pPr algn="ctr"/>
+            <a:endParaRPr lang="ko-KR" altLang="en-US"/>
+          </a:p>
+        </p:txBody>
+      </p:sp>
+      <p:sp>
+        <p:nvSpPr>
+          <p:cNvPr id="9" name="TextBox 8">
+            <a:hlinkClick r:id="rId2" action="ppaction://hlinksldjump"/>
+          </p:cNvPr>
+          <p:cNvSpPr txBox="1"/>
+          <p:nvPr/>
+        </p:nvSpPr>
+        <p:spPr>
+          <a:xfrm>
+            <a:off x="2318410" y="2812286"/>
+            <a:ext cx="1338828" cy="369332"/>
+          </a:xfrm>
+          <a:prstGeom prst="rect">
+            <a:avLst/>
+          </a:prstGeom>
+          <a:noFill/>
+        </p:spPr>
+        <p:txBody>
+          <a:bodyPr wrap="none" rtlCol="0">
+            <a:spAutoFit/>
+          </a:bodyPr>
+          <a:lstStyle/>
+          <a:p>
+            <a:r>
+              <a:rPr lang="ko-KR" altLang="en-US" dirty="0" err="1" smtClean="0"/>
+              <a:t>케릭터이름</a:t>
+            </a:r>
+            <a:endParaRPr lang="ko-KR" altLang="en-US" dirty="0"/>
+          </a:p>
+        </p:txBody>
+      </p:sp>
+      <p:sp>
+        <p:nvSpPr>
+          <p:cNvPr id="10" name="TextBox 9">
+            <a:hlinkClick r:id="rId2" action="ppaction://hlinksldjump"/>
+          </p:cNvPr>
+          <p:cNvSpPr txBox="1"/>
+          <p:nvPr/>
+        </p:nvSpPr>
+        <p:spPr>
+          <a:xfrm>
+            <a:off x="2320993" y="3379058"/>
+            <a:ext cx="1338828" cy="369332"/>
+          </a:xfrm>
+          <a:prstGeom prst="rect">
+            <a:avLst/>
+          </a:prstGeom>
+          <a:noFill/>
+        </p:spPr>
+        <p:txBody>
+          <a:bodyPr wrap="none" rtlCol="0">
+            <a:spAutoFit/>
+          </a:bodyPr>
+          <a:lstStyle/>
+          <a:p>
+            <a:r>
+              <a:rPr lang="ko-KR" altLang="en-US" dirty="0" err="1" smtClean="0"/>
+              <a:t>케릭터성향</a:t>
+            </a:r>
+            <a:endParaRPr lang="ko-KR" altLang="en-US" dirty="0"/>
+          </a:p>
+        </p:txBody>
+      </p:sp>
+      <p:sp>
+        <p:nvSpPr>
+          <p:cNvPr id="11" name="직사각형 10">
+            <a:hlinkClick r:id="rId2" action="ppaction://hlinksldjump"/>
+          </p:cNvPr>
+          <p:cNvSpPr/>
+          <p:nvPr/>
+        </p:nvSpPr>
+        <p:spPr>
+          <a:xfrm>
+            <a:off x="3789539" y="3460358"/>
+            <a:ext cx="1872208" cy="288032"/>
+          </a:xfrm>
+          <a:prstGeom prst="rect">
+            <a:avLst/>
+          </a:prstGeom>
+        </p:spPr>
+        <p:style>
+          <a:lnRef idx="2">
+            <a:schemeClr val="accent1"/>
+          </a:lnRef>
+          <a:fillRef idx="1">
+            <a:schemeClr val="lt1"/>
+          </a:fillRef>
+          <a:effectRef idx="0">
+            <a:schemeClr val="accent1"/>
+          </a:effectRef>
+          <a:fontRef idx="minor">
+            <a:schemeClr val="dk1"/>
+          </a:fontRef>
+        </p:style>
+        <p:txBody>
+          <a:bodyPr rtlCol="0" anchor="ctr"/>
+          <a:lstStyle/>
+          <a:p>
+            <a:pPr algn="ctr"/>
+            <a:endParaRPr lang="ko-KR" altLang="en-US"/>
+          </a:p>
+        </p:txBody>
+      </p:sp>
+      <p:sp>
+        <p:nvSpPr>
+          <p:cNvPr id="14" name="TextBox 13">
+            <a:hlinkClick r:id="rId2" action="ppaction://hlinksldjump"/>
+          </p:cNvPr>
+          <p:cNvSpPr txBox="1"/>
+          <p:nvPr/>
+        </p:nvSpPr>
+        <p:spPr>
+          <a:xfrm>
+            <a:off x="6372200" y="5165990"/>
+            <a:ext cx="1107996" cy="369332"/>
           </a:xfrm>
           <a:prstGeom prst="rect">
             <a:avLst/>
@@ -6648,166 +6787,14 @@
           </a:fontRef>
         </p:style>
         <p:txBody>
-          <a:bodyPr rtlCol="0" anchor="ctr"/>
-          <a:lstStyle/>
-          <a:p>
-            <a:pPr algn="ctr"/>
-            <a:endParaRPr lang="ko-KR" altLang="en-US"/>
-          </a:p>
-        </p:txBody>
-      </p:sp>
-      <p:sp>
-        <p:nvSpPr>
-          <p:cNvPr id="7" name="직사각형 6"/>
-          <p:cNvSpPr/>
-          <p:nvPr/>
-        </p:nvSpPr>
-        <p:spPr>
-          <a:xfrm>
-            <a:off x="6084168" y="1916832"/>
-            <a:ext cx="1872208" cy="3240360"/>
-          </a:xfrm>
-          <a:prstGeom prst="rect">
-            <a:avLst/>
-          </a:prstGeom>
-        </p:spPr>
-        <p:style>
-          <a:lnRef idx="2">
-            <a:schemeClr val="accent1">
-              <a:shade val="50000"/>
-            </a:schemeClr>
-          </a:lnRef>
-          <a:fillRef idx="1">
-            <a:schemeClr val="accent1"/>
-          </a:fillRef>
-          <a:effectRef idx="0">
-            <a:schemeClr val="accent1"/>
-          </a:effectRef>
-          <a:fontRef idx="minor">
-            <a:schemeClr val="lt1"/>
-          </a:fontRef>
-        </p:style>
-        <p:txBody>
-          <a:bodyPr rtlCol="0" anchor="ctr"/>
-          <a:lstStyle/>
-          <a:p>
-            <a:pPr algn="ctr"/>
-            <a:endParaRPr lang="ko-KR" altLang="en-US"/>
-          </a:p>
-        </p:txBody>
-      </p:sp>
-      <p:sp>
-        <p:nvSpPr>
-          <p:cNvPr id="5" name="직사각형 4">
-            <a:hlinkClick r:id="rId3" action="ppaction://hlinksldjump"/>
-          </p:cNvPr>
-          <p:cNvSpPr/>
-          <p:nvPr/>
-        </p:nvSpPr>
-        <p:spPr>
-          <a:xfrm>
-            <a:off x="1115616" y="1916832"/>
-            <a:ext cx="1872208" cy="3240360"/>
-          </a:xfrm>
-          <a:prstGeom prst="rect">
-            <a:avLst/>
-          </a:prstGeom>
-        </p:spPr>
-        <p:style>
-          <a:lnRef idx="2">
-            <a:schemeClr val="accent1">
-              <a:shade val="50000"/>
-            </a:schemeClr>
-          </a:lnRef>
-          <a:fillRef idx="1">
-            <a:schemeClr val="accent1"/>
-          </a:fillRef>
-          <a:effectRef idx="0">
-            <a:schemeClr val="accent1"/>
-          </a:effectRef>
-          <a:fontRef idx="minor">
-            <a:schemeClr val="lt1"/>
-          </a:fontRef>
-        </p:style>
-        <p:txBody>
-          <a:bodyPr rtlCol="0" anchor="ctr"/>
-          <a:lstStyle/>
-          <a:p>
-            <a:pPr algn="ctr"/>
-            <a:endParaRPr lang="ko-KR" altLang="en-US"/>
-          </a:p>
-        </p:txBody>
-      </p:sp>
-      <p:sp>
-        <p:nvSpPr>
-          <p:cNvPr id="8" name="TextBox 7">
-            <a:hlinkClick r:id="rId3" action="ppaction://hlinksldjump"/>
-          </p:cNvPr>
-          <p:cNvSpPr txBox="1"/>
-          <p:nvPr/>
-        </p:nvSpPr>
-        <p:spPr>
-          <a:xfrm>
-            <a:off x="1382306" y="3213846"/>
-            <a:ext cx="1338828" cy="646331"/>
-          </a:xfrm>
-          <a:prstGeom prst="rect">
-            <a:avLst/>
-          </a:prstGeom>
-          <a:noFill/>
-        </p:spPr>
-        <p:txBody>
-          <a:bodyPr wrap="none" rtlCol="0">
-            <a:spAutoFit/>
-          </a:bodyPr>
-          <a:lstStyle/>
-          <a:p>
-            <a:r>
-              <a:rPr lang="ko-KR" altLang="en-US" dirty="0" err="1" smtClean="0"/>
-              <a:t>케릭터이름</a:t>
-            </a:r>
-            <a:endParaRPr lang="en-US" altLang="ko-KR" dirty="0" smtClean="0"/>
-          </a:p>
+          <a:bodyPr wrap="none" rtlCol="0">
+            <a:spAutoFit/>
+          </a:bodyPr>
+          <a:lstStyle/>
           <a:p>
             <a:r>
               <a:rPr lang="ko-KR" altLang="en-US" dirty="0" smtClean="0"/>
-              <a:t>직업</a:t>
-            </a:r>
-            <a:endParaRPr lang="en-US" altLang="ko-KR" dirty="0" smtClean="0"/>
-          </a:p>
-        </p:txBody>
-      </p:sp>
-      <p:sp>
-        <p:nvSpPr>
-          <p:cNvPr id="9" name="TextBox 8">
-            <a:hlinkClick r:id="rId2" action="ppaction://hlinksldjump"/>
-          </p:cNvPr>
-          <p:cNvSpPr txBox="1"/>
-          <p:nvPr/>
-        </p:nvSpPr>
-        <p:spPr>
-          <a:xfrm>
-            <a:off x="3830578" y="3352346"/>
-            <a:ext cx="1338828" cy="369332"/>
-          </a:xfrm>
-          <a:prstGeom prst="rect">
-            <a:avLst/>
-          </a:prstGeom>
-          <a:noFill/>
-        </p:spPr>
-        <p:txBody>
-          <a:bodyPr wrap="none" rtlCol="0">
-            <a:spAutoFit/>
-          </a:bodyPr>
-          <a:lstStyle/>
-          <a:p>
-            <a:r>
-              <a:rPr lang="ko-KR" altLang="en-US" dirty="0" err="1" smtClean="0"/>
-              <a:t>새로만들</a:t>
-            </a:r>
-            <a:r>
-              <a:rPr lang="ko-KR" altLang="en-US" dirty="0" err="1"/>
-              <a:t>기</a:t>
+              <a:t>시작하기</a:t>
             </a:r>
             <a:endParaRPr lang="ko-KR" altLang="en-US" dirty="0"/>
           </a:p>
@@ -8599,11 +8586,7 @@
           <a:p>
             <a:r>
               <a:rPr lang="en-US" altLang="ko-KR" dirty="0" err="1" smtClean="0"/>
-              <a:t>map_world</a:t>
-            </a:r>
-            <a:r>
-              <a:rPr lang="en-US" altLang="ko-KR" dirty="0" err="1" smtClean="0"/>
-              <a:t>.jsp</a:t>
+              <a:t>map_world.jsp</a:t>
             </a:r>
             <a:endParaRPr lang="ko-KR" altLang="en-US" dirty="0"/>
           </a:p>

--- a/RPG/etc/view.pptx
+++ b/RPG/etc/view.pptx
@@ -5,22 +5,21 @@
     <p:sldMasterId id="2147483648" r:id="rId1"/>
   </p:sldMasterIdLst>
   <p:notesMasterIdLst>
-    <p:notesMasterId r:id="rId15"/>
+    <p:notesMasterId r:id="rId14"/>
   </p:notesMasterIdLst>
   <p:sldIdLst>
     <p:sldId id="256" r:id="rId2"/>
     <p:sldId id="258" r:id="rId3"/>
-    <p:sldId id="259" r:id="rId4"/>
-    <p:sldId id="260" r:id="rId5"/>
-    <p:sldId id="257" r:id="rId6"/>
-    <p:sldId id="266" r:id="rId7"/>
-    <p:sldId id="261" r:id="rId8"/>
-    <p:sldId id="262" r:id="rId9"/>
-    <p:sldId id="263" r:id="rId10"/>
-    <p:sldId id="264" r:id="rId11"/>
-    <p:sldId id="265" r:id="rId12"/>
-    <p:sldId id="267" r:id="rId13"/>
-    <p:sldId id="268" r:id="rId14"/>
+    <p:sldId id="260" r:id="rId4"/>
+    <p:sldId id="257" r:id="rId5"/>
+    <p:sldId id="266" r:id="rId6"/>
+    <p:sldId id="261" r:id="rId7"/>
+    <p:sldId id="262" r:id="rId8"/>
+    <p:sldId id="263" r:id="rId9"/>
+    <p:sldId id="264" r:id="rId10"/>
+    <p:sldId id="265" r:id="rId11"/>
+    <p:sldId id="267" r:id="rId12"/>
+    <p:sldId id="268" r:id="rId13"/>
   </p:sldIdLst>
   <p:sldSz cx="9144000" cy="6858000" type="screen4x3"/>
   <p:notesSz cx="6858000" cy="9144000"/>
@@ -204,7 +203,7 @@
           <a:p>
             <a:fld id="{77946FEB-6533-4778-8682-859E4C6A3A82}" type="datetimeFigureOut">
               <a:rPr lang="ko-KR" altLang="en-US" smtClean="0"/>
-              <a:t>2019-03-11</a:t>
+              <a:t>2019-03-15</a:t>
             </a:fld>
             <a:endParaRPr lang="ko-KR" altLang="en-US"/>
           </a:p>
@@ -653,7 +652,7 @@
           <a:p>
             <a:fld id="{1FAC5247-A0F9-451C-8367-F46B7645F8B6}" type="datetimeFigureOut">
               <a:rPr lang="ko-KR" altLang="en-US" smtClean="0"/>
-              <a:t>2019-03-11</a:t>
+              <a:t>2019-03-15</a:t>
             </a:fld>
             <a:endParaRPr lang="ko-KR" altLang="en-US"/>
           </a:p>
@@ -823,7 +822,7 @@
           <a:p>
             <a:fld id="{1FAC5247-A0F9-451C-8367-F46B7645F8B6}" type="datetimeFigureOut">
               <a:rPr lang="ko-KR" altLang="en-US" smtClean="0"/>
-              <a:t>2019-03-11</a:t>
+              <a:t>2019-03-15</a:t>
             </a:fld>
             <a:endParaRPr lang="ko-KR" altLang="en-US"/>
           </a:p>
@@ -1003,7 +1002,7 @@
           <a:p>
             <a:fld id="{1FAC5247-A0F9-451C-8367-F46B7645F8B6}" type="datetimeFigureOut">
               <a:rPr lang="ko-KR" altLang="en-US" smtClean="0"/>
-              <a:t>2019-03-11</a:t>
+              <a:t>2019-03-15</a:t>
             </a:fld>
             <a:endParaRPr lang="ko-KR" altLang="en-US"/>
           </a:p>
@@ -1173,7 +1172,7 @@
           <a:p>
             <a:fld id="{1FAC5247-A0F9-451C-8367-F46B7645F8B6}" type="datetimeFigureOut">
               <a:rPr lang="ko-KR" altLang="en-US" smtClean="0"/>
-              <a:t>2019-03-11</a:t>
+              <a:t>2019-03-15</a:t>
             </a:fld>
             <a:endParaRPr lang="ko-KR" altLang="en-US"/>
           </a:p>
@@ -1419,7 +1418,7 @@
           <a:p>
             <a:fld id="{1FAC5247-A0F9-451C-8367-F46B7645F8B6}" type="datetimeFigureOut">
               <a:rPr lang="ko-KR" altLang="en-US" smtClean="0"/>
-              <a:t>2019-03-11</a:t>
+              <a:t>2019-03-15</a:t>
             </a:fld>
             <a:endParaRPr lang="ko-KR" altLang="en-US"/>
           </a:p>
@@ -1707,7 +1706,7 @@
           <a:p>
             <a:fld id="{1FAC5247-A0F9-451C-8367-F46B7645F8B6}" type="datetimeFigureOut">
               <a:rPr lang="ko-KR" altLang="en-US" smtClean="0"/>
-              <a:t>2019-03-11</a:t>
+              <a:t>2019-03-15</a:t>
             </a:fld>
             <a:endParaRPr lang="ko-KR" altLang="en-US"/>
           </a:p>
@@ -2129,7 +2128,7 @@
           <a:p>
             <a:fld id="{1FAC5247-A0F9-451C-8367-F46B7645F8B6}" type="datetimeFigureOut">
               <a:rPr lang="ko-KR" altLang="en-US" smtClean="0"/>
-              <a:t>2019-03-11</a:t>
+              <a:t>2019-03-15</a:t>
             </a:fld>
             <a:endParaRPr lang="ko-KR" altLang="en-US"/>
           </a:p>
@@ -2247,7 +2246,7 @@
           <a:p>
             <a:fld id="{1FAC5247-A0F9-451C-8367-F46B7645F8B6}" type="datetimeFigureOut">
               <a:rPr lang="ko-KR" altLang="en-US" smtClean="0"/>
-              <a:t>2019-03-11</a:t>
+              <a:t>2019-03-15</a:t>
             </a:fld>
             <a:endParaRPr lang="ko-KR" altLang="en-US"/>
           </a:p>
@@ -2342,7 +2341,7 @@
           <a:p>
             <a:fld id="{1FAC5247-A0F9-451C-8367-F46B7645F8B6}" type="datetimeFigureOut">
               <a:rPr lang="ko-KR" altLang="en-US" smtClean="0"/>
-              <a:t>2019-03-11</a:t>
+              <a:t>2019-03-15</a:t>
             </a:fld>
             <a:endParaRPr lang="ko-KR" altLang="en-US"/>
           </a:p>
@@ -2619,7 +2618,7 @@
           <a:p>
             <a:fld id="{1FAC5247-A0F9-451C-8367-F46B7645F8B6}" type="datetimeFigureOut">
               <a:rPr lang="ko-KR" altLang="en-US" smtClean="0"/>
-              <a:t>2019-03-11</a:t>
+              <a:t>2019-03-15</a:t>
             </a:fld>
             <a:endParaRPr lang="ko-KR" altLang="en-US"/>
           </a:p>
@@ -2872,7 +2871,7 @@
           <a:p>
             <a:fld id="{1FAC5247-A0F9-451C-8367-F46B7645F8B6}" type="datetimeFigureOut">
               <a:rPr lang="ko-KR" altLang="en-US" smtClean="0"/>
-              <a:t>2019-03-11</a:t>
+              <a:t>2019-03-15</a:t>
             </a:fld>
             <a:endParaRPr lang="ko-KR" altLang="en-US"/>
           </a:p>
@@ -3085,7 +3084,7 @@
           <a:p>
             <a:fld id="{1FAC5247-A0F9-451C-8367-F46B7645F8B6}" type="datetimeFigureOut">
               <a:rPr lang="ko-KR" altLang="en-US" smtClean="0"/>
-              <a:t>2019-03-11</a:t>
+              <a:t>2019-03-15</a:t>
             </a:fld>
             <a:endParaRPr lang="ko-KR" altLang="en-US"/>
           </a:p>
@@ -3811,7 +3810,7 @@
         <p:spPr>
           <a:xfrm>
             <a:off x="1770221" y="2708920"/>
-            <a:ext cx="3959738" cy="369332"/>
+            <a:ext cx="646331" cy="369332"/>
           </a:xfrm>
           <a:prstGeom prst="rect">
             <a:avLst/>
@@ -3838,28 +3837,51 @@
           <a:lstStyle/>
           <a:p>
             <a:r>
-              <a:rPr lang="en-US" altLang="ko-KR" dirty="0" smtClean="0"/>
-              <a:t>* </a:t>
-            </a:r>
+              <a:rPr lang="ko-KR" altLang="en-US" dirty="0" smtClean="0"/>
+              <a:t>레벨</a:t>
+            </a:r>
+            <a:endParaRPr lang="ko-KR" altLang="en-US" dirty="0"/>
+          </a:p>
+        </p:txBody>
+      </p:sp>
+      <p:sp>
+        <p:nvSpPr>
+          <p:cNvPr id="10" name="TextBox 9"/>
+          <p:cNvSpPr txBox="1"/>
+          <p:nvPr/>
+        </p:nvSpPr>
+        <p:spPr>
+          <a:xfrm>
+            <a:off x="2771800" y="3212976"/>
+            <a:ext cx="877163" cy="369332"/>
+          </a:xfrm>
+          <a:prstGeom prst="rect">
+            <a:avLst/>
+          </a:prstGeom>
+        </p:spPr>
+        <p:style>
+          <a:lnRef idx="2">
+            <a:schemeClr val="accent1"/>
+          </a:lnRef>
+          <a:fillRef idx="1">
+            <a:schemeClr val="lt1"/>
+          </a:fillRef>
+          <a:effectRef idx="0">
+            <a:schemeClr val="accent1"/>
+          </a:effectRef>
+          <a:fontRef idx="minor">
+            <a:schemeClr val="dk1"/>
+          </a:fontRef>
+        </p:style>
+        <p:txBody>
+          <a:bodyPr wrap="none" rtlCol="0">
+            <a:spAutoFit/>
+          </a:bodyPr>
+          <a:lstStyle/>
+          <a:p>
             <a:r>
               <a:rPr lang="ko-KR" altLang="en-US" dirty="0" err="1" smtClean="0"/>
-              <a:t>길잃은</a:t>
-            </a:r>
-            <a:r>
-              <a:rPr lang="ko-KR" altLang="en-US" dirty="0" smtClean="0"/>
-              <a:t> 아이를 찾아라 </a:t>
-            </a:r>
-            <a:r>
-              <a:rPr lang="en-US" altLang="ko-KR" dirty="0" smtClean="0"/>
-              <a:t>(</a:t>
-            </a:r>
-            <a:r>
-              <a:rPr lang="ko-KR" altLang="en-US" dirty="0" smtClean="0"/>
-              <a:t>권장레벨 </a:t>
-            </a:r>
-            <a:r>
-              <a:rPr lang="en-US" altLang="ko-KR" dirty="0" smtClean="0"/>
-              <a:t>1)</a:t>
+              <a:t>고블린</a:t>
             </a:r>
             <a:endParaRPr lang="ko-KR" altLang="en-US" dirty="0"/>
           </a:p>
@@ -3867,14 +3889,14 @@
       </p:sp>
       <p:sp>
         <p:nvSpPr>
-          <p:cNvPr id="10" name="TextBox 9"/>
-          <p:cNvSpPr txBox="1"/>
-          <p:nvPr/>
-        </p:nvSpPr>
-        <p:spPr>
-          <a:xfrm>
-            <a:off x="1770221" y="3815752"/>
-            <a:ext cx="2954655" cy="369332"/>
+          <p:cNvPr id="14" name="TextBox 13"/>
+          <p:cNvSpPr txBox="1"/>
+          <p:nvPr/>
+        </p:nvSpPr>
+        <p:spPr>
+          <a:xfrm>
+            <a:off x="3728249" y="3220511"/>
+            <a:ext cx="4119244" cy="646331"/>
           </a:xfrm>
           <a:prstGeom prst="rect">
             <a:avLst/>
@@ -3895,163 +3917,14 @@
           </a:fontRef>
         </p:style>
         <p:txBody>
-          <a:bodyPr wrap="none" rtlCol="0">
-            <a:spAutoFit/>
-          </a:bodyPr>
-          <a:lstStyle/>
-          <a:p>
-            <a:r>
-              <a:rPr lang="en-US" altLang="ko-KR" dirty="0" smtClean="0"/>
-              <a:t>* </a:t>
-            </a:r>
-            <a:r>
-              <a:rPr lang="ko-KR" altLang="en-US" dirty="0" smtClean="0"/>
-              <a:t>멧돼지 사냥 </a:t>
-            </a:r>
-            <a:r>
-              <a:rPr lang="en-US" altLang="ko-KR" dirty="0" smtClean="0"/>
-              <a:t>(</a:t>
-            </a:r>
-            <a:r>
-              <a:rPr lang="ko-KR" altLang="en-US" dirty="0" smtClean="0"/>
-              <a:t>권장레벨 </a:t>
-            </a:r>
-            <a:r>
-              <a:rPr lang="en-US" altLang="ko-KR" dirty="0" smtClean="0"/>
-              <a:t>3)</a:t>
-            </a:r>
-            <a:endParaRPr lang="ko-KR" altLang="en-US" dirty="0"/>
-          </a:p>
-        </p:txBody>
-      </p:sp>
-      <p:sp>
-        <p:nvSpPr>
-          <p:cNvPr id="11" name="TextBox 10">
-            <a:hlinkClick r:id="rId2" action="ppaction://hlinksldjump"/>
-          </p:cNvPr>
-          <p:cNvSpPr txBox="1"/>
-          <p:nvPr/>
-        </p:nvSpPr>
-        <p:spPr>
-          <a:xfrm>
-            <a:off x="6732240" y="5301208"/>
-            <a:ext cx="646331" cy="369332"/>
-          </a:xfrm>
-          <a:prstGeom prst="rect">
-            <a:avLst/>
-          </a:prstGeom>
-        </p:spPr>
-        <p:style>
-          <a:lnRef idx="2">
-            <a:schemeClr val="accent1"/>
-          </a:lnRef>
-          <a:fillRef idx="1">
-            <a:schemeClr val="lt1"/>
-          </a:fillRef>
-          <a:effectRef idx="0">
-            <a:schemeClr val="accent1"/>
-          </a:effectRef>
-          <a:fontRef idx="minor">
-            <a:schemeClr val="dk1"/>
-          </a:fontRef>
-        </p:style>
-        <p:txBody>
-          <a:bodyPr wrap="none" rtlCol="0">
-            <a:spAutoFit/>
-          </a:bodyPr>
-          <a:lstStyle/>
-          <a:p>
-            <a:r>
-              <a:rPr lang="ko-KR" altLang="en-US" dirty="0" smtClean="0"/>
-              <a:t>다음</a:t>
-            </a:r>
-            <a:endParaRPr lang="ko-KR" altLang="en-US" dirty="0"/>
-          </a:p>
-        </p:txBody>
-      </p:sp>
-      <p:sp>
-        <p:nvSpPr>
-          <p:cNvPr id="12" name="TextBox 11">
-            <a:hlinkClick r:id="rId2" action="ppaction://hlinksldjump"/>
-          </p:cNvPr>
-          <p:cNvSpPr txBox="1"/>
-          <p:nvPr/>
-        </p:nvSpPr>
-        <p:spPr>
-          <a:xfrm>
-            <a:off x="1770221" y="5301208"/>
-            <a:ext cx="646331" cy="369332"/>
-          </a:xfrm>
-          <a:prstGeom prst="rect">
-            <a:avLst/>
-          </a:prstGeom>
-        </p:spPr>
-        <p:style>
-          <a:lnRef idx="2">
-            <a:schemeClr val="accent1"/>
-          </a:lnRef>
-          <a:fillRef idx="1">
-            <a:schemeClr val="lt1"/>
-          </a:fillRef>
-          <a:effectRef idx="0">
-            <a:schemeClr val="accent1"/>
-          </a:effectRef>
-          <a:fontRef idx="minor">
-            <a:schemeClr val="dk1"/>
-          </a:fontRef>
-        </p:style>
-        <p:txBody>
-          <a:bodyPr wrap="none" rtlCol="0">
-            <a:spAutoFit/>
-          </a:bodyPr>
-          <a:lstStyle/>
-          <a:p>
-            <a:r>
-              <a:rPr lang="ko-KR" altLang="en-US" dirty="0" smtClean="0"/>
-              <a:t>이전</a:t>
-            </a:r>
-            <a:endParaRPr lang="ko-KR" altLang="en-US" dirty="0"/>
-          </a:p>
-        </p:txBody>
-      </p:sp>
-      <p:sp>
-        <p:nvSpPr>
-          <p:cNvPr id="13" name="TextBox 12"/>
-          <p:cNvSpPr txBox="1"/>
-          <p:nvPr/>
-        </p:nvSpPr>
-        <p:spPr>
-          <a:xfrm>
-            <a:off x="2208803" y="3104832"/>
-            <a:ext cx="5046574" cy="646331"/>
-          </a:xfrm>
-          <a:prstGeom prst="rect">
-            <a:avLst/>
-          </a:prstGeom>
-        </p:spPr>
-        <p:style>
-          <a:lnRef idx="2">
-            <a:schemeClr val="accent1"/>
-          </a:lnRef>
-          <a:fillRef idx="1">
-            <a:schemeClr val="lt1"/>
-          </a:fillRef>
-          <a:effectRef idx="0">
-            <a:schemeClr val="accent1"/>
-          </a:effectRef>
-          <a:fontRef idx="minor">
-            <a:schemeClr val="dk1"/>
-          </a:fontRef>
-        </p:style>
-        <p:txBody>
-          <a:bodyPr wrap="none" rtlCol="0">
+          <a:bodyPr wrap="square" rtlCol="0">
             <a:spAutoFit/>
           </a:bodyPr>
           <a:lstStyle/>
           <a:p>
             <a:r>
               <a:rPr lang="ko-KR" altLang="en-US" dirty="0" err="1" smtClean="0"/>
-              <a:t>퀘스트설명</a:t>
+              <a:t>몬스터설명</a:t>
             </a:r>
             <a:r>
               <a:rPr lang="ko-KR" altLang="en-US" dirty="0" smtClean="0"/>
@@ -4059,7 +3932,7 @@
             </a:r>
             <a:r>
               <a:rPr lang="ko-KR" altLang="en-US" dirty="0" err="1" smtClean="0"/>
-              <a:t>퀘스트설명</a:t>
+              <a:t>몬스터설명</a:t>
             </a:r>
             <a:r>
               <a:rPr lang="ko-KR" altLang="en-US" dirty="0" smtClean="0"/>
@@ -4067,7 +3940,7 @@
             </a:r>
             <a:r>
               <a:rPr lang="ko-KR" altLang="en-US" dirty="0" err="1" smtClean="0"/>
-              <a:t>퀘스트설명</a:t>
+              <a:t>몬스터설명</a:t>
             </a:r>
             <a:r>
               <a:rPr lang="ko-KR" altLang="en-US" dirty="0" smtClean="0"/>
@@ -4075,14 +3948,7 @@
             </a:r>
             <a:r>
               <a:rPr lang="ko-KR" altLang="en-US" dirty="0" err="1" smtClean="0"/>
-              <a:t>퀘스트설명</a:t>
-            </a:r>
-            <a:endParaRPr lang="en-US" altLang="ko-KR" dirty="0" smtClean="0"/>
-          </a:p>
-          <a:p>
-            <a:r>
-              <a:rPr lang="ko-KR" altLang="en-US" dirty="0" err="1" smtClean="0"/>
-              <a:t>퀘스트설명</a:t>
+              <a:t>몬스터설명</a:t>
             </a:r>
             <a:r>
               <a:rPr lang="ko-KR" altLang="en-US" dirty="0" smtClean="0"/>
@@ -4090,7 +3956,7 @@
             </a:r>
             <a:r>
               <a:rPr lang="ko-KR" altLang="en-US" dirty="0" err="1" smtClean="0"/>
-              <a:t>퀘스트설명</a:t>
+              <a:t>몬스터설명</a:t>
             </a:r>
             <a:endParaRPr lang="ko-KR" altLang="en-US" dirty="0"/>
           </a:p>
@@ -4098,14 +3964,14 @@
       </p:sp>
       <p:sp>
         <p:nvSpPr>
-          <p:cNvPr id="14" name="TextBox 13"/>
-          <p:cNvSpPr txBox="1"/>
-          <p:nvPr/>
-        </p:nvSpPr>
-        <p:spPr>
-          <a:xfrm>
-            <a:off x="2208803" y="4293096"/>
-            <a:ext cx="5046574" cy="646331"/>
+          <p:cNvPr id="15" name="TextBox 14"/>
+          <p:cNvSpPr txBox="1"/>
+          <p:nvPr/>
+        </p:nvSpPr>
+        <p:spPr>
+          <a:xfrm>
+            <a:off x="2771800" y="2708920"/>
+            <a:ext cx="646331" cy="369332"/>
           </a:xfrm>
           <a:prstGeom prst="rect">
             <a:avLst/>
@@ -4132,8 +3998,183 @@
           <a:lstStyle/>
           <a:p>
             <a:r>
+              <a:rPr lang="ko-KR" altLang="en-US" dirty="0" smtClean="0"/>
+              <a:t>이름</a:t>
+            </a:r>
+            <a:endParaRPr lang="ko-KR" altLang="en-US" dirty="0"/>
+          </a:p>
+        </p:txBody>
+      </p:sp>
+      <p:sp>
+        <p:nvSpPr>
+          <p:cNvPr id="16" name="TextBox 15"/>
+          <p:cNvSpPr txBox="1"/>
+          <p:nvPr/>
+        </p:nvSpPr>
+        <p:spPr>
+          <a:xfrm>
+            <a:off x="3737521" y="2708920"/>
+            <a:ext cx="646331" cy="369332"/>
+          </a:xfrm>
+          <a:prstGeom prst="rect">
+            <a:avLst/>
+          </a:prstGeom>
+        </p:spPr>
+        <p:style>
+          <a:lnRef idx="2">
+            <a:schemeClr val="accent1"/>
+          </a:lnRef>
+          <a:fillRef idx="1">
+            <a:schemeClr val="lt1"/>
+          </a:fillRef>
+          <a:effectRef idx="0">
+            <a:schemeClr val="accent1"/>
+          </a:effectRef>
+          <a:fontRef idx="minor">
+            <a:schemeClr val="dk1"/>
+          </a:fontRef>
+        </p:style>
+        <p:txBody>
+          <a:bodyPr wrap="none" rtlCol="0">
+            <a:spAutoFit/>
+          </a:bodyPr>
+          <a:lstStyle/>
+          <a:p>
+            <a:r>
+              <a:rPr lang="ko-KR" altLang="en-US" dirty="0" smtClean="0"/>
+              <a:t>설명</a:t>
+            </a:r>
+            <a:endParaRPr lang="ko-KR" altLang="en-US" dirty="0"/>
+          </a:p>
+        </p:txBody>
+      </p:sp>
+      <p:sp>
+        <p:nvSpPr>
+          <p:cNvPr id="17" name="TextBox 16"/>
+          <p:cNvSpPr txBox="1"/>
+          <p:nvPr/>
+        </p:nvSpPr>
+        <p:spPr>
+          <a:xfrm>
+            <a:off x="1752362" y="3212976"/>
+            <a:ext cx="311304" cy="369332"/>
+          </a:xfrm>
+          <a:prstGeom prst="rect">
+            <a:avLst/>
+          </a:prstGeom>
+        </p:spPr>
+        <p:style>
+          <a:lnRef idx="2">
+            <a:schemeClr val="accent1"/>
+          </a:lnRef>
+          <a:fillRef idx="1">
+            <a:schemeClr val="lt1"/>
+          </a:fillRef>
+          <a:effectRef idx="0">
+            <a:schemeClr val="accent1"/>
+          </a:effectRef>
+          <a:fontRef idx="minor">
+            <a:schemeClr val="dk1"/>
+          </a:fontRef>
+        </p:style>
+        <p:txBody>
+          <a:bodyPr wrap="none" rtlCol="0">
+            <a:spAutoFit/>
+          </a:bodyPr>
+          <a:lstStyle/>
+          <a:p>
+            <a:r>
+              <a:rPr lang="en-US" altLang="ko-KR" dirty="0" smtClean="0"/>
+              <a:t>1</a:t>
+            </a:r>
+            <a:endParaRPr lang="ko-KR" altLang="en-US" dirty="0"/>
+          </a:p>
+        </p:txBody>
+      </p:sp>
+      <p:sp>
+        <p:nvSpPr>
+          <p:cNvPr id="20" name="TextBox 19"/>
+          <p:cNvSpPr txBox="1"/>
+          <p:nvPr/>
+        </p:nvSpPr>
+        <p:spPr>
+          <a:xfrm>
+            <a:off x="2771800" y="4293096"/>
+            <a:ext cx="877163" cy="369332"/>
+          </a:xfrm>
+          <a:prstGeom prst="rect">
+            <a:avLst/>
+          </a:prstGeom>
+        </p:spPr>
+        <p:style>
+          <a:lnRef idx="2">
+            <a:schemeClr val="accent1"/>
+          </a:lnRef>
+          <a:fillRef idx="1">
+            <a:schemeClr val="lt1"/>
+          </a:fillRef>
+          <a:effectRef idx="0">
+            <a:schemeClr val="accent1"/>
+          </a:effectRef>
+          <a:fontRef idx="minor">
+            <a:schemeClr val="dk1"/>
+          </a:fontRef>
+        </p:style>
+        <p:txBody>
+          <a:bodyPr wrap="none" rtlCol="0">
+            <a:spAutoFit/>
+          </a:bodyPr>
+          <a:lstStyle/>
+          <a:p>
+            <a:r>
+              <a:rPr lang="ko-KR" altLang="en-US" dirty="0" smtClean="0"/>
+              <a:t>멧돼</a:t>
+            </a:r>
+            <a:r>
+              <a:rPr lang="ko-KR" altLang="en-US" dirty="0"/>
+              <a:t>지</a:t>
+            </a:r>
+          </a:p>
+        </p:txBody>
+      </p:sp>
+      <p:sp>
+        <p:nvSpPr>
+          <p:cNvPr id="21" name="TextBox 20"/>
+          <p:cNvSpPr txBox="1"/>
+          <p:nvPr/>
+        </p:nvSpPr>
+        <p:spPr>
+          <a:xfrm>
+            <a:off x="3728249" y="4300631"/>
+            <a:ext cx="4119244" cy="646331"/>
+          </a:xfrm>
+          <a:prstGeom prst="rect">
+            <a:avLst/>
+          </a:prstGeom>
+        </p:spPr>
+        <p:style>
+          <a:lnRef idx="2">
+            <a:schemeClr val="accent1"/>
+          </a:lnRef>
+          <a:fillRef idx="1">
+            <a:schemeClr val="lt1"/>
+          </a:fillRef>
+          <a:effectRef idx="0">
+            <a:schemeClr val="accent1"/>
+          </a:effectRef>
+          <a:fontRef idx="minor">
+            <a:schemeClr val="dk1"/>
+          </a:fontRef>
+        </p:style>
+        <p:txBody>
+          <a:bodyPr wrap="square" rtlCol="0">
+            <a:spAutoFit/>
+          </a:bodyPr>
+          <a:lstStyle/>
+          <a:p>
+            <a:r>
               <a:rPr lang="ko-KR" altLang="en-US" dirty="0" err="1" smtClean="0"/>
-              <a:t>퀘스트설명</a:t>
+              <a:t>몬스터설명</a:t>
             </a:r>
             <a:r>
               <a:rPr lang="ko-KR" altLang="en-US" dirty="0" smtClean="0"/>
@@ -4141,7 +4182,7 @@
             </a:r>
             <a:r>
               <a:rPr lang="ko-KR" altLang="en-US" dirty="0" err="1" smtClean="0"/>
-              <a:t>퀘스트설명</a:t>
+              <a:t>몬스터설명</a:t>
             </a:r>
             <a:r>
               <a:rPr lang="ko-KR" altLang="en-US" dirty="0" smtClean="0"/>
@@ -4149,7 +4190,7 @@
             </a:r>
             <a:r>
               <a:rPr lang="ko-KR" altLang="en-US" dirty="0" err="1" smtClean="0"/>
-              <a:t>퀘스트설명</a:t>
+              <a:t>몬스터설명</a:t>
             </a:r>
             <a:r>
               <a:rPr lang="ko-KR" altLang="en-US" dirty="0" smtClean="0"/>
@@ -4157,14 +4198,7 @@
             </a:r>
             <a:r>
               <a:rPr lang="ko-KR" altLang="en-US" dirty="0" err="1" smtClean="0"/>
-              <a:t>퀘스트설명</a:t>
-            </a:r>
-            <a:endParaRPr lang="en-US" altLang="ko-KR" dirty="0" smtClean="0"/>
-          </a:p>
-          <a:p>
-            <a:r>
-              <a:rPr lang="ko-KR" altLang="en-US" dirty="0" err="1" smtClean="0"/>
-              <a:t>퀘스트설명</a:t>
+              <a:t>몬스터설명</a:t>
             </a:r>
             <a:r>
               <a:rPr lang="ko-KR" altLang="en-US" dirty="0" smtClean="0"/>
@@ -4172,7 +4206,7 @@
             </a:r>
             <a:r>
               <a:rPr lang="ko-KR" altLang="en-US" dirty="0" err="1" smtClean="0"/>
-              <a:t>퀘스트설명</a:t>
+              <a:t>몬스터설명</a:t>
             </a:r>
             <a:endParaRPr lang="ko-KR" altLang="en-US" dirty="0"/>
           </a:p>
@@ -4180,8 +4214,51 @@
       </p:sp>
       <p:sp>
         <p:nvSpPr>
-          <p:cNvPr id="20" name="TextBox 19">
-            <a:hlinkClick r:id="rId3" action="ppaction://hlinksldjump"/>
+          <p:cNvPr id="22" name="TextBox 21"/>
+          <p:cNvSpPr txBox="1"/>
+          <p:nvPr/>
+        </p:nvSpPr>
+        <p:spPr>
+          <a:xfrm>
+            <a:off x="1752362" y="4293096"/>
+            <a:ext cx="311304" cy="369332"/>
+          </a:xfrm>
+          <a:prstGeom prst="rect">
+            <a:avLst/>
+          </a:prstGeom>
+        </p:spPr>
+        <p:style>
+          <a:lnRef idx="2">
+            <a:schemeClr val="accent1"/>
+          </a:lnRef>
+          <a:fillRef idx="1">
+            <a:schemeClr val="lt1"/>
+          </a:fillRef>
+          <a:effectRef idx="0">
+            <a:schemeClr val="accent1"/>
+          </a:effectRef>
+          <a:fontRef idx="minor">
+            <a:schemeClr val="dk1"/>
+          </a:fontRef>
+        </p:style>
+        <p:txBody>
+          <a:bodyPr wrap="none" rtlCol="0">
+            <a:spAutoFit/>
+          </a:bodyPr>
+          <a:lstStyle/>
+          <a:p>
+            <a:r>
+              <a:rPr lang="en-US" altLang="ko-KR" dirty="0" smtClean="0"/>
+              <a:t>2</a:t>
+            </a:r>
+            <a:endParaRPr lang="ko-KR" altLang="en-US" dirty="0"/>
+          </a:p>
+        </p:txBody>
+      </p:sp>
+      <p:sp>
+        <p:nvSpPr>
+          <p:cNvPr id="28" name="TextBox 27">
+            <a:hlinkClick r:id="rId2" action="ppaction://hlinksldjump"/>
           </p:cNvPr>
           <p:cNvSpPr txBox="1"/>
           <p:nvPr/>
@@ -4227,8 +4304,8 @@
       </p:sp>
       <p:sp>
         <p:nvSpPr>
-          <p:cNvPr id="21" name="TextBox 20">
-            <a:hlinkClick r:id="rId4" action="ppaction://hlinksldjump"/>
+          <p:cNvPr id="29" name="TextBox 28">
+            <a:hlinkClick r:id="rId3" action="ppaction://hlinksldjump"/>
           </p:cNvPr>
           <p:cNvSpPr txBox="1"/>
           <p:nvPr/>
@@ -4274,8 +4351,8 @@
       </p:sp>
       <p:sp>
         <p:nvSpPr>
-          <p:cNvPr id="22" name="TextBox 21">
-            <a:hlinkClick r:id="rId5" action="ppaction://hlinksldjump"/>
+          <p:cNvPr id="30" name="TextBox 29">
+            <a:hlinkClick r:id="rId4" action="ppaction://hlinksldjump"/>
           </p:cNvPr>
           <p:cNvSpPr txBox="1"/>
           <p:nvPr/>
@@ -4324,8 +4401,8 @@
       </p:sp>
       <p:sp>
         <p:nvSpPr>
-          <p:cNvPr id="23" name="TextBox 22">
-            <a:hlinkClick r:id="rId2" action="ppaction://hlinksldjump"/>
+          <p:cNvPr id="31" name="TextBox 30">
+            <a:hlinkClick r:id="rId5" action="ppaction://hlinksldjump"/>
           </p:cNvPr>
           <p:cNvSpPr txBox="1"/>
           <p:nvPr/>
@@ -4334,51 +4411,6 @@
           <a:xfrm>
             <a:off x="5753452" y="1124744"/>
             <a:ext cx="1338828" cy="369332"/>
-          </a:xfrm>
-          <a:prstGeom prst="rect">
-            <a:avLst/>
-          </a:prstGeom>
-        </p:spPr>
-        <p:style>
-          <a:lnRef idx="2">
-            <a:schemeClr val="accent1"/>
-          </a:lnRef>
-          <a:fillRef idx="1">
-            <a:schemeClr val="lt1"/>
-          </a:fillRef>
-          <a:effectRef idx="0">
-            <a:schemeClr val="accent1"/>
-          </a:effectRef>
-          <a:fontRef idx="minor">
-            <a:schemeClr val="dk1"/>
-          </a:fontRef>
-        </p:style>
-        <p:txBody>
-          <a:bodyPr wrap="none" rtlCol="0">
-            <a:spAutoFit/>
-          </a:bodyPr>
-          <a:lstStyle/>
-          <a:p>
-            <a:r>
-              <a:rPr lang="ko-KR" altLang="en-US" dirty="0" err="1" smtClean="0"/>
-              <a:t>퀘스트일지</a:t>
-            </a:r>
-            <a:endParaRPr lang="ko-KR" altLang="en-US" dirty="0"/>
-          </a:p>
-        </p:txBody>
-      </p:sp>
-      <p:sp>
-        <p:nvSpPr>
-          <p:cNvPr id="24" name="TextBox 23">
-            <a:hlinkClick r:id="rId6" action="ppaction://hlinksldjump"/>
-          </p:cNvPr>
-          <p:cNvSpPr txBox="1"/>
-          <p:nvPr/>
-        </p:nvSpPr>
-        <p:spPr>
-          <a:xfrm>
-            <a:off x="7524328" y="1124744"/>
-            <a:ext cx="646331" cy="369332"/>
           </a:xfrm>
           <a:prstGeom prst="rect">
             <a:avLst/>
@@ -4407,6 +4439,51 @@
           <a:lstStyle/>
           <a:p>
             <a:r>
+              <a:rPr lang="ko-KR" altLang="en-US" dirty="0" err="1" smtClean="0"/>
+              <a:t>퀘스트일지</a:t>
+            </a:r>
+            <a:endParaRPr lang="ko-KR" altLang="en-US" dirty="0"/>
+          </a:p>
+        </p:txBody>
+      </p:sp>
+      <p:sp>
+        <p:nvSpPr>
+          <p:cNvPr id="32" name="TextBox 31">
+            <a:hlinkClick r:id="rId6" action="ppaction://hlinksldjump"/>
+          </p:cNvPr>
+          <p:cNvSpPr txBox="1"/>
+          <p:nvPr/>
+        </p:nvSpPr>
+        <p:spPr>
+          <a:xfrm>
+            <a:off x="7524328" y="1124744"/>
+            <a:ext cx="646331" cy="369332"/>
+          </a:xfrm>
+          <a:prstGeom prst="rect">
+            <a:avLst/>
+          </a:prstGeom>
+        </p:spPr>
+        <p:style>
+          <a:lnRef idx="2">
+            <a:schemeClr val="accent1"/>
+          </a:lnRef>
+          <a:fillRef idx="1">
+            <a:schemeClr val="lt1"/>
+          </a:fillRef>
+          <a:effectRef idx="0">
+            <a:schemeClr val="accent1"/>
+          </a:effectRef>
+          <a:fontRef idx="minor">
+            <a:schemeClr val="dk1"/>
+          </a:fontRef>
+        </p:style>
+        <p:txBody>
+          <a:bodyPr wrap="none" rtlCol="0">
+            <a:spAutoFit/>
+          </a:bodyPr>
+          <a:lstStyle/>
+          <a:p>
+            <a:r>
               <a:rPr lang="ko-KR" altLang="en-US" dirty="0" smtClean="0"/>
               <a:t>도감</a:t>
             </a:r>
@@ -4416,14 +4493,14 @@
       </p:sp>
       <p:sp>
         <p:nvSpPr>
-          <p:cNvPr id="25" name="TextBox 24"/>
+          <p:cNvPr id="33" name="TextBox 32"/>
           <p:cNvSpPr txBox="1"/>
           <p:nvPr/>
         </p:nvSpPr>
         <p:spPr>
           <a:xfrm>
             <a:off x="0" y="0"/>
-            <a:ext cx="1274260" cy="369332"/>
+            <a:ext cx="1551387" cy="369332"/>
           </a:xfrm>
           <a:prstGeom prst="rect">
             <a:avLst/>
@@ -4437,8 +4514,12 @@
           <a:lstStyle/>
           <a:p>
             <a:r>
+              <a:rPr lang="en-US" altLang="ko-KR" dirty="0" err="1"/>
+              <a:t>dictionary</a:t>
+            </a:r>
+            <a:r>
               <a:rPr lang="en-US" altLang="ko-KR" dirty="0" err="1" smtClean="0"/>
-              <a:t>journal.jsp</a:t>
+              <a:t>.jsp</a:t>
             </a:r>
             <a:endParaRPr lang="ko-KR" altLang="en-US" dirty="0"/>
           </a:p>
@@ -4447,7 +4528,7 @@
     </p:spTree>
     <p:extLst>
       <p:ext uri="{BB962C8B-B14F-4D97-AF65-F5344CB8AC3E}">
-        <p14:creationId xmlns:p14="http://schemas.microsoft.com/office/powerpoint/2010/main" val="1449020973"/>
+        <p14:creationId xmlns:p14="http://schemas.microsoft.com/office/powerpoint/2010/main" val="1752414561"/>
       </p:ext>
     </p:extLst>
   </p:cSld>
@@ -4523,850 +4604,6 @@
       </p:sp>
       <p:sp>
         <p:nvSpPr>
-          <p:cNvPr id="8" name="TextBox 7"/>
-          <p:cNvSpPr txBox="1"/>
-          <p:nvPr/>
-        </p:nvSpPr>
-        <p:spPr>
-          <a:xfrm>
-            <a:off x="1043608" y="1988840"/>
-            <a:ext cx="646331" cy="369332"/>
-          </a:xfrm>
-          <a:prstGeom prst="rect">
-            <a:avLst/>
-          </a:prstGeom>
-        </p:spPr>
-        <p:style>
-          <a:lnRef idx="2">
-            <a:schemeClr val="accent1"/>
-          </a:lnRef>
-          <a:fillRef idx="1">
-            <a:schemeClr val="lt1"/>
-          </a:fillRef>
-          <a:effectRef idx="0">
-            <a:schemeClr val="accent1"/>
-          </a:effectRef>
-          <a:fontRef idx="minor">
-            <a:schemeClr val="dk1"/>
-          </a:fontRef>
-        </p:style>
-        <p:txBody>
-          <a:bodyPr wrap="none" rtlCol="0">
-            <a:spAutoFit/>
-          </a:bodyPr>
-          <a:lstStyle/>
-          <a:p>
-            <a:r>
-              <a:rPr lang="ko-KR" altLang="en-US" dirty="0" smtClean="0"/>
-              <a:t>일지</a:t>
-            </a:r>
-            <a:endParaRPr lang="ko-KR" altLang="en-US" dirty="0"/>
-          </a:p>
-        </p:txBody>
-      </p:sp>
-      <p:sp>
-        <p:nvSpPr>
-          <p:cNvPr id="9" name="TextBox 8"/>
-          <p:cNvSpPr txBox="1"/>
-          <p:nvPr/>
-        </p:nvSpPr>
-        <p:spPr>
-          <a:xfrm>
-            <a:off x="1770221" y="2708920"/>
-            <a:ext cx="646331" cy="369332"/>
-          </a:xfrm>
-          <a:prstGeom prst="rect">
-            <a:avLst/>
-          </a:prstGeom>
-        </p:spPr>
-        <p:style>
-          <a:lnRef idx="2">
-            <a:schemeClr val="accent1"/>
-          </a:lnRef>
-          <a:fillRef idx="1">
-            <a:schemeClr val="lt1"/>
-          </a:fillRef>
-          <a:effectRef idx="0">
-            <a:schemeClr val="accent1"/>
-          </a:effectRef>
-          <a:fontRef idx="minor">
-            <a:schemeClr val="dk1"/>
-          </a:fontRef>
-        </p:style>
-        <p:txBody>
-          <a:bodyPr wrap="none" rtlCol="0">
-            <a:spAutoFit/>
-          </a:bodyPr>
-          <a:lstStyle/>
-          <a:p>
-            <a:r>
-              <a:rPr lang="ko-KR" altLang="en-US" dirty="0" smtClean="0"/>
-              <a:t>레벨</a:t>
-            </a:r>
-            <a:endParaRPr lang="ko-KR" altLang="en-US" dirty="0"/>
-          </a:p>
-        </p:txBody>
-      </p:sp>
-      <p:sp>
-        <p:nvSpPr>
-          <p:cNvPr id="10" name="TextBox 9"/>
-          <p:cNvSpPr txBox="1"/>
-          <p:nvPr/>
-        </p:nvSpPr>
-        <p:spPr>
-          <a:xfrm>
-            <a:off x="2771800" y="3212976"/>
-            <a:ext cx="877163" cy="369332"/>
-          </a:xfrm>
-          <a:prstGeom prst="rect">
-            <a:avLst/>
-          </a:prstGeom>
-        </p:spPr>
-        <p:style>
-          <a:lnRef idx="2">
-            <a:schemeClr val="accent1"/>
-          </a:lnRef>
-          <a:fillRef idx="1">
-            <a:schemeClr val="lt1"/>
-          </a:fillRef>
-          <a:effectRef idx="0">
-            <a:schemeClr val="accent1"/>
-          </a:effectRef>
-          <a:fontRef idx="minor">
-            <a:schemeClr val="dk1"/>
-          </a:fontRef>
-        </p:style>
-        <p:txBody>
-          <a:bodyPr wrap="none" rtlCol="0">
-            <a:spAutoFit/>
-          </a:bodyPr>
-          <a:lstStyle/>
-          <a:p>
-            <a:r>
-              <a:rPr lang="ko-KR" altLang="en-US" dirty="0" err="1" smtClean="0"/>
-              <a:t>고블린</a:t>
-            </a:r>
-            <a:endParaRPr lang="ko-KR" altLang="en-US" dirty="0"/>
-          </a:p>
-        </p:txBody>
-      </p:sp>
-      <p:sp>
-        <p:nvSpPr>
-          <p:cNvPr id="14" name="TextBox 13"/>
-          <p:cNvSpPr txBox="1"/>
-          <p:nvPr/>
-        </p:nvSpPr>
-        <p:spPr>
-          <a:xfrm>
-            <a:off x="3728249" y="3220511"/>
-            <a:ext cx="4119244" cy="646331"/>
-          </a:xfrm>
-          <a:prstGeom prst="rect">
-            <a:avLst/>
-          </a:prstGeom>
-        </p:spPr>
-        <p:style>
-          <a:lnRef idx="2">
-            <a:schemeClr val="accent1"/>
-          </a:lnRef>
-          <a:fillRef idx="1">
-            <a:schemeClr val="lt1"/>
-          </a:fillRef>
-          <a:effectRef idx="0">
-            <a:schemeClr val="accent1"/>
-          </a:effectRef>
-          <a:fontRef idx="minor">
-            <a:schemeClr val="dk1"/>
-          </a:fontRef>
-        </p:style>
-        <p:txBody>
-          <a:bodyPr wrap="square" rtlCol="0">
-            <a:spAutoFit/>
-          </a:bodyPr>
-          <a:lstStyle/>
-          <a:p>
-            <a:r>
-              <a:rPr lang="ko-KR" altLang="en-US" dirty="0" err="1" smtClean="0"/>
-              <a:t>몬스터설명</a:t>
-            </a:r>
-            <a:r>
-              <a:rPr lang="ko-KR" altLang="en-US" dirty="0" smtClean="0"/>
-              <a:t> </a:t>
-            </a:r>
-            <a:r>
-              <a:rPr lang="ko-KR" altLang="en-US" dirty="0" err="1" smtClean="0"/>
-              <a:t>몬스터설명</a:t>
-            </a:r>
-            <a:r>
-              <a:rPr lang="ko-KR" altLang="en-US" dirty="0" smtClean="0"/>
-              <a:t> </a:t>
-            </a:r>
-            <a:r>
-              <a:rPr lang="ko-KR" altLang="en-US" dirty="0" err="1" smtClean="0"/>
-              <a:t>몬스터설명</a:t>
-            </a:r>
-            <a:r>
-              <a:rPr lang="ko-KR" altLang="en-US" dirty="0" smtClean="0"/>
-              <a:t> </a:t>
-            </a:r>
-            <a:r>
-              <a:rPr lang="ko-KR" altLang="en-US" dirty="0" err="1" smtClean="0"/>
-              <a:t>몬스터설명</a:t>
-            </a:r>
-            <a:r>
-              <a:rPr lang="ko-KR" altLang="en-US" dirty="0" smtClean="0"/>
-              <a:t> </a:t>
-            </a:r>
-            <a:r>
-              <a:rPr lang="ko-KR" altLang="en-US" dirty="0" err="1" smtClean="0"/>
-              <a:t>몬스터설명</a:t>
-            </a:r>
-            <a:endParaRPr lang="ko-KR" altLang="en-US" dirty="0"/>
-          </a:p>
-        </p:txBody>
-      </p:sp>
-      <p:sp>
-        <p:nvSpPr>
-          <p:cNvPr id="15" name="TextBox 14"/>
-          <p:cNvSpPr txBox="1"/>
-          <p:nvPr/>
-        </p:nvSpPr>
-        <p:spPr>
-          <a:xfrm>
-            <a:off x="2771800" y="2708920"/>
-            <a:ext cx="646331" cy="369332"/>
-          </a:xfrm>
-          <a:prstGeom prst="rect">
-            <a:avLst/>
-          </a:prstGeom>
-        </p:spPr>
-        <p:style>
-          <a:lnRef idx="2">
-            <a:schemeClr val="accent1"/>
-          </a:lnRef>
-          <a:fillRef idx="1">
-            <a:schemeClr val="lt1"/>
-          </a:fillRef>
-          <a:effectRef idx="0">
-            <a:schemeClr val="accent1"/>
-          </a:effectRef>
-          <a:fontRef idx="minor">
-            <a:schemeClr val="dk1"/>
-          </a:fontRef>
-        </p:style>
-        <p:txBody>
-          <a:bodyPr wrap="none" rtlCol="0">
-            <a:spAutoFit/>
-          </a:bodyPr>
-          <a:lstStyle/>
-          <a:p>
-            <a:r>
-              <a:rPr lang="ko-KR" altLang="en-US" dirty="0" smtClean="0"/>
-              <a:t>이름</a:t>
-            </a:r>
-            <a:endParaRPr lang="ko-KR" altLang="en-US" dirty="0"/>
-          </a:p>
-        </p:txBody>
-      </p:sp>
-      <p:sp>
-        <p:nvSpPr>
-          <p:cNvPr id="16" name="TextBox 15"/>
-          <p:cNvSpPr txBox="1"/>
-          <p:nvPr/>
-        </p:nvSpPr>
-        <p:spPr>
-          <a:xfrm>
-            <a:off x="3737521" y="2708920"/>
-            <a:ext cx="646331" cy="369332"/>
-          </a:xfrm>
-          <a:prstGeom prst="rect">
-            <a:avLst/>
-          </a:prstGeom>
-        </p:spPr>
-        <p:style>
-          <a:lnRef idx="2">
-            <a:schemeClr val="accent1"/>
-          </a:lnRef>
-          <a:fillRef idx="1">
-            <a:schemeClr val="lt1"/>
-          </a:fillRef>
-          <a:effectRef idx="0">
-            <a:schemeClr val="accent1"/>
-          </a:effectRef>
-          <a:fontRef idx="minor">
-            <a:schemeClr val="dk1"/>
-          </a:fontRef>
-        </p:style>
-        <p:txBody>
-          <a:bodyPr wrap="none" rtlCol="0">
-            <a:spAutoFit/>
-          </a:bodyPr>
-          <a:lstStyle/>
-          <a:p>
-            <a:r>
-              <a:rPr lang="ko-KR" altLang="en-US" dirty="0" smtClean="0"/>
-              <a:t>설명</a:t>
-            </a:r>
-            <a:endParaRPr lang="ko-KR" altLang="en-US" dirty="0"/>
-          </a:p>
-        </p:txBody>
-      </p:sp>
-      <p:sp>
-        <p:nvSpPr>
-          <p:cNvPr id="17" name="TextBox 16"/>
-          <p:cNvSpPr txBox="1"/>
-          <p:nvPr/>
-        </p:nvSpPr>
-        <p:spPr>
-          <a:xfrm>
-            <a:off x="1752362" y="3212976"/>
-            <a:ext cx="311304" cy="369332"/>
-          </a:xfrm>
-          <a:prstGeom prst="rect">
-            <a:avLst/>
-          </a:prstGeom>
-        </p:spPr>
-        <p:style>
-          <a:lnRef idx="2">
-            <a:schemeClr val="accent1"/>
-          </a:lnRef>
-          <a:fillRef idx="1">
-            <a:schemeClr val="lt1"/>
-          </a:fillRef>
-          <a:effectRef idx="0">
-            <a:schemeClr val="accent1"/>
-          </a:effectRef>
-          <a:fontRef idx="minor">
-            <a:schemeClr val="dk1"/>
-          </a:fontRef>
-        </p:style>
-        <p:txBody>
-          <a:bodyPr wrap="none" rtlCol="0">
-            <a:spAutoFit/>
-          </a:bodyPr>
-          <a:lstStyle/>
-          <a:p>
-            <a:r>
-              <a:rPr lang="en-US" altLang="ko-KR" dirty="0" smtClean="0"/>
-              <a:t>1</a:t>
-            </a:r>
-            <a:endParaRPr lang="ko-KR" altLang="en-US" dirty="0"/>
-          </a:p>
-        </p:txBody>
-      </p:sp>
-      <p:sp>
-        <p:nvSpPr>
-          <p:cNvPr id="20" name="TextBox 19"/>
-          <p:cNvSpPr txBox="1"/>
-          <p:nvPr/>
-        </p:nvSpPr>
-        <p:spPr>
-          <a:xfrm>
-            <a:off x="2771800" y="4293096"/>
-            <a:ext cx="877163" cy="369332"/>
-          </a:xfrm>
-          <a:prstGeom prst="rect">
-            <a:avLst/>
-          </a:prstGeom>
-        </p:spPr>
-        <p:style>
-          <a:lnRef idx="2">
-            <a:schemeClr val="accent1"/>
-          </a:lnRef>
-          <a:fillRef idx="1">
-            <a:schemeClr val="lt1"/>
-          </a:fillRef>
-          <a:effectRef idx="0">
-            <a:schemeClr val="accent1"/>
-          </a:effectRef>
-          <a:fontRef idx="minor">
-            <a:schemeClr val="dk1"/>
-          </a:fontRef>
-        </p:style>
-        <p:txBody>
-          <a:bodyPr wrap="none" rtlCol="0">
-            <a:spAutoFit/>
-          </a:bodyPr>
-          <a:lstStyle/>
-          <a:p>
-            <a:r>
-              <a:rPr lang="ko-KR" altLang="en-US" dirty="0" smtClean="0"/>
-              <a:t>멧돼</a:t>
-            </a:r>
-            <a:r>
-              <a:rPr lang="ko-KR" altLang="en-US" dirty="0"/>
-              <a:t>지</a:t>
-            </a:r>
-          </a:p>
-        </p:txBody>
-      </p:sp>
-      <p:sp>
-        <p:nvSpPr>
-          <p:cNvPr id="21" name="TextBox 20"/>
-          <p:cNvSpPr txBox="1"/>
-          <p:nvPr/>
-        </p:nvSpPr>
-        <p:spPr>
-          <a:xfrm>
-            <a:off x="3728249" y="4300631"/>
-            <a:ext cx="4119244" cy="646331"/>
-          </a:xfrm>
-          <a:prstGeom prst="rect">
-            <a:avLst/>
-          </a:prstGeom>
-        </p:spPr>
-        <p:style>
-          <a:lnRef idx="2">
-            <a:schemeClr val="accent1"/>
-          </a:lnRef>
-          <a:fillRef idx="1">
-            <a:schemeClr val="lt1"/>
-          </a:fillRef>
-          <a:effectRef idx="0">
-            <a:schemeClr val="accent1"/>
-          </a:effectRef>
-          <a:fontRef idx="minor">
-            <a:schemeClr val="dk1"/>
-          </a:fontRef>
-        </p:style>
-        <p:txBody>
-          <a:bodyPr wrap="square" rtlCol="0">
-            <a:spAutoFit/>
-          </a:bodyPr>
-          <a:lstStyle/>
-          <a:p>
-            <a:r>
-              <a:rPr lang="ko-KR" altLang="en-US" dirty="0" err="1" smtClean="0"/>
-              <a:t>몬스터설명</a:t>
-            </a:r>
-            <a:r>
-              <a:rPr lang="ko-KR" altLang="en-US" dirty="0" smtClean="0"/>
-              <a:t> </a:t>
-            </a:r>
-            <a:r>
-              <a:rPr lang="ko-KR" altLang="en-US" dirty="0" err="1" smtClean="0"/>
-              <a:t>몬스터설명</a:t>
-            </a:r>
-            <a:r>
-              <a:rPr lang="ko-KR" altLang="en-US" dirty="0" smtClean="0"/>
-              <a:t> </a:t>
-            </a:r>
-            <a:r>
-              <a:rPr lang="ko-KR" altLang="en-US" dirty="0" err="1" smtClean="0"/>
-              <a:t>몬스터설명</a:t>
-            </a:r>
-            <a:r>
-              <a:rPr lang="ko-KR" altLang="en-US" dirty="0" smtClean="0"/>
-              <a:t> </a:t>
-            </a:r>
-            <a:r>
-              <a:rPr lang="ko-KR" altLang="en-US" dirty="0" err="1" smtClean="0"/>
-              <a:t>몬스터설명</a:t>
-            </a:r>
-            <a:r>
-              <a:rPr lang="ko-KR" altLang="en-US" dirty="0" smtClean="0"/>
-              <a:t> </a:t>
-            </a:r>
-            <a:r>
-              <a:rPr lang="ko-KR" altLang="en-US" dirty="0" err="1" smtClean="0"/>
-              <a:t>몬스터설명</a:t>
-            </a:r>
-            <a:endParaRPr lang="ko-KR" altLang="en-US" dirty="0"/>
-          </a:p>
-        </p:txBody>
-      </p:sp>
-      <p:sp>
-        <p:nvSpPr>
-          <p:cNvPr id="22" name="TextBox 21"/>
-          <p:cNvSpPr txBox="1"/>
-          <p:nvPr/>
-        </p:nvSpPr>
-        <p:spPr>
-          <a:xfrm>
-            <a:off x="1752362" y="4293096"/>
-            <a:ext cx="311304" cy="369332"/>
-          </a:xfrm>
-          <a:prstGeom prst="rect">
-            <a:avLst/>
-          </a:prstGeom>
-        </p:spPr>
-        <p:style>
-          <a:lnRef idx="2">
-            <a:schemeClr val="accent1"/>
-          </a:lnRef>
-          <a:fillRef idx="1">
-            <a:schemeClr val="lt1"/>
-          </a:fillRef>
-          <a:effectRef idx="0">
-            <a:schemeClr val="accent1"/>
-          </a:effectRef>
-          <a:fontRef idx="minor">
-            <a:schemeClr val="dk1"/>
-          </a:fontRef>
-        </p:style>
-        <p:txBody>
-          <a:bodyPr wrap="none" rtlCol="0">
-            <a:spAutoFit/>
-          </a:bodyPr>
-          <a:lstStyle/>
-          <a:p>
-            <a:r>
-              <a:rPr lang="en-US" altLang="ko-KR" dirty="0" smtClean="0"/>
-              <a:t>2</a:t>
-            </a:r>
-            <a:endParaRPr lang="ko-KR" altLang="en-US" dirty="0"/>
-          </a:p>
-        </p:txBody>
-      </p:sp>
-      <p:sp>
-        <p:nvSpPr>
-          <p:cNvPr id="28" name="TextBox 27">
-            <a:hlinkClick r:id="rId2" action="ppaction://hlinksldjump"/>
-          </p:cNvPr>
-          <p:cNvSpPr txBox="1"/>
-          <p:nvPr/>
-        </p:nvSpPr>
-        <p:spPr>
-          <a:xfrm>
-            <a:off x="1331640" y="1124744"/>
-            <a:ext cx="877163" cy="369332"/>
-          </a:xfrm>
-          <a:prstGeom prst="rect">
-            <a:avLst/>
-          </a:prstGeom>
-        </p:spPr>
-        <p:style>
-          <a:lnRef idx="2">
-            <a:schemeClr val="accent1">
-              <a:shade val="50000"/>
-            </a:schemeClr>
-          </a:lnRef>
-          <a:fillRef idx="1">
-            <a:schemeClr val="accent1"/>
-          </a:fillRef>
-          <a:effectRef idx="0">
-            <a:schemeClr val="accent1"/>
-          </a:effectRef>
-          <a:fontRef idx="minor">
-            <a:schemeClr val="lt1"/>
-          </a:fontRef>
-        </p:style>
-        <p:txBody>
-          <a:bodyPr wrap="none" rtlCol="0">
-            <a:spAutoFit/>
-          </a:bodyPr>
-          <a:lstStyle/>
-          <a:p>
-            <a:r>
-              <a:rPr lang="ko-KR" altLang="en-US" smtClean="0"/>
-              <a:t>월드맵</a:t>
-            </a:r>
-            <a:endParaRPr lang="ko-KR" altLang="en-US" dirty="0"/>
-          </a:p>
-        </p:txBody>
-      </p:sp>
-      <p:sp>
-        <p:nvSpPr>
-          <p:cNvPr id="29" name="TextBox 28">
-            <a:hlinkClick r:id="rId3" action="ppaction://hlinksldjump"/>
-          </p:cNvPr>
-          <p:cNvSpPr txBox="1"/>
-          <p:nvPr/>
-        </p:nvSpPr>
-        <p:spPr>
-          <a:xfrm>
-            <a:off x="4139952" y="1124744"/>
-            <a:ext cx="1107996" cy="369332"/>
-          </a:xfrm>
-          <a:prstGeom prst="rect">
-            <a:avLst/>
-          </a:prstGeom>
-        </p:spPr>
-        <p:style>
-          <a:lnRef idx="2">
-            <a:schemeClr val="accent1">
-              <a:shade val="50000"/>
-            </a:schemeClr>
-          </a:lnRef>
-          <a:fillRef idx="1">
-            <a:schemeClr val="accent1"/>
-          </a:fillRef>
-          <a:effectRef idx="0">
-            <a:schemeClr val="accent1"/>
-          </a:effectRef>
-          <a:fontRef idx="minor">
-            <a:schemeClr val="lt1"/>
-          </a:fontRef>
-        </p:style>
-        <p:txBody>
-          <a:bodyPr wrap="none" rtlCol="0">
-            <a:spAutoFit/>
-          </a:bodyPr>
-          <a:lstStyle/>
-          <a:p>
-            <a:r>
-              <a:rPr lang="ko-KR" altLang="en-US" dirty="0" err="1" smtClean="0"/>
-              <a:t>인벤토리</a:t>
-            </a:r>
-            <a:endParaRPr lang="ko-KR" altLang="en-US" dirty="0"/>
-          </a:p>
-        </p:txBody>
-      </p:sp>
-      <p:sp>
-        <p:nvSpPr>
-          <p:cNvPr id="30" name="TextBox 29">
-            <a:hlinkClick r:id="rId4" action="ppaction://hlinksldjump"/>
-          </p:cNvPr>
-          <p:cNvSpPr txBox="1"/>
-          <p:nvPr/>
-        </p:nvSpPr>
-        <p:spPr>
-          <a:xfrm>
-            <a:off x="2629525" y="1124744"/>
-            <a:ext cx="1107996" cy="369332"/>
-          </a:xfrm>
-          <a:prstGeom prst="rect">
-            <a:avLst/>
-          </a:prstGeom>
-        </p:spPr>
-        <p:style>
-          <a:lnRef idx="2">
-            <a:schemeClr val="accent1">
-              <a:shade val="50000"/>
-            </a:schemeClr>
-          </a:lnRef>
-          <a:fillRef idx="1">
-            <a:schemeClr val="accent1"/>
-          </a:fillRef>
-          <a:effectRef idx="0">
-            <a:schemeClr val="accent1"/>
-          </a:effectRef>
-          <a:fontRef idx="minor">
-            <a:schemeClr val="lt1"/>
-          </a:fontRef>
-        </p:style>
-        <p:txBody>
-          <a:bodyPr wrap="none" rtlCol="0">
-            <a:spAutoFit/>
-          </a:bodyPr>
-          <a:lstStyle/>
-          <a:p>
-            <a:r>
-              <a:rPr lang="ko-KR" altLang="en-US" dirty="0" smtClean="0"/>
-              <a:t>둘러보</a:t>
-            </a:r>
-            <a:r>
-              <a:rPr lang="ko-KR" altLang="en-US" dirty="0"/>
-              <a:t>기</a:t>
-            </a:r>
-          </a:p>
-        </p:txBody>
-      </p:sp>
-      <p:sp>
-        <p:nvSpPr>
-          <p:cNvPr id="31" name="TextBox 30">
-            <a:hlinkClick r:id="rId5" action="ppaction://hlinksldjump"/>
-          </p:cNvPr>
-          <p:cNvSpPr txBox="1"/>
-          <p:nvPr/>
-        </p:nvSpPr>
-        <p:spPr>
-          <a:xfrm>
-            <a:off x="5753452" y="1124744"/>
-            <a:ext cx="1338828" cy="369332"/>
-          </a:xfrm>
-          <a:prstGeom prst="rect">
-            <a:avLst/>
-          </a:prstGeom>
-        </p:spPr>
-        <p:style>
-          <a:lnRef idx="2">
-            <a:schemeClr val="accent1">
-              <a:shade val="50000"/>
-            </a:schemeClr>
-          </a:lnRef>
-          <a:fillRef idx="1">
-            <a:schemeClr val="accent1"/>
-          </a:fillRef>
-          <a:effectRef idx="0">
-            <a:schemeClr val="accent1"/>
-          </a:effectRef>
-          <a:fontRef idx="minor">
-            <a:schemeClr val="lt1"/>
-          </a:fontRef>
-        </p:style>
-        <p:txBody>
-          <a:bodyPr wrap="none" rtlCol="0">
-            <a:spAutoFit/>
-          </a:bodyPr>
-          <a:lstStyle/>
-          <a:p>
-            <a:r>
-              <a:rPr lang="ko-KR" altLang="en-US" dirty="0" err="1" smtClean="0"/>
-              <a:t>퀘스트일지</a:t>
-            </a:r>
-            <a:endParaRPr lang="ko-KR" altLang="en-US" dirty="0"/>
-          </a:p>
-        </p:txBody>
-      </p:sp>
-      <p:sp>
-        <p:nvSpPr>
-          <p:cNvPr id="32" name="TextBox 31">
-            <a:hlinkClick r:id="rId6" action="ppaction://hlinksldjump"/>
-          </p:cNvPr>
-          <p:cNvSpPr txBox="1"/>
-          <p:nvPr/>
-        </p:nvSpPr>
-        <p:spPr>
-          <a:xfrm>
-            <a:off x="7524328" y="1124744"/>
-            <a:ext cx="646331" cy="369332"/>
-          </a:xfrm>
-          <a:prstGeom prst="rect">
-            <a:avLst/>
-          </a:prstGeom>
-        </p:spPr>
-        <p:style>
-          <a:lnRef idx="2">
-            <a:schemeClr val="accent1"/>
-          </a:lnRef>
-          <a:fillRef idx="1">
-            <a:schemeClr val="lt1"/>
-          </a:fillRef>
-          <a:effectRef idx="0">
-            <a:schemeClr val="accent1"/>
-          </a:effectRef>
-          <a:fontRef idx="minor">
-            <a:schemeClr val="dk1"/>
-          </a:fontRef>
-        </p:style>
-        <p:txBody>
-          <a:bodyPr wrap="none" rtlCol="0">
-            <a:spAutoFit/>
-          </a:bodyPr>
-          <a:lstStyle/>
-          <a:p>
-            <a:r>
-              <a:rPr lang="ko-KR" altLang="en-US" dirty="0" smtClean="0"/>
-              <a:t>도감</a:t>
-            </a:r>
-            <a:endParaRPr lang="ko-KR" altLang="en-US" dirty="0"/>
-          </a:p>
-        </p:txBody>
-      </p:sp>
-      <p:sp>
-        <p:nvSpPr>
-          <p:cNvPr id="33" name="TextBox 32"/>
-          <p:cNvSpPr txBox="1"/>
-          <p:nvPr/>
-        </p:nvSpPr>
-        <p:spPr>
-          <a:xfrm>
-            <a:off x="0" y="0"/>
-            <a:ext cx="1551387" cy="369332"/>
-          </a:xfrm>
-          <a:prstGeom prst="rect">
-            <a:avLst/>
-          </a:prstGeom>
-          <a:noFill/>
-        </p:spPr>
-        <p:txBody>
-          <a:bodyPr wrap="none" rtlCol="0">
-            <a:spAutoFit/>
-          </a:bodyPr>
-          <a:lstStyle/>
-          <a:p>
-            <a:r>
-              <a:rPr lang="en-US" altLang="ko-KR" dirty="0" err="1"/>
-              <a:t>dictionary</a:t>
-            </a:r>
-            <a:r>
-              <a:rPr lang="en-US" altLang="ko-KR" dirty="0" err="1" smtClean="0"/>
-              <a:t>.jsp</a:t>
-            </a:r>
-            <a:endParaRPr lang="ko-KR" altLang="en-US" dirty="0"/>
-          </a:p>
-        </p:txBody>
-      </p:sp>
-    </p:spTree>
-    <p:extLst>
-      <p:ext uri="{BB962C8B-B14F-4D97-AF65-F5344CB8AC3E}">
-        <p14:creationId xmlns:p14="http://schemas.microsoft.com/office/powerpoint/2010/main" val="1752414561"/>
-      </p:ext>
-    </p:extLst>
-  </p:cSld>
-  <p:clrMapOvr>
-    <a:masterClrMapping/>
-  </p:clrMapOvr>
-  <p:timing>
-    <p:tnLst>
-      <p:par>
-        <p:cTn id="1" dur="indefinite" restart="never" nodeType="tmRoot"/>
-      </p:par>
-    </p:tnLst>
-  </p:timing>
-</p:sld>
-</file>
-
-<file path=ppt/slides/slide12.xml><?xml version="1.0" encoding="utf-8"?>
-<p:sld xmlns:a="http://schemas.openxmlformats.org/drawingml/2006/main" xmlns:r="http://schemas.openxmlformats.org/officeDocument/2006/relationships" xmlns:p="http://schemas.openxmlformats.org/presentationml/2006/main">
-  <p:cSld>
-    <p:spTree>
-      <p:nvGrpSpPr>
-        <p:cNvPr id="1" name=""/>
-        <p:cNvGrpSpPr/>
-        <p:nvPr/>
-      </p:nvGrpSpPr>
-      <p:grpSpPr>
-        <a:xfrm>
-          <a:off x="0" y="0"/>
-          <a:ext cx="0" cy="0"/>
-          <a:chOff x="0" y="0"/>
-          <a:chExt cx="0" cy="0"/>
-        </a:xfrm>
-      </p:grpSpPr>
-      <p:sp>
-        <p:nvSpPr>
-          <p:cNvPr id="7" name="직사각형 6"/>
-          <p:cNvSpPr/>
-          <p:nvPr/>
-        </p:nvSpPr>
-        <p:spPr>
-          <a:xfrm>
-            <a:off x="1050287" y="1988840"/>
-            <a:ext cx="7120371" cy="4392488"/>
-          </a:xfrm>
-          <a:prstGeom prst="rect">
-            <a:avLst/>
-          </a:prstGeom>
-        </p:spPr>
-        <p:style>
-          <a:lnRef idx="2">
-            <a:schemeClr val="accent1">
-              <a:shade val="50000"/>
-            </a:schemeClr>
-          </a:lnRef>
-          <a:fillRef idx="1">
-            <a:schemeClr val="accent1"/>
-          </a:fillRef>
-          <a:effectRef idx="0">
-            <a:schemeClr val="accent1"/>
-          </a:effectRef>
-          <a:fontRef idx="minor">
-            <a:schemeClr val="lt1"/>
-          </a:fontRef>
-        </p:style>
-        <p:txBody>
-          <a:bodyPr rtlCol="0" anchor="ctr"/>
-          <a:lstStyle/>
-          <a:p>
-            <a:pPr algn="ctr"/>
-            <a:endParaRPr lang="ko-KR" altLang="en-US"/>
-          </a:p>
-        </p:txBody>
-      </p:sp>
-      <p:sp>
-        <p:nvSpPr>
           <p:cNvPr id="10" name="TextBox 9">
             <a:hlinkClick r:id="rId2" action="ppaction://hlinksldjump"/>
           </p:cNvPr>
@@ -5799,7 +5036,7 @@
 </p:sld>
 </file>
 
-<file path=ppt/slides/slide13.xml><?xml version="1.0" encoding="utf-8"?>
+<file path=ppt/slides/slide12.xml><?xml version="1.0" encoding="utf-8"?>
 <p:sld xmlns:a="http://schemas.openxmlformats.org/drawingml/2006/main" xmlns:r="http://schemas.openxmlformats.org/officeDocument/2006/relationships" xmlns:p="http://schemas.openxmlformats.org/presentationml/2006/main">
   <p:cSld>
     <p:spTree>
@@ -6554,7 +5791,7 @@
         <p:spPr>
           <a:xfrm>
             <a:off x="0" y="0"/>
-            <a:ext cx="2155270" cy="369332"/>
+            <a:ext cx="2196563" cy="369332"/>
           </a:xfrm>
           <a:prstGeom prst="rect">
             <a:avLst/>
@@ -6569,7 +5806,7 @@
           <a:p>
             <a:r>
               <a:rPr lang="en-US" altLang="ko-KR" dirty="0" err="1" smtClean="0"/>
-              <a:t>chararter_select.jsp</a:t>
+              <a:t>chararter_create.jsp</a:t>
             </a:r>
             <a:endParaRPr lang="ko-KR" altLang="en-US" dirty="0"/>
           </a:p>
@@ -6846,7 +6083,7 @@
         <p:spPr>
           <a:xfrm>
             <a:off x="0" y="0"/>
-            <a:ext cx="2233432" cy="369332"/>
+            <a:ext cx="1014958" cy="369332"/>
           </a:xfrm>
           <a:prstGeom prst="rect">
             <a:avLst/>
@@ -6861,7 +6098,7 @@
           <a:p>
             <a:r>
               <a:rPr lang="en-US" altLang="ko-KR" dirty="0" err="1" smtClean="0"/>
-              <a:t>chararter_create.jsp</a:t>
+              <a:t>intro.jsp</a:t>
             </a:r>
             <a:endParaRPr lang="ko-KR" altLang="en-US" dirty="0"/>
           </a:p>
@@ -6875,54 +6112,55 @@
         </p:nvSpPr>
         <p:spPr>
           <a:xfrm>
-            <a:off x="1089765" y="1095904"/>
-            <a:ext cx="646331" cy="369332"/>
-          </a:xfrm>
-          <a:prstGeom prst="rect">
-            <a:avLst/>
-          </a:prstGeom>
-        </p:spPr>
-        <p:style>
-          <a:lnRef idx="2">
-            <a:schemeClr val="accent1"/>
-          </a:lnRef>
-          <a:fillRef idx="1">
-            <a:schemeClr val="lt1"/>
-          </a:fillRef>
-          <a:effectRef idx="0">
-            <a:schemeClr val="accent1"/>
-          </a:effectRef>
-          <a:fontRef idx="minor">
-            <a:schemeClr val="dk1"/>
-          </a:fontRef>
-        </p:style>
-        <p:txBody>
-          <a:bodyPr wrap="none" rtlCol="0">
-            <a:spAutoFit/>
-          </a:bodyPr>
-          <a:lstStyle/>
-          <a:p>
-            <a:r>
-              <a:rPr lang="ko-KR" altLang="en-US" dirty="0" smtClean="0"/>
-              <a:t>전</a:t>
-            </a:r>
-            <a:r>
-              <a:rPr lang="ko-KR" altLang="en-US" dirty="0"/>
-              <a:t>사</a:t>
-            </a:r>
-          </a:p>
-        </p:txBody>
-      </p:sp>
-      <p:sp>
-        <p:nvSpPr>
-          <p:cNvPr id="5" name="TextBox 4"/>
-          <p:cNvSpPr txBox="1"/>
-          <p:nvPr/>
-        </p:nvSpPr>
-        <p:spPr>
-          <a:xfrm>
-            <a:off x="2915816" y="1095904"/>
-            <a:ext cx="646331" cy="369332"/>
+            <a:off x="1619672" y="1556792"/>
+            <a:ext cx="5724644" cy="1200329"/>
+          </a:xfrm>
+          <a:prstGeom prst="rect">
+            <a:avLst/>
+          </a:prstGeom>
+          <a:noFill/>
+        </p:spPr>
+        <p:txBody>
+          <a:bodyPr wrap="none" rtlCol="0">
+            <a:spAutoFit/>
+          </a:bodyPr>
+          <a:lstStyle/>
+          <a:p>
+            <a:r>
+              <a:rPr lang="ko-KR" altLang="en-US" dirty="0" err="1" smtClean="0"/>
+              <a:t>간단한스토리설명간단한스토리설명간단한스토리설명</a:t>
+            </a:r>
+            <a:endParaRPr lang="en-US" altLang="ko-KR" dirty="0"/>
+          </a:p>
+          <a:p>
+            <a:r>
+              <a:rPr lang="ko-KR" altLang="en-US" dirty="0" err="1" smtClean="0"/>
+              <a:t>간단한스토리설명간단한스토리설명</a:t>
+            </a:r>
+            <a:endParaRPr lang="en-US" altLang="ko-KR" dirty="0"/>
+          </a:p>
+          <a:p>
+            <a:endParaRPr lang="en-US" altLang="ko-KR" dirty="0" smtClean="0"/>
+          </a:p>
+          <a:p>
+            <a:r>
+              <a:rPr lang="ko-KR" altLang="en-US" dirty="0" err="1" smtClean="0"/>
+              <a:t>간단한스토리설명간단한스토리설명</a:t>
+            </a:r>
+            <a:endParaRPr lang="ko-KR" altLang="en-US" dirty="0" smtClean="0"/>
+          </a:p>
+        </p:txBody>
+      </p:sp>
+      <p:sp>
+        <p:nvSpPr>
+          <p:cNvPr id="4" name="TextBox 3"/>
+          <p:cNvSpPr txBox="1"/>
+          <p:nvPr/>
+        </p:nvSpPr>
+        <p:spPr>
+          <a:xfrm>
+            <a:off x="3927996" y="4581128"/>
+            <a:ext cx="1107996" cy="369332"/>
           </a:xfrm>
           <a:prstGeom prst="rect">
             <a:avLst/>
@@ -6951,303 +6189,8 @@
           <a:lstStyle/>
           <a:p>
             <a:r>
-              <a:rPr lang="ko-KR" altLang="en-US" smtClean="0"/>
-              <a:t>궁수</a:t>
-            </a:r>
-            <a:endParaRPr lang="ko-KR" altLang="en-US" dirty="0"/>
-          </a:p>
-        </p:txBody>
-      </p:sp>
-      <p:sp>
-        <p:nvSpPr>
-          <p:cNvPr id="6" name="TextBox 5"/>
-          <p:cNvSpPr txBox="1"/>
-          <p:nvPr/>
-        </p:nvSpPr>
-        <p:spPr>
-          <a:xfrm>
-            <a:off x="4788024" y="1095904"/>
-            <a:ext cx="877163" cy="369332"/>
-          </a:xfrm>
-          <a:prstGeom prst="rect">
-            <a:avLst/>
-          </a:prstGeom>
-        </p:spPr>
-        <p:style>
-          <a:lnRef idx="2">
-            <a:schemeClr val="accent1">
-              <a:shade val="50000"/>
-            </a:schemeClr>
-          </a:lnRef>
-          <a:fillRef idx="1">
-            <a:schemeClr val="accent1"/>
-          </a:fillRef>
-          <a:effectRef idx="0">
-            <a:schemeClr val="accent1"/>
-          </a:effectRef>
-          <a:fontRef idx="minor">
-            <a:schemeClr val="lt1"/>
-          </a:fontRef>
-        </p:style>
-        <p:txBody>
-          <a:bodyPr wrap="none" rtlCol="0">
-            <a:spAutoFit/>
-          </a:bodyPr>
-          <a:lstStyle/>
-          <a:p>
-            <a:r>
               <a:rPr lang="ko-KR" altLang="en-US" dirty="0" smtClean="0"/>
-              <a:t>마법사</a:t>
-            </a:r>
-            <a:endParaRPr lang="ko-KR" altLang="en-US" dirty="0"/>
-          </a:p>
-        </p:txBody>
-      </p:sp>
-      <p:sp>
-        <p:nvSpPr>
-          <p:cNvPr id="7" name="TextBox 6"/>
-          <p:cNvSpPr txBox="1"/>
-          <p:nvPr/>
-        </p:nvSpPr>
-        <p:spPr>
-          <a:xfrm>
-            <a:off x="1116716" y="1844824"/>
-            <a:ext cx="6133410" cy="646331"/>
-          </a:xfrm>
-          <a:prstGeom prst="rect">
-            <a:avLst/>
-          </a:prstGeom>
-          <a:noFill/>
-        </p:spPr>
-        <p:txBody>
-          <a:bodyPr wrap="none" rtlCol="0">
-            <a:spAutoFit/>
-          </a:bodyPr>
-          <a:lstStyle/>
-          <a:p>
-            <a:r>
-              <a:rPr lang="ko-KR" altLang="en-US" dirty="0" smtClean="0"/>
-              <a:t>직업설명 직업설명 직업설명 직업설명 직업설명 직업설명</a:t>
-            </a:r>
-            <a:endParaRPr lang="en-US" altLang="ko-KR" dirty="0" smtClean="0"/>
-          </a:p>
-          <a:p>
-            <a:r>
-              <a:rPr lang="ko-KR" altLang="en-US" dirty="0" smtClean="0"/>
-              <a:t>직업설명 직업설명 직업설명 직업설명</a:t>
-            </a:r>
-          </a:p>
-        </p:txBody>
-      </p:sp>
-      <p:sp>
-        <p:nvSpPr>
-          <p:cNvPr id="8" name="TextBox 7"/>
-          <p:cNvSpPr txBox="1"/>
-          <p:nvPr/>
-        </p:nvSpPr>
-        <p:spPr>
-          <a:xfrm>
-            <a:off x="1116716" y="4581128"/>
-            <a:ext cx="1338828" cy="369332"/>
-          </a:xfrm>
-          <a:prstGeom prst="rect">
-            <a:avLst/>
-          </a:prstGeom>
-          <a:noFill/>
-        </p:spPr>
-        <p:txBody>
-          <a:bodyPr wrap="none" rtlCol="0">
-            <a:spAutoFit/>
-          </a:bodyPr>
-          <a:lstStyle/>
-          <a:p>
-            <a:r>
-              <a:rPr lang="ko-KR" altLang="en-US" smtClean="0"/>
-              <a:t>케릭터이름</a:t>
-            </a:r>
-            <a:endParaRPr lang="ko-KR" altLang="en-US" dirty="0" smtClean="0"/>
-          </a:p>
-        </p:txBody>
-      </p:sp>
-      <p:sp>
-        <p:nvSpPr>
-          <p:cNvPr id="9" name="TextBox 8"/>
-          <p:cNvSpPr txBox="1"/>
-          <p:nvPr/>
-        </p:nvSpPr>
-        <p:spPr>
-          <a:xfrm>
-            <a:off x="2811165" y="4581128"/>
-            <a:ext cx="1338828" cy="369332"/>
-          </a:xfrm>
-          <a:prstGeom prst="rect">
-            <a:avLst/>
-          </a:prstGeom>
-        </p:spPr>
-        <p:style>
-          <a:lnRef idx="2">
-            <a:schemeClr val="accent1"/>
-          </a:lnRef>
-          <a:fillRef idx="1">
-            <a:schemeClr val="lt1"/>
-          </a:fillRef>
-          <a:effectRef idx="0">
-            <a:schemeClr val="accent1"/>
-          </a:effectRef>
-          <a:fontRef idx="minor">
-            <a:schemeClr val="dk1"/>
-          </a:fontRef>
-        </p:style>
-        <p:txBody>
-          <a:bodyPr wrap="none" rtlCol="0">
-            <a:spAutoFit/>
-          </a:bodyPr>
-          <a:lstStyle/>
-          <a:p>
-            <a:r>
-              <a:rPr lang="ko-KR" altLang="en-US" dirty="0" err="1" smtClean="0"/>
-              <a:t>오니가와</a:t>
-            </a:r>
-            <a:r>
-              <a:rPr lang="ko-KR" altLang="en-US" dirty="0" err="1"/>
-              <a:t>라</a:t>
-            </a:r>
-            <a:endParaRPr lang="ko-KR" altLang="en-US" dirty="0" smtClean="0"/>
-          </a:p>
-        </p:txBody>
-      </p:sp>
-      <p:sp>
-        <p:nvSpPr>
-          <p:cNvPr id="10" name="TextBox 9"/>
-          <p:cNvSpPr txBox="1"/>
-          <p:nvPr/>
-        </p:nvSpPr>
-        <p:spPr>
-          <a:xfrm>
-            <a:off x="1116716" y="2852936"/>
-            <a:ext cx="574196" cy="369332"/>
-          </a:xfrm>
-          <a:prstGeom prst="rect">
-            <a:avLst/>
-          </a:prstGeom>
-          <a:noFill/>
-        </p:spPr>
-        <p:txBody>
-          <a:bodyPr wrap="none" rtlCol="0">
-            <a:spAutoFit/>
-          </a:bodyPr>
-          <a:lstStyle/>
-          <a:p>
-            <a:r>
-              <a:rPr lang="en-US" altLang="ko-KR" dirty="0" smtClean="0"/>
-              <a:t>STR</a:t>
-            </a:r>
-            <a:endParaRPr lang="ko-KR" altLang="en-US" dirty="0" smtClean="0"/>
-          </a:p>
-        </p:txBody>
-      </p:sp>
-      <p:sp>
-        <p:nvSpPr>
-          <p:cNvPr id="11" name="TextBox 10"/>
-          <p:cNvSpPr txBox="1"/>
-          <p:nvPr/>
-        </p:nvSpPr>
-        <p:spPr>
-          <a:xfrm>
-            <a:off x="3015287" y="2852936"/>
-            <a:ext cx="608885" cy="369332"/>
-          </a:xfrm>
-          <a:prstGeom prst="rect">
-            <a:avLst/>
-          </a:prstGeom>
-          <a:noFill/>
-        </p:spPr>
-        <p:txBody>
-          <a:bodyPr wrap="none" rtlCol="0">
-            <a:spAutoFit/>
-          </a:bodyPr>
-          <a:lstStyle/>
-          <a:p>
-            <a:r>
-              <a:rPr lang="en-US" altLang="ko-KR" dirty="0" smtClean="0"/>
-              <a:t>DEX</a:t>
-            </a:r>
-            <a:endParaRPr lang="ko-KR" altLang="en-US" dirty="0" smtClean="0"/>
-          </a:p>
-        </p:txBody>
-      </p:sp>
-      <p:sp>
-        <p:nvSpPr>
-          <p:cNvPr id="12" name="TextBox 11"/>
-          <p:cNvSpPr txBox="1"/>
-          <p:nvPr/>
-        </p:nvSpPr>
-        <p:spPr>
-          <a:xfrm>
-            <a:off x="5090991" y="2852936"/>
-            <a:ext cx="546945" cy="369332"/>
-          </a:xfrm>
-          <a:prstGeom prst="rect">
-            <a:avLst/>
-          </a:prstGeom>
-          <a:noFill/>
-        </p:spPr>
-        <p:txBody>
-          <a:bodyPr wrap="none" rtlCol="0">
-            <a:spAutoFit/>
-          </a:bodyPr>
-          <a:lstStyle/>
-          <a:p>
-            <a:r>
-              <a:rPr lang="en-US" altLang="ko-KR" dirty="0" smtClean="0"/>
-              <a:t>INT</a:t>
-            </a:r>
-            <a:endParaRPr lang="ko-KR" altLang="en-US" dirty="0" smtClean="0"/>
-          </a:p>
-        </p:txBody>
-      </p:sp>
-      <p:sp>
-        <p:nvSpPr>
-          <p:cNvPr id="13" name="TextBox 12">
-            <a:hlinkClick r:id="rId2" action="ppaction://hlinksldjump"/>
-          </p:cNvPr>
-          <p:cNvSpPr txBox="1"/>
-          <p:nvPr/>
-        </p:nvSpPr>
-        <p:spPr>
-          <a:xfrm>
-            <a:off x="4637303" y="4581128"/>
-            <a:ext cx="1107996" cy="369332"/>
-          </a:xfrm>
-          <a:prstGeom prst="rect">
-            <a:avLst/>
-          </a:prstGeom>
-        </p:spPr>
-        <p:style>
-          <a:lnRef idx="2">
-            <a:schemeClr val="accent1">
-              <a:shade val="50000"/>
-            </a:schemeClr>
-          </a:lnRef>
-          <a:fillRef idx="1">
-            <a:schemeClr val="accent1"/>
-          </a:fillRef>
-          <a:effectRef idx="0">
-            <a:schemeClr val="accent1"/>
-          </a:effectRef>
-          <a:fontRef idx="minor">
-            <a:schemeClr val="lt1"/>
-          </a:fontRef>
-        </p:style>
-        <p:txBody>
-          <a:bodyPr wrap="none" rtlCol="0">
-            <a:spAutoFit/>
-          </a:bodyPr>
-          <a:lstStyle/>
-          <a:p>
-            <a:r>
-              <a:rPr lang="ko-KR" altLang="en-US" dirty="0" smtClean="0"/>
-              <a:t>생성하기</a:t>
+              <a:t>시작하기</a:t>
             </a:r>
             <a:endParaRPr lang="ko-KR" altLang="en-US" dirty="0"/>
           </a:p>
@@ -7256,7 +6199,7 @@
     </p:spTree>
     <p:extLst>
       <p:ext uri="{BB962C8B-B14F-4D97-AF65-F5344CB8AC3E}">
-        <p14:creationId xmlns:p14="http://schemas.microsoft.com/office/powerpoint/2010/main" val="705833951"/>
+        <p14:creationId xmlns:p14="http://schemas.microsoft.com/office/powerpoint/2010/main" val="627374913"/>
       </p:ext>
     </p:extLst>
   </p:cSld>
@@ -7299,7 +6242,7 @@
         <p:spPr>
           <a:xfrm>
             <a:off x="0" y="0"/>
-            <a:ext cx="1014958" cy="369332"/>
+            <a:ext cx="1491883" cy="369332"/>
           </a:xfrm>
           <a:prstGeom prst="rect">
             <a:avLst/>
@@ -7313,8 +6256,8 @@
           <a:lstStyle/>
           <a:p>
             <a:r>
-              <a:rPr lang="en-US" altLang="ko-KR" dirty="0" err="1" smtClean="0"/>
-              <a:t>intro.jsp</a:t>
+              <a:rPr lang="en-US" altLang="ko-KR" dirty="0" err="1"/>
+              <a:t>inventory.jsp</a:t>
             </a:r>
             <a:endParaRPr lang="ko-KR" altLang="en-US" dirty="0"/>
           </a:p>
@@ -7322,61 +6265,16 @@
       </p:sp>
       <p:sp>
         <p:nvSpPr>
-          <p:cNvPr id="3" name="TextBox 2"/>
-          <p:cNvSpPr txBox="1"/>
-          <p:nvPr/>
-        </p:nvSpPr>
-        <p:spPr>
-          <a:xfrm>
-            <a:off x="1619672" y="1556792"/>
-            <a:ext cx="5724644" cy="1200329"/>
-          </a:xfrm>
-          <a:prstGeom prst="rect">
-            <a:avLst/>
-          </a:prstGeom>
-          <a:noFill/>
-        </p:spPr>
-        <p:txBody>
-          <a:bodyPr wrap="none" rtlCol="0">
-            <a:spAutoFit/>
-          </a:bodyPr>
-          <a:lstStyle/>
-          <a:p>
-            <a:r>
-              <a:rPr lang="ko-KR" altLang="en-US" dirty="0" err="1" smtClean="0"/>
-              <a:t>간단한스토리설명간단한스토리설명간단한스토리설명</a:t>
-            </a:r>
-            <a:endParaRPr lang="en-US" altLang="ko-KR" dirty="0"/>
-          </a:p>
-          <a:p>
-            <a:r>
-              <a:rPr lang="ko-KR" altLang="en-US" dirty="0" err="1" smtClean="0"/>
-              <a:t>간단한스토리설명간단한스토리설명</a:t>
-            </a:r>
-            <a:endParaRPr lang="en-US" altLang="ko-KR" dirty="0"/>
-          </a:p>
-          <a:p>
-            <a:endParaRPr lang="en-US" altLang="ko-KR" dirty="0" smtClean="0"/>
-          </a:p>
-          <a:p>
-            <a:r>
-              <a:rPr lang="ko-KR" altLang="en-US" dirty="0" err="1" smtClean="0"/>
-              <a:t>간단한스토리설명간단한스토리설명</a:t>
-            </a:r>
-            <a:endParaRPr lang="ko-KR" altLang="en-US" dirty="0" smtClean="0"/>
-          </a:p>
-        </p:txBody>
-      </p:sp>
-      <p:sp>
-        <p:nvSpPr>
-          <p:cNvPr id="4" name="TextBox 3"/>
-          <p:cNvSpPr txBox="1"/>
-          <p:nvPr/>
-        </p:nvSpPr>
-        <p:spPr>
-          <a:xfrm>
-            <a:off x="3927996" y="4581128"/>
-            <a:ext cx="1107996" cy="369332"/>
+          <p:cNvPr id="3" name="TextBox 2">
+            <a:hlinkClick r:id="rId2" action="ppaction://hlinksldjump"/>
+          </p:cNvPr>
+          <p:cNvSpPr txBox="1"/>
+          <p:nvPr/>
+        </p:nvSpPr>
+        <p:spPr>
+          <a:xfrm>
+            <a:off x="1331640" y="1124744"/>
+            <a:ext cx="877163" cy="369332"/>
           </a:xfrm>
           <a:prstGeom prst="rect">
             <a:avLst/>
@@ -7405,8 +6303,615 @@
           <a:lstStyle/>
           <a:p>
             <a:r>
+              <a:rPr lang="ko-KR" altLang="en-US" smtClean="0"/>
+              <a:t>월드맵</a:t>
+            </a:r>
+            <a:endParaRPr lang="ko-KR" altLang="en-US" dirty="0"/>
+          </a:p>
+        </p:txBody>
+      </p:sp>
+      <p:sp>
+        <p:nvSpPr>
+          <p:cNvPr id="4" name="TextBox 3">
+            <a:hlinkClick r:id="rId3" action="ppaction://hlinksldjump"/>
+          </p:cNvPr>
+          <p:cNvSpPr txBox="1"/>
+          <p:nvPr/>
+        </p:nvSpPr>
+        <p:spPr>
+          <a:xfrm>
+            <a:off x="4139952" y="1124744"/>
+            <a:ext cx="1107996" cy="369332"/>
+          </a:xfrm>
+          <a:prstGeom prst="rect">
+            <a:avLst/>
+          </a:prstGeom>
+        </p:spPr>
+        <p:style>
+          <a:lnRef idx="2">
+            <a:schemeClr val="accent1"/>
+          </a:lnRef>
+          <a:fillRef idx="1">
+            <a:schemeClr val="lt1"/>
+          </a:fillRef>
+          <a:effectRef idx="0">
+            <a:schemeClr val="accent1"/>
+          </a:effectRef>
+          <a:fontRef idx="minor">
+            <a:schemeClr val="dk1"/>
+          </a:fontRef>
+        </p:style>
+        <p:txBody>
+          <a:bodyPr wrap="none" rtlCol="0">
+            <a:spAutoFit/>
+          </a:bodyPr>
+          <a:lstStyle/>
+          <a:p>
+            <a:r>
+              <a:rPr lang="ko-KR" altLang="en-US" dirty="0" err="1" smtClean="0"/>
+              <a:t>인벤토리</a:t>
+            </a:r>
+            <a:endParaRPr lang="ko-KR" altLang="en-US" dirty="0"/>
+          </a:p>
+        </p:txBody>
+      </p:sp>
+      <p:sp>
+        <p:nvSpPr>
+          <p:cNvPr id="5" name="TextBox 4">
+            <a:hlinkClick r:id="rId4" action="ppaction://hlinksldjump"/>
+          </p:cNvPr>
+          <p:cNvSpPr txBox="1"/>
+          <p:nvPr/>
+        </p:nvSpPr>
+        <p:spPr>
+          <a:xfrm>
+            <a:off x="2629525" y="1124744"/>
+            <a:ext cx="1107996" cy="369332"/>
+          </a:xfrm>
+          <a:prstGeom prst="rect">
+            <a:avLst/>
+          </a:prstGeom>
+        </p:spPr>
+        <p:style>
+          <a:lnRef idx="2">
+            <a:schemeClr val="accent1">
+              <a:shade val="50000"/>
+            </a:schemeClr>
+          </a:lnRef>
+          <a:fillRef idx="1">
+            <a:schemeClr val="accent1"/>
+          </a:fillRef>
+          <a:effectRef idx="0">
+            <a:schemeClr val="accent1"/>
+          </a:effectRef>
+          <a:fontRef idx="minor">
+            <a:schemeClr val="lt1"/>
+          </a:fontRef>
+        </p:style>
+        <p:txBody>
+          <a:bodyPr wrap="none" rtlCol="0">
+            <a:spAutoFit/>
+          </a:bodyPr>
+          <a:lstStyle/>
+          <a:p>
+            <a:r>
               <a:rPr lang="ko-KR" altLang="en-US" dirty="0" smtClean="0"/>
-              <a:t>시작하기</a:t>
+              <a:t>둘러보</a:t>
+            </a:r>
+            <a:r>
+              <a:rPr lang="ko-KR" altLang="en-US" dirty="0"/>
+              <a:t>기</a:t>
+            </a:r>
+          </a:p>
+        </p:txBody>
+      </p:sp>
+      <p:sp>
+        <p:nvSpPr>
+          <p:cNvPr id="6" name="TextBox 5">
+            <a:hlinkClick r:id="rId5" action="ppaction://hlinksldjump"/>
+          </p:cNvPr>
+          <p:cNvSpPr txBox="1"/>
+          <p:nvPr/>
+        </p:nvSpPr>
+        <p:spPr>
+          <a:xfrm>
+            <a:off x="5753452" y="1124744"/>
+            <a:ext cx="1338828" cy="369332"/>
+          </a:xfrm>
+          <a:prstGeom prst="rect">
+            <a:avLst/>
+          </a:prstGeom>
+        </p:spPr>
+        <p:style>
+          <a:lnRef idx="2">
+            <a:schemeClr val="accent1">
+              <a:shade val="50000"/>
+            </a:schemeClr>
+          </a:lnRef>
+          <a:fillRef idx="1">
+            <a:schemeClr val="accent1"/>
+          </a:fillRef>
+          <a:effectRef idx="0">
+            <a:schemeClr val="accent1"/>
+          </a:effectRef>
+          <a:fontRef idx="minor">
+            <a:schemeClr val="lt1"/>
+          </a:fontRef>
+        </p:style>
+        <p:txBody>
+          <a:bodyPr wrap="none" rtlCol="0">
+            <a:spAutoFit/>
+          </a:bodyPr>
+          <a:lstStyle/>
+          <a:p>
+            <a:r>
+              <a:rPr lang="ko-KR" altLang="en-US" dirty="0" err="1" smtClean="0"/>
+              <a:t>퀘스트일지</a:t>
+            </a:r>
+            <a:endParaRPr lang="ko-KR" altLang="en-US" dirty="0"/>
+          </a:p>
+        </p:txBody>
+      </p:sp>
+      <p:sp>
+        <p:nvSpPr>
+          <p:cNvPr id="8" name="TextBox 7">
+            <a:hlinkClick r:id="rId6" action="ppaction://hlinksldjump"/>
+          </p:cNvPr>
+          <p:cNvSpPr txBox="1"/>
+          <p:nvPr/>
+        </p:nvSpPr>
+        <p:spPr>
+          <a:xfrm>
+            <a:off x="7524328" y="1124744"/>
+            <a:ext cx="646331" cy="369332"/>
+          </a:xfrm>
+          <a:prstGeom prst="rect">
+            <a:avLst/>
+          </a:prstGeom>
+        </p:spPr>
+        <p:style>
+          <a:lnRef idx="2">
+            <a:schemeClr val="accent1">
+              <a:shade val="50000"/>
+            </a:schemeClr>
+          </a:lnRef>
+          <a:fillRef idx="1">
+            <a:schemeClr val="accent1"/>
+          </a:fillRef>
+          <a:effectRef idx="0">
+            <a:schemeClr val="accent1"/>
+          </a:effectRef>
+          <a:fontRef idx="minor">
+            <a:schemeClr val="lt1"/>
+          </a:fontRef>
+        </p:style>
+        <p:txBody>
+          <a:bodyPr wrap="none" rtlCol="0">
+            <a:spAutoFit/>
+          </a:bodyPr>
+          <a:lstStyle/>
+          <a:p>
+            <a:r>
+              <a:rPr lang="ko-KR" altLang="en-US" dirty="0" smtClean="0"/>
+              <a:t>도감</a:t>
+            </a:r>
+            <a:endParaRPr lang="ko-KR" altLang="en-US" dirty="0"/>
+          </a:p>
+        </p:txBody>
+      </p:sp>
+      <p:sp>
+        <p:nvSpPr>
+          <p:cNvPr id="10" name="직사각형 9"/>
+          <p:cNvSpPr/>
+          <p:nvPr/>
+        </p:nvSpPr>
+        <p:spPr>
+          <a:xfrm>
+            <a:off x="1050288" y="1988840"/>
+            <a:ext cx="2873640" cy="4392488"/>
+          </a:xfrm>
+          <a:prstGeom prst="rect">
+            <a:avLst/>
+          </a:prstGeom>
+        </p:spPr>
+        <p:style>
+          <a:lnRef idx="2">
+            <a:schemeClr val="accent1">
+              <a:shade val="50000"/>
+            </a:schemeClr>
+          </a:lnRef>
+          <a:fillRef idx="1">
+            <a:schemeClr val="accent1"/>
+          </a:fillRef>
+          <a:effectRef idx="0">
+            <a:schemeClr val="accent1"/>
+          </a:effectRef>
+          <a:fontRef idx="minor">
+            <a:schemeClr val="lt1"/>
+          </a:fontRef>
+        </p:style>
+        <p:txBody>
+          <a:bodyPr rtlCol="0" anchor="ctr"/>
+          <a:lstStyle/>
+          <a:p>
+            <a:pPr algn="ctr"/>
+            <a:endParaRPr lang="ko-KR" altLang="en-US"/>
+          </a:p>
+        </p:txBody>
+      </p:sp>
+      <p:sp>
+        <p:nvSpPr>
+          <p:cNvPr id="11" name="직사각형 10"/>
+          <p:cNvSpPr/>
+          <p:nvPr/>
+        </p:nvSpPr>
+        <p:spPr>
+          <a:xfrm>
+            <a:off x="5790357" y="1988840"/>
+            <a:ext cx="785266" cy="1008112"/>
+          </a:xfrm>
+          <a:prstGeom prst="rect">
+            <a:avLst/>
+          </a:prstGeom>
+        </p:spPr>
+        <p:style>
+          <a:lnRef idx="2">
+            <a:schemeClr val="accent1">
+              <a:shade val="50000"/>
+            </a:schemeClr>
+          </a:lnRef>
+          <a:fillRef idx="1">
+            <a:schemeClr val="accent1"/>
+          </a:fillRef>
+          <a:effectRef idx="0">
+            <a:schemeClr val="accent1"/>
+          </a:effectRef>
+          <a:fontRef idx="minor">
+            <a:schemeClr val="lt1"/>
+          </a:fontRef>
+        </p:style>
+        <p:txBody>
+          <a:bodyPr rtlCol="0" anchor="ctr"/>
+          <a:lstStyle/>
+          <a:p>
+            <a:pPr algn="ctr"/>
+            <a:endParaRPr lang="ko-KR" altLang="en-US"/>
+          </a:p>
+        </p:txBody>
+      </p:sp>
+      <p:sp>
+        <p:nvSpPr>
+          <p:cNvPr id="12" name="직사각형 11"/>
+          <p:cNvSpPr/>
+          <p:nvPr/>
+        </p:nvSpPr>
+        <p:spPr>
+          <a:xfrm>
+            <a:off x="5005091" y="3356992"/>
+            <a:ext cx="785266" cy="1008112"/>
+          </a:xfrm>
+          <a:prstGeom prst="rect">
+            <a:avLst/>
+          </a:prstGeom>
+        </p:spPr>
+        <p:style>
+          <a:lnRef idx="2">
+            <a:schemeClr val="accent1">
+              <a:shade val="50000"/>
+            </a:schemeClr>
+          </a:lnRef>
+          <a:fillRef idx="1">
+            <a:schemeClr val="accent1"/>
+          </a:fillRef>
+          <a:effectRef idx="0">
+            <a:schemeClr val="accent1"/>
+          </a:effectRef>
+          <a:fontRef idx="minor">
+            <a:schemeClr val="lt1"/>
+          </a:fontRef>
+        </p:style>
+        <p:txBody>
+          <a:bodyPr rtlCol="0" anchor="ctr"/>
+          <a:lstStyle/>
+          <a:p>
+            <a:pPr algn="ctr"/>
+            <a:endParaRPr lang="ko-KR" altLang="en-US"/>
+          </a:p>
+        </p:txBody>
+      </p:sp>
+      <p:sp>
+        <p:nvSpPr>
+          <p:cNvPr id="13" name="직사각형 12"/>
+          <p:cNvSpPr/>
+          <p:nvPr/>
+        </p:nvSpPr>
+        <p:spPr>
+          <a:xfrm>
+            <a:off x="6575623" y="3356992"/>
+            <a:ext cx="785266" cy="1008112"/>
+          </a:xfrm>
+          <a:prstGeom prst="rect">
+            <a:avLst/>
+          </a:prstGeom>
+        </p:spPr>
+        <p:style>
+          <a:lnRef idx="2">
+            <a:schemeClr val="accent1">
+              <a:shade val="50000"/>
+            </a:schemeClr>
+          </a:lnRef>
+          <a:fillRef idx="1">
+            <a:schemeClr val="accent1"/>
+          </a:fillRef>
+          <a:effectRef idx="0">
+            <a:schemeClr val="accent1"/>
+          </a:effectRef>
+          <a:fontRef idx="minor">
+            <a:schemeClr val="lt1"/>
+          </a:fontRef>
+        </p:style>
+        <p:txBody>
+          <a:bodyPr rtlCol="0" anchor="ctr"/>
+          <a:lstStyle/>
+          <a:p>
+            <a:pPr algn="ctr"/>
+            <a:endParaRPr lang="ko-KR" altLang="en-US"/>
+          </a:p>
+        </p:txBody>
+      </p:sp>
+      <p:sp>
+        <p:nvSpPr>
+          <p:cNvPr id="14" name="TextBox 13"/>
+          <p:cNvSpPr txBox="1"/>
+          <p:nvPr/>
+        </p:nvSpPr>
+        <p:spPr>
+          <a:xfrm>
+            <a:off x="5005091" y="5013176"/>
+            <a:ext cx="1338828" cy="369332"/>
+          </a:xfrm>
+          <a:prstGeom prst="rect">
+            <a:avLst/>
+          </a:prstGeom>
+        </p:spPr>
+        <p:style>
+          <a:lnRef idx="2">
+            <a:schemeClr val="accent1"/>
+          </a:lnRef>
+          <a:fillRef idx="1">
+            <a:schemeClr val="lt1"/>
+          </a:fillRef>
+          <a:effectRef idx="0">
+            <a:schemeClr val="accent1"/>
+          </a:effectRef>
+          <a:fontRef idx="minor">
+            <a:schemeClr val="dk1"/>
+          </a:fontRef>
+        </p:style>
+        <p:txBody>
+          <a:bodyPr wrap="none" rtlCol="0">
+            <a:spAutoFit/>
+          </a:bodyPr>
+          <a:lstStyle/>
+          <a:p>
+            <a:r>
+              <a:rPr lang="ko-KR" altLang="en-US" dirty="0" err="1" smtClean="0"/>
+              <a:t>케릭터정보</a:t>
+            </a:r>
+            <a:endParaRPr lang="ko-KR" altLang="en-US" dirty="0"/>
+          </a:p>
+        </p:txBody>
+      </p:sp>
+      <p:sp>
+        <p:nvSpPr>
+          <p:cNvPr id="15" name="TextBox 14"/>
+          <p:cNvSpPr txBox="1"/>
+          <p:nvPr/>
+        </p:nvSpPr>
+        <p:spPr>
+          <a:xfrm>
+            <a:off x="5005091" y="5589240"/>
+            <a:ext cx="574196" cy="369332"/>
+          </a:xfrm>
+          <a:prstGeom prst="rect">
+            <a:avLst/>
+          </a:prstGeom>
+        </p:spPr>
+        <p:style>
+          <a:lnRef idx="2">
+            <a:schemeClr val="accent1"/>
+          </a:lnRef>
+          <a:fillRef idx="1">
+            <a:schemeClr val="lt1"/>
+          </a:fillRef>
+          <a:effectRef idx="0">
+            <a:schemeClr val="accent1"/>
+          </a:effectRef>
+          <a:fontRef idx="minor">
+            <a:schemeClr val="dk1"/>
+          </a:fontRef>
+        </p:style>
+        <p:txBody>
+          <a:bodyPr wrap="none" rtlCol="0">
+            <a:spAutoFit/>
+          </a:bodyPr>
+          <a:lstStyle/>
+          <a:p>
+            <a:r>
+              <a:rPr lang="en-US" altLang="ko-KR" dirty="0" smtClean="0"/>
+              <a:t>STR</a:t>
+            </a:r>
+            <a:endParaRPr lang="ko-KR" altLang="en-US" dirty="0"/>
+          </a:p>
+        </p:txBody>
+      </p:sp>
+      <p:sp>
+        <p:nvSpPr>
+          <p:cNvPr id="16" name="TextBox 15"/>
+          <p:cNvSpPr txBox="1"/>
+          <p:nvPr/>
+        </p:nvSpPr>
+        <p:spPr>
+          <a:xfrm>
+            <a:off x="6027134" y="5589240"/>
+            <a:ext cx="608885" cy="369332"/>
+          </a:xfrm>
+          <a:prstGeom prst="rect">
+            <a:avLst/>
+          </a:prstGeom>
+        </p:spPr>
+        <p:style>
+          <a:lnRef idx="2">
+            <a:schemeClr val="accent1"/>
+          </a:lnRef>
+          <a:fillRef idx="1">
+            <a:schemeClr val="lt1"/>
+          </a:fillRef>
+          <a:effectRef idx="0">
+            <a:schemeClr val="accent1"/>
+          </a:effectRef>
+          <a:fontRef idx="minor">
+            <a:schemeClr val="dk1"/>
+          </a:fontRef>
+        </p:style>
+        <p:txBody>
+          <a:bodyPr wrap="none" rtlCol="0">
+            <a:spAutoFit/>
+          </a:bodyPr>
+          <a:lstStyle/>
+          <a:p>
+            <a:r>
+              <a:rPr lang="en-US" altLang="ko-KR" dirty="0" smtClean="0"/>
+              <a:t>DEX</a:t>
+            </a:r>
+            <a:endParaRPr lang="ko-KR" altLang="en-US" dirty="0"/>
+          </a:p>
+        </p:txBody>
+      </p:sp>
+      <p:sp>
+        <p:nvSpPr>
+          <p:cNvPr id="17" name="TextBox 16"/>
+          <p:cNvSpPr txBox="1"/>
+          <p:nvPr/>
+        </p:nvSpPr>
+        <p:spPr>
+          <a:xfrm>
+            <a:off x="7092280" y="5589240"/>
+            <a:ext cx="546945" cy="369332"/>
+          </a:xfrm>
+          <a:prstGeom prst="rect">
+            <a:avLst/>
+          </a:prstGeom>
+        </p:spPr>
+        <p:style>
+          <a:lnRef idx="2">
+            <a:schemeClr val="accent1"/>
+          </a:lnRef>
+          <a:fillRef idx="1">
+            <a:schemeClr val="lt1"/>
+          </a:fillRef>
+          <a:effectRef idx="0">
+            <a:schemeClr val="accent1"/>
+          </a:effectRef>
+          <a:fontRef idx="minor">
+            <a:schemeClr val="dk1"/>
+          </a:fontRef>
+        </p:style>
+        <p:txBody>
+          <a:bodyPr wrap="none" rtlCol="0">
+            <a:spAutoFit/>
+          </a:bodyPr>
+          <a:lstStyle/>
+          <a:p>
+            <a:r>
+              <a:rPr lang="en-US" altLang="ko-KR" dirty="0" smtClean="0"/>
+              <a:t>INT</a:t>
+            </a:r>
+            <a:endParaRPr lang="ko-KR" altLang="en-US" dirty="0"/>
+          </a:p>
+        </p:txBody>
+      </p:sp>
+      <p:sp>
+        <p:nvSpPr>
+          <p:cNvPr id="18" name="TextBox 17"/>
+          <p:cNvSpPr txBox="1"/>
+          <p:nvPr/>
+        </p:nvSpPr>
+        <p:spPr>
+          <a:xfrm>
+            <a:off x="5005091" y="6065527"/>
+            <a:ext cx="578748" cy="369332"/>
+          </a:xfrm>
+          <a:prstGeom prst="rect">
+            <a:avLst/>
+          </a:prstGeom>
+        </p:spPr>
+        <p:style>
+          <a:lnRef idx="2">
+            <a:schemeClr val="accent1"/>
+          </a:lnRef>
+          <a:fillRef idx="1">
+            <a:schemeClr val="lt1"/>
+          </a:fillRef>
+          <a:effectRef idx="0">
+            <a:schemeClr val="accent1"/>
+          </a:effectRef>
+          <a:fontRef idx="minor">
+            <a:schemeClr val="dk1"/>
+          </a:fontRef>
+        </p:style>
+        <p:txBody>
+          <a:bodyPr wrap="none" rtlCol="0">
+            <a:spAutoFit/>
+          </a:bodyPr>
+          <a:lstStyle/>
+          <a:p>
+            <a:r>
+              <a:rPr lang="en-US" altLang="ko-KR" dirty="0" smtClean="0"/>
+              <a:t>ATK</a:t>
+            </a:r>
+            <a:endParaRPr lang="ko-KR" altLang="en-US" dirty="0"/>
+          </a:p>
+        </p:txBody>
+      </p:sp>
+      <p:sp>
+        <p:nvSpPr>
+          <p:cNvPr id="20" name="TextBox 19"/>
+          <p:cNvSpPr txBox="1"/>
+          <p:nvPr/>
+        </p:nvSpPr>
+        <p:spPr>
+          <a:xfrm>
+            <a:off x="6027134" y="6065527"/>
+            <a:ext cx="583814" cy="369332"/>
+          </a:xfrm>
+          <a:prstGeom prst="rect">
+            <a:avLst/>
+          </a:prstGeom>
+        </p:spPr>
+        <p:style>
+          <a:lnRef idx="2">
+            <a:schemeClr val="accent1"/>
+          </a:lnRef>
+          <a:fillRef idx="1">
+            <a:schemeClr val="lt1"/>
+          </a:fillRef>
+          <a:effectRef idx="0">
+            <a:schemeClr val="accent1"/>
+          </a:effectRef>
+          <a:fontRef idx="minor">
+            <a:schemeClr val="dk1"/>
+          </a:fontRef>
+        </p:style>
+        <p:txBody>
+          <a:bodyPr wrap="none" rtlCol="0">
+            <a:spAutoFit/>
+          </a:bodyPr>
+          <a:lstStyle/>
+          <a:p>
+            <a:r>
+              <a:rPr lang="en-US" altLang="ko-KR" dirty="0" smtClean="0"/>
+              <a:t>DEF</a:t>
             </a:r>
             <a:endParaRPr lang="ko-KR" altLang="en-US" dirty="0"/>
           </a:p>
@@ -7415,7 +6920,7 @@
     </p:spTree>
     <p:extLst>
       <p:ext uri="{BB962C8B-B14F-4D97-AF65-F5344CB8AC3E}">
-        <p14:creationId xmlns:p14="http://schemas.microsoft.com/office/powerpoint/2010/main" val="627374913"/>
+        <p14:creationId xmlns:p14="http://schemas.microsoft.com/office/powerpoint/2010/main" val="237558691"/>
       </p:ext>
     </p:extLst>
   </p:cSld>
@@ -7451,14 +6956,14 @@
       </p:grpSpPr>
       <p:sp>
         <p:nvSpPr>
-          <p:cNvPr id="2" name="TextBox 1"/>
+          <p:cNvPr id="27" name="TextBox 26"/>
           <p:cNvSpPr txBox="1"/>
           <p:nvPr/>
         </p:nvSpPr>
         <p:spPr>
           <a:xfrm>
             <a:off x="0" y="0"/>
-            <a:ext cx="1491883" cy="369332"/>
+            <a:ext cx="2289409" cy="369332"/>
           </a:xfrm>
           <a:prstGeom prst="rect">
             <a:avLst/>
@@ -7472,8 +6977,8 @@
           <a:lstStyle/>
           <a:p>
             <a:r>
-              <a:rPr lang="en-US" altLang="ko-KR" dirty="0" err="1"/>
-              <a:t>inventory.jsp</a:t>
+              <a:rPr lang="en-US" altLang="ko-KR" dirty="0" err="1" smtClean="0"/>
+              <a:t>map_detail_none.jsp</a:t>
             </a:r>
             <a:endParaRPr lang="ko-KR" altLang="en-US" dirty="0"/>
           </a:p>
@@ -7481,16 +6986,14 @@
       </p:sp>
       <p:sp>
         <p:nvSpPr>
-          <p:cNvPr id="3" name="TextBox 2">
-            <a:hlinkClick r:id="rId2" action="ppaction://hlinksldjump"/>
-          </p:cNvPr>
-          <p:cNvSpPr txBox="1"/>
-          <p:nvPr/>
-        </p:nvSpPr>
-        <p:spPr>
-          <a:xfrm>
-            <a:off x="1331640" y="1124744"/>
-            <a:ext cx="877163" cy="369332"/>
+          <p:cNvPr id="33" name="직사각형 32"/>
+          <p:cNvSpPr/>
+          <p:nvPr/>
+        </p:nvSpPr>
+        <p:spPr>
+          <a:xfrm>
+            <a:off x="1050287" y="1988840"/>
+            <a:ext cx="7120371" cy="4392488"/>
           </a:xfrm>
           <a:prstGeom prst="rect">
             <a:avLst/>
@@ -7513,14 +7016,58 @@
           </a:fontRef>
         </p:style>
         <p:txBody>
-          <a:bodyPr wrap="none" rtlCol="0">
-            <a:spAutoFit/>
-          </a:bodyPr>
-          <a:lstStyle/>
-          <a:p>
-            <a:r>
-              <a:rPr lang="ko-KR" altLang="en-US" smtClean="0"/>
-              <a:t>월드맵</a:t>
+          <a:bodyPr rtlCol="0" anchor="ctr"/>
+          <a:lstStyle/>
+          <a:p>
+            <a:pPr algn="ctr"/>
+            <a:endParaRPr lang="ko-KR" altLang="en-US"/>
+          </a:p>
+        </p:txBody>
+      </p:sp>
+      <p:sp>
+        <p:nvSpPr>
+          <p:cNvPr id="34" name="TextBox 33">
+            <a:hlinkClick r:id="rId2" action="ppaction://hlinksldjump"/>
+          </p:cNvPr>
+          <p:cNvSpPr txBox="1"/>
+          <p:nvPr/>
+        </p:nvSpPr>
+        <p:spPr>
+          <a:xfrm>
+            <a:off x="2935975" y="4000418"/>
+            <a:ext cx="3348994" cy="369332"/>
+          </a:xfrm>
+          <a:prstGeom prst="rect">
+            <a:avLst/>
+          </a:prstGeom>
+        </p:spPr>
+        <p:style>
+          <a:lnRef idx="2">
+            <a:schemeClr val="accent1"/>
+          </a:lnRef>
+          <a:fillRef idx="1">
+            <a:schemeClr val="lt1"/>
+          </a:fillRef>
+          <a:effectRef idx="0">
+            <a:schemeClr val="accent1"/>
+          </a:effectRef>
+          <a:fontRef idx="minor">
+            <a:schemeClr val="dk1"/>
+          </a:fontRef>
+        </p:style>
+        <p:txBody>
+          <a:bodyPr wrap="none" rtlCol="0">
+            <a:spAutoFit/>
+          </a:bodyPr>
+          <a:lstStyle/>
+          <a:p>
+            <a:r>
+              <a:rPr lang="ko-KR" altLang="en-US" dirty="0" err="1" smtClean="0"/>
+              <a:t>월드맵에서</a:t>
+            </a:r>
+            <a:r>
+              <a:rPr lang="ko-KR" altLang="en-US" dirty="0" smtClean="0"/>
+              <a:t> 지역을 선택하세요</a:t>
             </a:r>
             <a:endParaRPr lang="ko-KR" altLang="en-US" dirty="0"/>
           </a:p>
@@ -7528,61 +7075,16 @@
       </p:sp>
       <p:sp>
         <p:nvSpPr>
-          <p:cNvPr id="4" name="TextBox 3">
-            <a:hlinkClick r:id="rId3" action="ppaction://hlinksldjump"/>
+          <p:cNvPr id="49" name="TextBox 48">
+            <a:hlinkClick r:id="rId2" action="ppaction://hlinksldjump"/>
           </p:cNvPr>
           <p:cNvSpPr txBox="1"/>
           <p:nvPr/>
         </p:nvSpPr>
         <p:spPr>
           <a:xfrm>
-            <a:off x="4139952" y="1124744"/>
-            <a:ext cx="1107996" cy="369332"/>
-          </a:xfrm>
-          <a:prstGeom prst="rect">
-            <a:avLst/>
-          </a:prstGeom>
-        </p:spPr>
-        <p:style>
-          <a:lnRef idx="2">
-            <a:schemeClr val="accent1"/>
-          </a:lnRef>
-          <a:fillRef idx="1">
-            <a:schemeClr val="lt1"/>
-          </a:fillRef>
-          <a:effectRef idx="0">
-            <a:schemeClr val="accent1"/>
-          </a:effectRef>
-          <a:fontRef idx="minor">
-            <a:schemeClr val="dk1"/>
-          </a:fontRef>
-        </p:style>
-        <p:txBody>
-          <a:bodyPr wrap="none" rtlCol="0">
-            <a:spAutoFit/>
-          </a:bodyPr>
-          <a:lstStyle/>
-          <a:p>
-            <a:r>
-              <a:rPr lang="ko-KR" altLang="en-US" dirty="0" err="1" smtClean="0"/>
-              <a:t>인벤토리</a:t>
-            </a:r>
-            <a:endParaRPr lang="ko-KR" altLang="en-US" dirty="0"/>
-          </a:p>
-        </p:txBody>
-      </p:sp>
-      <p:sp>
-        <p:nvSpPr>
-          <p:cNvPr id="5" name="TextBox 4">
-            <a:hlinkClick r:id="rId4" action="ppaction://hlinksldjump"/>
-          </p:cNvPr>
-          <p:cNvSpPr txBox="1"/>
-          <p:nvPr/>
-        </p:nvSpPr>
-        <p:spPr>
-          <a:xfrm>
-            <a:off x="2629525" y="1124744"/>
-            <a:ext cx="1107996" cy="369332"/>
+            <a:off x="1331640" y="1124744"/>
+            <a:ext cx="877163" cy="369332"/>
           </a:xfrm>
           <a:prstGeom prst="rect">
             <a:avLst/>
@@ -7611,28 +7113,25 @@
           <a:lstStyle/>
           <a:p>
             <a:r>
-              <a:rPr lang="ko-KR" altLang="en-US" dirty="0" smtClean="0"/>
-              <a:t>둘러보</a:t>
-            </a:r>
-            <a:r>
-              <a:rPr lang="ko-KR" altLang="en-US" dirty="0"/>
-              <a:t>기</a:t>
-            </a:r>
-          </a:p>
-        </p:txBody>
-      </p:sp>
-      <p:sp>
-        <p:nvSpPr>
-          <p:cNvPr id="6" name="TextBox 5">
-            <a:hlinkClick r:id="rId5" action="ppaction://hlinksldjump"/>
+              <a:rPr lang="ko-KR" altLang="en-US" smtClean="0"/>
+              <a:t>월드맵</a:t>
+            </a:r>
+            <a:endParaRPr lang="ko-KR" altLang="en-US" dirty="0"/>
+          </a:p>
+        </p:txBody>
+      </p:sp>
+      <p:sp>
+        <p:nvSpPr>
+          <p:cNvPr id="50" name="TextBox 49">
+            <a:hlinkClick r:id="rId3" action="ppaction://hlinksldjump"/>
           </p:cNvPr>
           <p:cNvSpPr txBox="1"/>
           <p:nvPr/>
         </p:nvSpPr>
         <p:spPr>
           <a:xfrm>
-            <a:off x="5753452" y="1124744"/>
-            <a:ext cx="1338828" cy="369332"/>
+            <a:off x="4139952" y="1124744"/>
+            <a:ext cx="1107996" cy="369332"/>
           </a:xfrm>
           <a:prstGeom prst="rect">
             <a:avLst/>
@@ -7662,7 +7161,7 @@
           <a:p>
             <a:r>
               <a:rPr lang="ko-KR" altLang="en-US" dirty="0" err="1" smtClean="0"/>
-              <a:t>퀘스트일지</a:t>
+              <a:t>인벤토리</a:t>
             </a:r>
             <a:endParaRPr lang="ko-KR" altLang="en-US" dirty="0"/>
           </a:p>
@@ -7670,16 +7169,64 @@
       </p:sp>
       <p:sp>
         <p:nvSpPr>
-          <p:cNvPr id="8" name="TextBox 7">
-            <a:hlinkClick r:id="rId6" action="ppaction://hlinksldjump"/>
+          <p:cNvPr id="51" name="TextBox 50">
+            <a:hlinkClick r:id="rId4" action="ppaction://hlinksldjump"/>
           </p:cNvPr>
           <p:cNvSpPr txBox="1"/>
           <p:nvPr/>
         </p:nvSpPr>
         <p:spPr>
           <a:xfrm>
-            <a:off x="7524328" y="1124744"/>
-            <a:ext cx="646331" cy="369332"/>
+            <a:off x="2629525" y="1124744"/>
+            <a:ext cx="1107996" cy="369332"/>
+          </a:xfrm>
+          <a:prstGeom prst="rect">
+            <a:avLst/>
+          </a:prstGeom>
+        </p:spPr>
+        <p:style>
+          <a:lnRef idx="2">
+            <a:schemeClr val="accent1"/>
+          </a:lnRef>
+          <a:fillRef idx="1">
+            <a:schemeClr val="lt1"/>
+          </a:fillRef>
+          <a:effectRef idx="0">
+            <a:schemeClr val="accent1"/>
+          </a:effectRef>
+          <a:fontRef idx="minor">
+            <a:schemeClr val="dk1"/>
+          </a:fontRef>
+        </p:style>
+        <p:txBody>
+          <a:bodyPr wrap="none" rtlCol="0">
+            <a:spAutoFit/>
+          </a:bodyPr>
+          <a:lstStyle/>
+          <a:p>
+            <a:r>
+              <a:rPr lang="ko-KR" altLang="en-US" dirty="0" smtClean="0"/>
+              <a:t>둘러보</a:t>
+            </a:r>
+            <a:r>
+              <a:rPr lang="ko-KR" altLang="en-US" dirty="0"/>
+              <a:t>기</a:t>
+            </a:r>
+          </a:p>
+        </p:txBody>
+      </p:sp>
+      <p:sp>
+        <p:nvSpPr>
+          <p:cNvPr id="52" name="TextBox 51">
+            <a:hlinkClick r:id="rId5" action="ppaction://hlinksldjump"/>
+          </p:cNvPr>
+          <p:cNvSpPr txBox="1"/>
+          <p:nvPr/>
+        </p:nvSpPr>
+        <p:spPr>
+          <a:xfrm>
+            <a:off x="5753452" y="1124744"/>
+            <a:ext cx="1338828" cy="369332"/>
           </a:xfrm>
           <a:prstGeom prst="rect">
             <a:avLst/>
@@ -7708,8 +7255,8 @@
           <a:lstStyle/>
           <a:p>
             <a:r>
-              <a:rPr lang="ko-KR" altLang="en-US" dirty="0" smtClean="0"/>
-              <a:t>도감</a:t>
+              <a:rPr lang="ko-KR" altLang="en-US" dirty="0" err="1" smtClean="0"/>
+              <a:t>퀘스트일지</a:t>
             </a:r>
             <a:endParaRPr lang="ko-KR" altLang="en-US" dirty="0"/>
           </a:p>
@@ -7717,14 +7264,16 @@
       </p:sp>
       <p:sp>
         <p:nvSpPr>
-          <p:cNvPr id="10" name="직사각형 9"/>
-          <p:cNvSpPr/>
-          <p:nvPr/>
-        </p:nvSpPr>
-        <p:spPr>
-          <a:xfrm>
-            <a:off x="1050288" y="1988840"/>
-            <a:ext cx="2873640" cy="4392488"/>
+          <p:cNvPr id="53" name="TextBox 52">
+            <a:hlinkClick r:id="rId6" action="ppaction://hlinksldjump"/>
+          </p:cNvPr>
+          <p:cNvSpPr txBox="1"/>
+          <p:nvPr/>
+        </p:nvSpPr>
+        <p:spPr>
+          <a:xfrm>
+            <a:off x="7524328" y="1124744"/>
+            <a:ext cx="646331" cy="369332"/>
           </a:xfrm>
           <a:prstGeom prst="rect">
             <a:avLst/>
@@ -7747,387 +7296,14 @@
           </a:fontRef>
         </p:style>
         <p:txBody>
-          <a:bodyPr rtlCol="0" anchor="ctr"/>
-          <a:lstStyle/>
-          <a:p>
-            <a:pPr algn="ctr"/>
-            <a:endParaRPr lang="ko-KR" altLang="en-US"/>
-          </a:p>
-        </p:txBody>
-      </p:sp>
-      <p:sp>
-        <p:nvSpPr>
-          <p:cNvPr id="11" name="직사각형 10"/>
-          <p:cNvSpPr/>
-          <p:nvPr/>
-        </p:nvSpPr>
-        <p:spPr>
-          <a:xfrm>
-            <a:off x="5790357" y="1988840"/>
-            <a:ext cx="785266" cy="1008112"/>
-          </a:xfrm>
-          <a:prstGeom prst="rect">
-            <a:avLst/>
-          </a:prstGeom>
-        </p:spPr>
-        <p:style>
-          <a:lnRef idx="2">
-            <a:schemeClr val="accent1">
-              <a:shade val="50000"/>
-            </a:schemeClr>
-          </a:lnRef>
-          <a:fillRef idx="1">
-            <a:schemeClr val="accent1"/>
-          </a:fillRef>
-          <a:effectRef idx="0">
-            <a:schemeClr val="accent1"/>
-          </a:effectRef>
-          <a:fontRef idx="minor">
-            <a:schemeClr val="lt1"/>
-          </a:fontRef>
-        </p:style>
-        <p:txBody>
-          <a:bodyPr rtlCol="0" anchor="ctr"/>
-          <a:lstStyle/>
-          <a:p>
-            <a:pPr algn="ctr"/>
-            <a:endParaRPr lang="ko-KR" altLang="en-US"/>
-          </a:p>
-        </p:txBody>
-      </p:sp>
-      <p:sp>
-        <p:nvSpPr>
-          <p:cNvPr id="12" name="직사각형 11"/>
-          <p:cNvSpPr/>
-          <p:nvPr/>
-        </p:nvSpPr>
-        <p:spPr>
-          <a:xfrm>
-            <a:off x="5005091" y="3356992"/>
-            <a:ext cx="785266" cy="1008112"/>
-          </a:xfrm>
-          <a:prstGeom prst="rect">
-            <a:avLst/>
-          </a:prstGeom>
-        </p:spPr>
-        <p:style>
-          <a:lnRef idx="2">
-            <a:schemeClr val="accent1">
-              <a:shade val="50000"/>
-            </a:schemeClr>
-          </a:lnRef>
-          <a:fillRef idx="1">
-            <a:schemeClr val="accent1"/>
-          </a:fillRef>
-          <a:effectRef idx="0">
-            <a:schemeClr val="accent1"/>
-          </a:effectRef>
-          <a:fontRef idx="minor">
-            <a:schemeClr val="lt1"/>
-          </a:fontRef>
-        </p:style>
-        <p:txBody>
-          <a:bodyPr rtlCol="0" anchor="ctr"/>
-          <a:lstStyle/>
-          <a:p>
-            <a:pPr algn="ctr"/>
-            <a:endParaRPr lang="ko-KR" altLang="en-US"/>
-          </a:p>
-        </p:txBody>
-      </p:sp>
-      <p:sp>
-        <p:nvSpPr>
-          <p:cNvPr id="13" name="직사각형 12"/>
-          <p:cNvSpPr/>
-          <p:nvPr/>
-        </p:nvSpPr>
-        <p:spPr>
-          <a:xfrm>
-            <a:off x="6575623" y="3356992"/>
-            <a:ext cx="785266" cy="1008112"/>
-          </a:xfrm>
-          <a:prstGeom prst="rect">
-            <a:avLst/>
-          </a:prstGeom>
-        </p:spPr>
-        <p:style>
-          <a:lnRef idx="2">
-            <a:schemeClr val="accent1">
-              <a:shade val="50000"/>
-            </a:schemeClr>
-          </a:lnRef>
-          <a:fillRef idx="1">
-            <a:schemeClr val="accent1"/>
-          </a:fillRef>
-          <a:effectRef idx="0">
-            <a:schemeClr val="accent1"/>
-          </a:effectRef>
-          <a:fontRef idx="minor">
-            <a:schemeClr val="lt1"/>
-          </a:fontRef>
-        </p:style>
-        <p:txBody>
-          <a:bodyPr rtlCol="0" anchor="ctr"/>
-          <a:lstStyle/>
-          <a:p>
-            <a:pPr algn="ctr"/>
-            <a:endParaRPr lang="ko-KR" altLang="en-US"/>
-          </a:p>
-        </p:txBody>
-      </p:sp>
-      <p:sp>
-        <p:nvSpPr>
-          <p:cNvPr id="14" name="TextBox 13"/>
-          <p:cNvSpPr txBox="1"/>
-          <p:nvPr/>
-        </p:nvSpPr>
-        <p:spPr>
-          <a:xfrm>
-            <a:off x="5005091" y="5013176"/>
-            <a:ext cx="1338828" cy="369332"/>
-          </a:xfrm>
-          <a:prstGeom prst="rect">
-            <a:avLst/>
-          </a:prstGeom>
-        </p:spPr>
-        <p:style>
-          <a:lnRef idx="2">
-            <a:schemeClr val="accent1"/>
-          </a:lnRef>
-          <a:fillRef idx="1">
-            <a:schemeClr val="lt1"/>
-          </a:fillRef>
-          <a:effectRef idx="0">
-            <a:schemeClr val="accent1"/>
-          </a:effectRef>
-          <a:fontRef idx="minor">
-            <a:schemeClr val="dk1"/>
-          </a:fontRef>
-        </p:style>
-        <p:txBody>
-          <a:bodyPr wrap="none" rtlCol="0">
-            <a:spAutoFit/>
-          </a:bodyPr>
-          <a:lstStyle/>
-          <a:p>
-            <a:r>
-              <a:rPr lang="ko-KR" altLang="en-US" dirty="0" err="1" smtClean="0"/>
-              <a:t>케릭터정보</a:t>
-            </a:r>
-            <a:endParaRPr lang="ko-KR" altLang="en-US" dirty="0"/>
-          </a:p>
-        </p:txBody>
-      </p:sp>
-      <p:sp>
-        <p:nvSpPr>
-          <p:cNvPr id="15" name="TextBox 14"/>
-          <p:cNvSpPr txBox="1"/>
-          <p:nvPr/>
-        </p:nvSpPr>
-        <p:spPr>
-          <a:xfrm>
-            <a:off x="5005091" y="5589240"/>
-            <a:ext cx="574196" cy="369332"/>
-          </a:xfrm>
-          <a:prstGeom prst="rect">
-            <a:avLst/>
-          </a:prstGeom>
-        </p:spPr>
-        <p:style>
-          <a:lnRef idx="2">
-            <a:schemeClr val="accent1"/>
-          </a:lnRef>
-          <a:fillRef idx="1">
-            <a:schemeClr val="lt1"/>
-          </a:fillRef>
-          <a:effectRef idx="0">
-            <a:schemeClr val="accent1"/>
-          </a:effectRef>
-          <a:fontRef idx="minor">
-            <a:schemeClr val="dk1"/>
-          </a:fontRef>
-        </p:style>
-        <p:txBody>
-          <a:bodyPr wrap="none" rtlCol="0">
-            <a:spAutoFit/>
-          </a:bodyPr>
-          <a:lstStyle/>
-          <a:p>
-            <a:r>
-              <a:rPr lang="en-US" altLang="ko-KR" dirty="0" smtClean="0"/>
-              <a:t>STR</a:t>
-            </a:r>
-            <a:endParaRPr lang="ko-KR" altLang="en-US" dirty="0"/>
-          </a:p>
-        </p:txBody>
-      </p:sp>
-      <p:sp>
-        <p:nvSpPr>
-          <p:cNvPr id="16" name="TextBox 15"/>
-          <p:cNvSpPr txBox="1"/>
-          <p:nvPr/>
-        </p:nvSpPr>
-        <p:spPr>
-          <a:xfrm>
-            <a:off x="6027134" y="5589240"/>
-            <a:ext cx="608885" cy="369332"/>
-          </a:xfrm>
-          <a:prstGeom prst="rect">
-            <a:avLst/>
-          </a:prstGeom>
-        </p:spPr>
-        <p:style>
-          <a:lnRef idx="2">
-            <a:schemeClr val="accent1"/>
-          </a:lnRef>
-          <a:fillRef idx="1">
-            <a:schemeClr val="lt1"/>
-          </a:fillRef>
-          <a:effectRef idx="0">
-            <a:schemeClr val="accent1"/>
-          </a:effectRef>
-          <a:fontRef idx="minor">
-            <a:schemeClr val="dk1"/>
-          </a:fontRef>
-        </p:style>
-        <p:txBody>
-          <a:bodyPr wrap="none" rtlCol="0">
-            <a:spAutoFit/>
-          </a:bodyPr>
-          <a:lstStyle/>
-          <a:p>
-            <a:r>
-              <a:rPr lang="en-US" altLang="ko-KR" dirty="0" smtClean="0"/>
-              <a:t>DEX</a:t>
-            </a:r>
-            <a:endParaRPr lang="ko-KR" altLang="en-US" dirty="0"/>
-          </a:p>
-        </p:txBody>
-      </p:sp>
-      <p:sp>
-        <p:nvSpPr>
-          <p:cNvPr id="17" name="TextBox 16"/>
-          <p:cNvSpPr txBox="1"/>
-          <p:nvPr/>
-        </p:nvSpPr>
-        <p:spPr>
-          <a:xfrm>
-            <a:off x="7092280" y="5589240"/>
-            <a:ext cx="546945" cy="369332"/>
-          </a:xfrm>
-          <a:prstGeom prst="rect">
-            <a:avLst/>
-          </a:prstGeom>
-        </p:spPr>
-        <p:style>
-          <a:lnRef idx="2">
-            <a:schemeClr val="accent1"/>
-          </a:lnRef>
-          <a:fillRef idx="1">
-            <a:schemeClr val="lt1"/>
-          </a:fillRef>
-          <a:effectRef idx="0">
-            <a:schemeClr val="accent1"/>
-          </a:effectRef>
-          <a:fontRef idx="minor">
-            <a:schemeClr val="dk1"/>
-          </a:fontRef>
-        </p:style>
-        <p:txBody>
-          <a:bodyPr wrap="none" rtlCol="0">
-            <a:spAutoFit/>
-          </a:bodyPr>
-          <a:lstStyle/>
-          <a:p>
-            <a:r>
-              <a:rPr lang="en-US" altLang="ko-KR" dirty="0" smtClean="0"/>
-              <a:t>INT</a:t>
-            </a:r>
-            <a:endParaRPr lang="ko-KR" altLang="en-US" dirty="0"/>
-          </a:p>
-        </p:txBody>
-      </p:sp>
-      <p:sp>
-        <p:nvSpPr>
-          <p:cNvPr id="18" name="TextBox 17"/>
-          <p:cNvSpPr txBox="1"/>
-          <p:nvPr/>
-        </p:nvSpPr>
-        <p:spPr>
-          <a:xfrm>
-            <a:off x="5005091" y="6065527"/>
-            <a:ext cx="578748" cy="369332"/>
-          </a:xfrm>
-          <a:prstGeom prst="rect">
-            <a:avLst/>
-          </a:prstGeom>
-        </p:spPr>
-        <p:style>
-          <a:lnRef idx="2">
-            <a:schemeClr val="accent1"/>
-          </a:lnRef>
-          <a:fillRef idx="1">
-            <a:schemeClr val="lt1"/>
-          </a:fillRef>
-          <a:effectRef idx="0">
-            <a:schemeClr val="accent1"/>
-          </a:effectRef>
-          <a:fontRef idx="minor">
-            <a:schemeClr val="dk1"/>
-          </a:fontRef>
-        </p:style>
-        <p:txBody>
-          <a:bodyPr wrap="none" rtlCol="0">
-            <a:spAutoFit/>
-          </a:bodyPr>
-          <a:lstStyle/>
-          <a:p>
-            <a:r>
-              <a:rPr lang="en-US" altLang="ko-KR" dirty="0" smtClean="0"/>
-              <a:t>ATK</a:t>
-            </a:r>
-            <a:endParaRPr lang="ko-KR" altLang="en-US" dirty="0"/>
-          </a:p>
-        </p:txBody>
-      </p:sp>
-      <p:sp>
-        <p:nvSpPr>
-          <p:cNvPr id="20" name="TextBox 19"/>
-          <p:cNvSpPr txBox="1"/>
-          <p:nvPr/>
-        </p:nvSpPr>
-        <p:spPr>
-          <a:xfrm>
-            <a:off x="6027134" y="6065527"/>
-            <a:ext cx="583814" cy="369332"/>
-          </a:xfrm>
-          <a:prstGeom prst="rect">
-            <a:avLst/>
-          </a:prstGeom>
-        </p:spPr>
-        <p:style>
-          <a:lnRef idx="2">
-            <a:schemeClr val="accent1"/>
-          </a:lnRef>
-          <a:fillRef idx="1">
-            <a:schemeClr val="lt1"/>
-          </a:fillRef>
-          <a:effectRef idx="0">
-            <a:schemeClr val="accent1"/>
-          </a:effectRef>
-          <a:fontRef idx="minor">
-            <a:schemeClr val="dk1"/>
-          </a:fontRef>
-        </p:style>
-        <p:txBody>
-          <a:bodyPr wrap="none" rtlCol="0">
-            <a:spAutoFit/>
-          </a:bodyPr>
-          <a:lstStyle/>
-          <a:p>
-            <a:r>
-              <a:rPr lang="en-US" altLang="ko-KR" dirty="0" smtClean="0"/>
-              <a:t>DEF</a:t>
+          <a:bodyPr wrap="none" rtlCol="0">
+            <a:spAutoFit/>
+          </a:bodyPr>
+          <a:lstStyle/>
+          <a:p>
+            <a:r>
+              <a:rPr lang="ko-KR" altLang="en-US" dirty="0" smtClean="0"/>
+              <a:t>도감</a:t>
             </a:r>
             <a:endParaRPr lang="ko-KR" altLang="en-US" dirty="0"/>
           </a:p>
@@ -8136,7 +7312,7 @@
     </p:spTree>
     <p:extLst>
       <p:ext uri="{BB962C8B-B14F-4D97-AF65-F5344CB8AC3E}">
-        <p14:creationId xmlns:p14="http://schemas.microsoft.com/office/powerpoint/2010/main" val="237558691"/>
+        <p14:creationId xmlns:p14="http://schemas.microsoft.com/office/powerpoint/2010/main" val="3487307684"/>
       </p:ext>
     </p:extLst>
   </p:cSld>
@@ -8172,14 +7348,14 @@
       </p:grpSpPr>
       <p:sp>
         <p:nvSpPr>
-          <p:cNvPr id="27" name="TextBox 26"/>
+          <p:cNvPr id="2" name="TextBox 1"/>
           <p:cNvSpPr txBox="1"/>
           <p:nvPr/>
         </p:nvSpPr>
         <p:spPr>
           <a:xfrm>
             <a:off x="0" y="0"/>
-            <a:ext cx="2289409" cy="369332"/>
+            <a:ext cx="1673150" cy="369332"/>
           </a:xfrm>
           <a:prstGeom prst="rect">
             <a:avLst/>
@@ -8194,7 +7370,7 @@
           <a:p>
             <a:r>
               <a:rPr lang="en-US" altLang="ko-KR" dirty="0" err="1" smtClean="0"/>
-              <a:t>map_detail_none.jsp</a:t>
+              <a:t>map_world.jsp</a:t>
             </a:r>
             <a:endParaRPr lang="ko-KR" altLang="en-US" dirty="0"/>
           </a:p>
@@ -8202,7 +7378,7 @@
       </p:sp>
       <p:sp>
         <p:nvSpPr>
-          <p:cNvPr id="33" name="직사각형 32"/>
+          <p:cNvPr id="8" name="직사각형 7"/>
           <p:cNvSpPr/>
           <p:nvPr/>
         </p:nvSpPr>
@@ -8242,7 +7418,7 @@
       </p:sp>
       <p:sp>
         <p:nvSpPr>
-          <p:cNvPr id="34" name="TextBox 33">
+          <p:cNvPr id="9" name="TextBox 8">
             <a:hlinkClick r:id="rId2" action="ppaction://hlinksldjump"/>
           </p:cNvPr>
           <p:cNvSpPr txBox="1"/>
@@ -8250,8 +7426,8 @@
         </p:nvSpPr>
         <p:spPr>
           <a:xfrm>
-            <a:off x="2935975" y="4000418"/>
-            <a:ext cx="3348994" cy="369332"/>
+            <a:off x="1619672" y="2636912"/>
+            <a:ext cx="1107996" cy="369332"/>
           </a:xfrm>
           <a:prstGeom prst="rect">
             <a:avLst/>
@@ -8278,12 +7454,257 @@
           <a:lstStyle/>
           <a:p>
             <a:r>
+              <a:rPr lang="ko-KR" altLang="en-US" dirty="0" smtClean="0"/>
+              <a:t>태초마을</a:t>
+            </a:r>
+            <a:endParaRPr lang="ko-KR" altLang="en-US" dirty="0"/>
+          </a:p>
+        </p:txBody>
+      </p:sp>
+      <p:sp>
+        <p:nvSpPr>
+          <p:cNvPr id="10" name="TextBox 9">
+            <a:hlinkClick r:id="rId3" action="ppaction://hlinksldjump"/>
+          </p:cNvPr>
+          <p:cNvSpPr txBox="1"/>
+          <p:nvPr/>
+        </p:nvSpPr>
+        <p:spPr>
+          <a:xfrm>
+            <a:off x="2537192" y="3645024"/>
+            <a:ext cx="904415" cy="646331"/>
+          </a:xfrm>
+          <a:prstGeom prst="rect">
+            <a:avLst/>
+          </a:prstGeom>
+        </p:spPr>
+        <p:style>
+          <a:lnRef idx="2">
+            <a:schemeClr val="accent1"/>
+          </a:lnRef>
+          <a:fillRef idx="1">
+            <a:schemeClr val="lt1"/>
+          </a:fillRef>
+          <a:effectRef idx="0">
+            <a:schemeClr val="accent1"/>
+          </a:effectRef>
+          <a:fontRef idx="minor">
+            <a:schemeClr val="dk1"/>
+          </a:fontRef>
+        </p:style>
+        <p:txBody>
+          <a:bodyPr wrap="none" rtlCol="0">
+            <a:spAutoFit/>
+          </a:bodyPr>
+          <a:lstStyle/>
+          <a:p>
+            <a:r>
+              <a:rPr lang="ko-KR" altLang="en-US" dirty="0" smtClean="0"/>
+              <a:t>숲</a:t>
+            </a:r>
+            <a:endParaRPr lang="en-US" altLang="ko-KR" dirty="0" smtClean="0"/>
+          </a:p>
+          <a:p>
+            <a:r>
+              <a:rPr lang="en-US" altLang="ko-KR" dirty="0" smtClean="0"/>
+              <a:t>(1 ~ 5)</a:t>
+            </a:r>
+            <a:endParaRPr lang="ko-KR" altLang="en-US" dirty="0"/>
+          </a:p>
+        </p:txBody>
+      </p:sp>
+      <p:sp>
+        <p:nvSpPr>
+          <p:cNvPr id="12" name="TextBox 11"/>
+          <p:cNvSpPr txBox="1"/>
+          <p:nvPr/>
+        </p:nvSpPr>
+        <p:spPr>
+          <a:xfrm>
+            <a:off x="1619672" y="5085184"/>
+            <a:ext cx="646331" cy="369332"/>
+          </a:xfrm>
+          <a:prstGeom prst="rect">
+            <a:avLst/>
+          </a:prstGeom>
+        </p:spPr>
+        <p:style>
+          <a:lnRef idx="2">
+            <a:schemeClr val="accent1"/>
+          </a:lnRef>
+          <a:fillRef idx="1">
+            <a:schemeClr val="lt1"/>
+          </a:fillRef>
+          <a:effectRef idx="0">
+            <a:schemeClr val="accent1"/>
+          </a:effectRef>
+          <a:fontRef idx="minor">
+            <a:schemeClr val="dk1"/>
+          </a:fontRef>
+        </p:style>
+        <p:txBody>
+          <a:bodyPr wrap="none" rtlCol="0">
+            <a:spAutoFit/>
+          </a:bodyPr>
+          <a:lstStyle/>
+          <a:p>
+            <a:r>
+              <a:rPr lang="ko-KR" altLang="en-US" dirty="0"/>
+              <a:t>왕</a:t>
+            </a:r>
+            <a:r>
+              <a:rPr lang="ko-KR" altLang="en-US" dirty="0" smtClean="0"/>
+              <a:t>성</a:t>
+            </a:r>
+            <a:endParaRPr lang="ko-KR" altLang="en-US" dirty="0"/>
+          </a:p>
+        </p:txBody>
+      </p:sp>
+      <p:sp>
+        <p:nvSpPr>
+          <p:cNvPr id="13" name="TextBox 12"/>
+          <p:cNvSpPr txBox="1"/>
+          <p:nvPr/>
+        </p:nvSpPr>
+        <p:spPr>
+          <a:xfrm>
+            <a:off x="3519002" y="4509120"/>
+            <a:ext cx="949299" cy="646331"/>
+          </a:xfrm>
+          <a:prstGeom prst="rect">
+            <a:avLst/>
+          </a:prstGeom>
+        </p:spPr>
+        <p:style>
+          <a:lnRef idx="2">
+            <a:schemeClr val="accent1"/>
+          </a:lnRef>
+          <a:fillRef idx="1">
+            <a:schemeClr val="lt1"/>
+          </a:fillRef>
+          <a:effectRef idx="0">
+            <a:schemeClr val="accent1"/>
+          </a:effectRef>
+          <a:fontRef idx="minor">
+            <a:schemeClr val="dk1"/>
+          </a:fontRef>
+        </p:style>
+        <p:txBody>
+          <a:bodyPr wrap="none" rtlCol="0">
+            <a:spAutoFit/>
+          </a:bodyPr>
+          <a:lstStyle/>
+          <a:p>
+            <a:r>
               <a:rPr lang="ko-KR" altLang="en-US" dirty="0" err="1" smtClean="0"/>
-              <a:t>월드맵에서</a:t>
-            </a:r>
+              <a:t>깊은숲</a:t>
+            </a:r>
+            <a:endParaRPr lang="en-US" altLang="ko-KR" dirty="0" smtClean="0"/>
+          </a:p>
+          <a:p>
+            <a:r>
+              <a:rPr lang="en-US" altLang="ko-KR" dirty="0" smtClean="0"/>
+              <a:t>(5 ~10)</a:t>
+            </a:r>
+            <a:endParaRPr lang="ko-KR" altLang="en-US" dirty="0"/>
+          </a:p>
+        </p:txBody>
+      </p:sp>
+      <p:sp>
+        <p:nvSpPr>
+          <p:cNvPr id="15" name="TextBox 14"/>
+          <p:cNvSpPr txBox="1"/>
+          <p:nvPr/>
+        </p:nvSpPr>
+        <p:spPr>
+          <a:xfrm>
+            <a:off x="4848186" y="2969319"/>
+            <a:ext cx="1107996" cy="646331"/>
+          </a:xfrm>
+          <a:prstGeom prst="rect">
+            <a:avLst/>
+          </a:prstGeom>
+        </p:spPr>
+        <p:style>
+          <a:lnRef idx="2">
+            <a:schemeClr val="accent1"/>
+          </a:lnRef>
+          <a:fillRef idx="1">
+            <a:schemeClr val="lt1"/>
+          </a:fillRef>
+          <a:effectRef idx="0">
+            <a:schemeClr val="accent1"/>
+          </a:effectRef>
+          <a:fontRef idx="minor">
+            <a:schemeClr val="dk1"/>
+          </a:fontRef>
+        </p:style>
+        <p:txBody>
+          <a:bodyPr wrap="none" rtlCol="0">
+            <a:spAutoFit/>
+          </a:bodyPr>
+          <a:lstStyle/>
+          <a:p>
+            <a:r>
+              <a:rPr lang="ko-KR" altLang="en-US" dirty="0" err="1" smtClean="0"/>
+              <a:t>어두운숲</a:t>
+            </a:r>
+            <a:endParaRPr lang="en-US" altLang="ko-KR" dirty="0" smtClean="0"/>
+          </a:p>
+          <a:p>
+            <a:r>
+              <a:rPr lang="en-US" altLang="ko-KR" dirty="0" smtClean="0"/>
+              <a:t>(10 ~15)</a:t>
+            </a:r>
+            <a:endParaRPr lang="ko-KR" altLang="en-US" dirty="0"/>
+          </a:p>
+        </p:txBody>
+      </p:sp>
+      <p:sp>
+        <p:nvSpPr>
+          <p:cNvPr id="16" name="TextBox 15"/>
+          <p:cNvSpPr txBox="1"/>
+          <p:nvPr/>
+        </p:nvSpPr>
+        <p:spPr>
+          <a:xfrm>
+            <a:off x="5745082" y="4808185"/>
+            <a:ext cx="1075936" cy="646331"/>
+          </a:xfrm>
+          <a:prstGeom prst="rect">
+            <a:avLst/>
+          </a:prstGeom>
+        </p:spPr>
+        <p:style>
+          <a:lnRef idx="2">
+            <a:schemeClr val="accent1"/>
+          </a:lnRef>
+          <a:fillRef idx="1">
+            <a:schemeClr val="lt1"/>
+          </a:fillRef>
+          <a:effectRef idx="0">
+            <a:schemeClr val="accent1"/>
+          </a:effectRef>
+          <a:fontRef idx="minor">
+            <a:schemeClr val="dk1"/>
+          </a:fontRef>
+        </p:style>
+        <p:txBody>
+          <a:bodyPr wrap="none" rtlCol="0">
+            <a:spAutoFit/>
+          </a:bodyPr>
+          <a:lstStyle/>
+          <a:p>
             <a:r>
               <a:rPr lang="ko-KR" altLang="en-US" dirty="0" smtClean="0"/>
-              <a:t> 지역을 선택하세요</a:t>
+              <a:t>심연</a:t>
+            </a:r>
+            <a:endParaRPr lang="en-US" altLang="ko-KR" dirty="0" smtClean="0"/>
+          </a:p>
+          <a:p>
+            <a:r>
+              <a:rPr lang="en-US" altLang="ko-KR" dirty="0" smtClean="0"/>
+              <a:t>(15 ~20)</a:t>
             </a:r>
             <a:endParaRPr lang="ko-KR" altLang="en-US" dirty="0"/>
           </a:p>
@@ -8291,8 +7712,8 @@
       </p:sp>
       <p:sp>
         <p:nvSpPr>
-          <p:cNvPr id="49" name="TextBox 48">
-            <a:hlinkClick r:id="rId2" action="ppaction://hlinksldjump"/>
+          <p:cNvPr id="17" name="TextBox 16">
+            <a:hlinkClick r:id="rId4" action="ppaction://hlinksldjump"/>
           </p:cNvPr>
           <p:cNvSpPr txBox="1"/>
           <p:nvPr/>
@@ -8301,6 +7722,51 @@
           <a:xfrm>
             <a:off x="1331640" y="1124744"/>
             <a:ext cx="877163" cy="369332"/>
+          </a:xfrm>
+          <a:prstGeom prst="rect">
+            <a:avLst/>
+          </a:prstGeom>
+        </p:spPr>
+        <p:style>
+          <a:lnRef idx="2">
+            <a:schemeClr val="accent1"/>
+          </a:lnRef>
+          <a:fillRef idx="1">
+            <a:schemeClr val="lt1"/>
+          </a:fillRef>
+          <a:effectRef idx="0">
+            <a:schemeClr val="accent1"/>
+          </a:effectRef>
+          <a:fontRef idx="minor">
+            <a:schemeClr val="dk1"/>
+          </a:fontRef>
+        </p:style>
+        <p:txBody>
+          <a:bodyPr wrap="none" rtlCol="0">
+            <a:spAutoFit/>
+          </a:bodyPr>
+          <a:lstStyle/>
+          <a:p>
+            <a:r>
+              <a:rPr lang="ko-KR" altLang="en-US" smtClean="0"/>
+              <a:t>월드맵</a:t>
+            </a:r>
+            <a:endParaRPr lang="ko-KR" altLang="en-US" dirty="0"/>
+          </a:p>
+        </p:txBody>
+      </p:sp>
+      <p:sp>
+        <p:nvSpPr>
+          <p:cNvPr id="18" name="TextBox 17">
+            <a:hlinkClick r:id="rId5" action="ppaction://hlinksldjump"/>
+          </p:cNvPr>
+          <p:cNvSpPr txBox="1"/>
+          <p:nvPr/>
+        </p:nvSpPr>
+        <p:spPr>
+          <a:xfrm>
+            <a:off x="4139952" y="1124744"/>
+            <a:ext cx="1107996" cy="369332"/>
           </a:xfrm>
           <a:prstGeom prst="rect">
             <a:avLst/>
@@ -8329,8 +7795,8 @@
           <a:lstStyle/>
           <a:p>
             <a:r>
-              <a:rPr lang="ko-KR" altLang="en-US" smtClean="0"/>
-              <a:t>월드맵</a:t>
+              <a:rPr lang="ko-KR" altLang="en-US" dirty="0" err="1" smtClean="0"/>
+              <a:t>인벤토리</a:t>
             </a:r>
             <a:endParaRPr lang="ko-KR" altLang="en-US" dirty="0"/>
           </a:p>
@@ -8338,15 +7804,15 @@
       </p:sp>
       <p:sp>
         <p:nvSpPr>
-          <p:cNvPr id="50" name="TextBox 49">
-            <a:hlinkClick r:id="rId3" action="ppaction://hlinksldjump"/>
+          <p:cNvPr id="19" name="TextBox 18">
+            <a:hlinkClick r:id="rId6" action="ppaction://hlinksldjump"/>
           </p:cNvPr>
           <p:cNvSpPr txBox="1"/>
           <p:nvPr/>
         </p:nvSpPr>
         <p:spPr>
           <a:xfrm>
-            <a:off x="4139952" y="1124744"/>
+            <a:off x="2629525" y="1124744"/>
             <a:ext cx="1107996" cy="369332"/>
           </a:xfrm>
           <a:prstGeom prst="rect">
@@ -8376,51 +7842,6 @@
           <a:lstStyle/>
           <a:p>
             <a:r>
-              <a:rPr lang="ko-KR" altLang="en-US" dirty="0" err="1" smtClean="0"/>
-              <a:t>인벤토리</a:t>
-            </a:r>
-            <a:endParaRPr lang="ko-KR" altLang="en-US" dirty="0"/>
-          </a:p>
-        </p:txBody>
-      </p:sp>
-      <p:sp>
-        <p:nvSpPr>
-          <p:cNvPr id="51" name="TextBox 50">
-            <a:hlinkClick r:id="rId4" action="ppaction://hlinksldjump"/>
-          </p:cNvPr>
-          <p:cNvSpPr txBox="1"/>
-          <p:nvPr/>
-        </p:nvSpPr>
-        <p:spPr>
-          <a:xfrm>
-            <a:off x="2629525" y="1124744"/>
-            <a:ext cx="1107996" cy="369332"/>
-          </a:xfrm>
-          <a:prstGeom prst="rect">
-            <a:avLst/>
-          </a:prstGeom>
-        </p:spPr>
-        <p:style>
-          <a:lnRef idx="2">
-            <a:schemeClr val="accent1"/>
-          </a:lnRef>
-          <a:fillRef idx="1">
-            <a:schemeClr val="lt1"/>
-          </a:fillRef>
-          <a:effectRef idx="0">
-            <a:schemeClr val="accent1"/>
-          </a:effectRef>
-          <a:fontRef idx="minor">
-            <a:schemeClr val="dk1"/>
-          </a:fontRef>
-        </p:style>
-        <p:txBody>
-          <a:bodyPr wrap="none" rtlCol="0">
-            <a:spAutoFit/>
-          </a:bodyPr>
-          <a:lstStyle/>
-          <a:p>
-            <a:r>
               <a:rPr lang="ko-KR" altLang="en-US" dirty="0" smtClean="0"/>
               <a:t>둘러보</a:t>
             </a:r>
@@ -8433,8 +7854,8 @@
       </p:sp>
       <p:sp>
         <p:nvSpPr>
-          <p:cNvPr id="52" name="TextBox 51">
-            <a:hlinkClick r:id="rId5" action="ppaction://hlinksldjump"/>
+          <p:cNvPr id="20" name="TextBox 19">
+            <a:hlinkClick r:id="rId7" action="ppaction://hlinksldjump"/>
           </p:cNvPr>
           <p:cNvSpPr txBox="1"/>
           <p:nvPr/>
@@ -8480,8 +7901,8 @@
       </p:sp>
       <p:sp>
         <p:nvSpPr>
-          <p:cNvPr id="53" name="TextBox 52">
-            <a:hlinkClick r:id="rId6" action="ppaction://hlinksldjump"/>
+          <p:cNvPr id="21" name="TextBox 20">
+            <a:hlinkClick r:id="rId8" action="ppaction://hlinksldjump"/>
           </p:cNvPr>
           <p:cNvSpPr txBox="1"/>
           <p:nvPr/>
@@ -8528,7 +7949,7 @@
     </p:spTree>
     <p:extLst>
       <p:ext uri="{BB962C8B-B14F-4D97-AF65-F5344CB8AC3E}">
-        <p14:creationId xmlns:p14="http://schemas.microsoft.com/office/powerpoint/2010/main" val="3487307684"/>
+        <p14:creationId xmlns:p14="http://schemas.microsoft.com/office/powerpoint/2010/main" val="826412489"/>
       </p:ext>
     </p:extLst>
   </p:cSld>
@@ -8571,7 +7992,7 @@
         <p:spPr>
           <a:xfrm>
             <a:off x="0" y="0"/>
-            <a:ext cx="1673150" cy="369332"/>
+            <a:ext cx="1672253" cy="369332"/>
           </a:xfrm>
           <a:prstGeom prst="rect">
             <a:avLst/>
@@ -8586,7 +8007,7 @@
           <a:p>
             <a:r>
               <a:rPr lang="en-US" altLang="ko-KR" dirty="0" err="1" smtClean="0"/>
-              <a:t>map_world.jsp</a:t>
+              <a:t>map_detail.jsp</a:t>
             </a:r>
             <a:endParaRPr lang="ko-KR" altLang="en-US" dirty="0"/>
           </a:p>
@@ -8634,7 +8055,182 @@
       </p:sp>
       <p:sp>
         <p:nvSpPr>
-          <p:cNvPr id="9" name="TextBox 8">
+          <p:cNvPr id="9" name="TextBox 8"/>
+          <p:cNvSpPr txBox="1"/>
+          <p:nvPr/>
+        </p:nvSpPr>
+        <p:spPr>
+          <a:xfrm>
+            <a:off x="1043608" y="1988840"/>
+            <a:ext cx="1107996" cy="369332"/>
+          </a:xfrm>
+          <a:prstGeom prst="rect">
+            <a:avLst/>
+          </a:prstGeom>
+        </p:spPr>
+        <p:style>
+          <a:lnRef idx="2">
+            <a:schemeClr val="accent1"/>
+          </a:lnRef>
+          <a:fillRef idx="1">
+            <a:schemeClr val="lt1"/>
+          </a:fillRef>
+          <a:effectRef idx="0">
+            <a:schemeClr val="accent1"/>
+          </a:effectRef>
+          <a:fontRef idx="minor">
+            <a:schemeClr val="dk1"/>
+          </a:fontRef>
+        </p:style>
+        <p:txBody>
+          <a:bodyPr wrap="none" rtlCol="0">
+            <a:spAutoFit/>
+          </a:bodyPr>
+          <a:lstStyle/>
+          <a:p>
+            <a:r>
+              <a:rPr lang="ko-KR" altLang="en-US" dirty="0" smtClean="0"/>
+              <a:t>태초마을</a:t>
+            </a:r>
+            <a:endParaRPr lang="ko-KR" altLang="en-US" dirty="0"/>
+          </a:p>
+        </p:txBody>
+      </p:sp>
+      <p:sp>
+        <p:nvSpPr>
+          <p:cNvPr id="15" name="TextBox 14"/>
+          <p:cNvSpPr txBox="1"/>
+          <p:nvPr/>
+        </p:nvSpPr>
+        <p:spPr>
+          <a:xfrm>
+            <a:off x="1770221" y="2708920"/>
+            <a:ext cx="646331" cy="369332"/>
+          </a:xfrm>
+          <a:prstGeom prst="rect">
+            <a:avLst/>
+          </a:prstGeom>
+        </p:spPr>
+        <p:style>
+          <a:lnRef idx="2">
+            <a:schemeClr val="accent1"/>
+          </a:lnRef>
+          <a:fillRef idx="1">
+            <a:schemeClr val="lt1"/>
+          </a:fillRef>
+          <a:effectRef idx="0">
+            <a:schemeClr val="accent1"/>
+          </a:effectRef>
+          <a:fontRef idx="minor">
+            <a:schemeClr val="dk1"/>
+          </a:fontRef>
+        </p:style>
+        <p:txBody>
+          <a:bodyPr wrap="none" rtlCol="0">
+            <a:spAutoFit/>
+          </a:bodyPr>
+          <a:lstStyle/>
+          <a:p>
+            <a:r>
+              <a:rPr lang="ko-KR" altLang="en-US" dirty="0" smtClean="0"/>
+              <a:t>상인</a:t>
+            </a:r>
+            <a:endParaRPr lang="ko-KR" altLang="en-US" dirty="0"/>
+          </a:p>
+        </p:txBody>
+      </p:sp>
+      <p:sp>
+        <p:nvSpPr>
+          <p:cNvPr id="16" name="TextBox 15"/>
+          <p:cNvSpPr txBox="1"/>
+          <p:nvPr/>
+        </p:nvSpPr>
+        <p:spPr>
+          <a:xfrm>
+            <a:off x="1770221" y="3284984"/>
+            <a:ext cx="646331" cy="369332"/>
+          </a:xfrm>
+          <a:prstGeom prst="rect">
+            <a:avLst/>
+          </a:prstGeom>
+        </p:spPr>
+        <p:style>
+          <a:lnRef idx="2">
+            <a:schemeClr val="accent1"/>
+          </a:lnRef>
+          <a:fillRef idx="1">
+            <a:schemeClr val="lt1"/>
+          </a:fillRef>
+          <a:effectRef idx="0">
+            <a:schemeClr val="accent1"/>
+          </a:effectRef>
+          <a:fontRef idx="minor">
+            <a:schemeClr val="dk1"/>
+          </a:fontRef>
+        </p:style>
+        <p:txBody>
+          <a:bodyPr wrap="none" rtlCol="0">
+            <a:spAutoFit/>
+          </a:bodyPr>
+          <a:lstStyle/>
+          <a:p>
+            <a:r>
+              <a:rPr lang="ko-KR" altLang="en-US" dirty="0" smtClean="0"/>
+              <a:t>촌</a:t>
+            </a:r>
+            <a:r>
+              <a:rPr lang="ko-KR" altLang="en-US" dirty="0"/>
+              <a:t>장</a:t>
+            </a:r>
+          </a:p>
+        </p:txBody>
+      </p:sp>
+      <p:sp>
+        <p:nvSpPr>
+          <p:cNvPr id="18" name="TextBox 17"/>
+          <p:cNvSpPr txBox="1"/>
+          <p:nvPr/>
+        </p:nvSpPr>
+        <p:spPr>
+          <a:xfrm>
+            <a:off x="1770221" y="3843595"/>
+            <a:ext cx="877163" cy="369332"/>
+          </a:xfrm>
+          <a:prstGeom prst="rect">
+            <a:avLst/>
+          </a:prstGeom>
+        </p:spPr>
+        <p:style>
+          <a:lnRef idx="2">
+            <a:schemeClr val="accent1"/>
+          </a:lnRef>
+          <a:fillRef idx="1">
+            <a:schemeClr val="lt1"/>
+          </a:fillRef>
+          <a:effectRef idx="0">
+            <a:schemeClr val="accent1"/>
+          </a:effectRef>
+          <a:fontRef idx="minor">
+            <a:schemeClr val="dk1"/>
+          </a:fontRef>
+        </p:style>
+        <p:txBody>
+          <a:bodyPr wrap="none" rtlCol="0">
+            <a:spAutoFit/>
+          </a:bodyPr>
+          <a:lstStyle/>
+          <a:p>
+            <a:r>
+              <a:rPr lang="ko-KR" altLang="en-US" dirty="0" smtClean="0"/>
+              <a:t>게시판</a:t>
+            </a:r>
+            <a:endParaRPr lang="ko-KR" altLang="en-US" dirty="0"/>
+          </a:p>
+        </p:txBody>
+      </p:sp>
+      <p:sp>
+        <p:nvSpPr>
+          <p:cNvPr id="24" name="TextBox 23">
             <a:hlinkClick r:id="rId2" action="ppaction://hlinksldjump"/>
           </p:cNvPr>
           <p:cNvSpPr txBox="1"/>
@@ -8642,347 +8238,8 @@
         </p:nvSpPr>
         <p:spPr>
           <a:xfrm>
-            <a:off x="1619672" y="2636912"/>
-            <a:ext cx="1107996" cy="369332"/>
-          </a:xfrm>
-          <a:prstGeom prst="rect">
-            <a:avLst/>
-          </a:prstGeom>
-        </p:spPr>
-        <p:style>
-          <a:lnRef idx="2">
-            <a:schemeClr val="accent1"/>
-          </a:lnRef>
-          <a:fillRef idx="1">
-            <a:schemeClr val="lt1"/>
-          </a:fillRef>
-          <a:effectRef idx="0">
-            <a:schemeClr val="accent1"/>
-          </a:effectRef>
-          <a:fontRef idx="minor">
-            <a:schemeClr val="dk1"/>
-          </a:fontRef>
-        </p:style>
-        <p:txBody>
-          <a:bodyPr wrap="none" rtlCol="0">
-            <a:spAutoFit/>
-          </a:bodyPr>
-          <a:lstStyle/>
-          <a:p>
-            <a:r>
-              <a:rPr lang="ko-KR" altLang="en-US" dirty="0" smtClean="0"/>
-              <a:t>태초마을</a:t>
-            </a:r>
-            <a:endParaRPr lang="ko-KR" altLang="en-US" dirty="0"/>
-          </a:p>
-        </p:txBody>
-      </p:sp>
-      <p:sp>
-        <p:nvSpPr>
-          <p:cNvPr id="10" name="TextBox 9">
-            <a:hlinkClick r:id="rId3" action="ppaction://hlinksldjump"/>
-          </p:cNvPr>
-          <p:cNvSpPr txBox="1"/>
-          <p:nvPr/>
-        </p:nvSpPr>
-        <p:spPr>
-          <a:xfrm>
-            <a:off x="2537192" y="3645024"/>
-            <a:ext cx="904415" cy="646331"/>
-          </a:xfrm>
-          <a:prstGeom prst="rect">
-            <a:avLst/>
-          </a:prstGeom>
-        </p:spPr>
-        <p:style>
-          <a:lnRef idx="2">
-            <a:schemeClr val="accent1"/>
-          </a:lnRef>
-          <a:fillRef idx="1">
-            <a:schemeClr val="lt1"/>
-          </a:fillRef>
-          <a:effectRef idx="0">
-            <a:schemeClr val="accent1"/>
-          </a:effectRef>
-          <a:fontRef idx="minor">
-            <a:schemeClr val="dk1"/>
-          </a:fontRef>
-        </p:style>
-        <p:txBody>
-          <a:bodyPr wrap="none" rtlCol="0">
-            <a:spAutoFit/>
-          </a:bodyPr>
-          <a:lstStyle/>
-          <a:p>
-            <a:r>
-              <a:rPr lang="ko-KR" altLang="en-US" dirty="0" smtClean="0"/>
-              <a:t>숲</a:t>
-            </a:r>
-            <a:endParaRPr lang="en-US" altLang="ko-KR" dirty="0" smtClean="0"/>
-          </a:p>
-          <a:p>
-            <a:r>
-              <a:rPr lang="en-US" altLang="ko-KR" dirty="0" smtClean="0"/>
-              <a:t>(1 ~ 5)</a:t>
-            </a:r>
-            <a:endParaRPr lang="ko-KR" altLang="en-US" dirty="0"/>
-          </a:p>
-        </p:txBody>
-      </p:sp>
-      <p:sp>
-        <p:nvSpPr>
-          <p:cNvPr id="12" name="TextBox 11"/>
-          <p:cNvSpPr txBox="1"/>
-          <p:nvPr/>
-        </p:nvSpPr>
-        <p:spPr>
-          <a:xfrm>
-            <a:off x="1619672" y="5085184"/>
-            <a:ext cx="646331" cy="369332"/>
-          </a:xfrm>
-          <a:prstGeom prst="rect">
-            <a:avLst/>
-          </a:prstGeom>
-        </p:spPr>
-        <p:style>
-          <a:lnRef idx="2">
-            <a:schemeClr val="accent1"/>
-          </a:lnRef>
-          <a:fillRef idx="1">
-            <a:schemeClr val="lt1"/>
-          </a:fillRef>
-          <a:effectRef idx="0">
-            <a:schemeClr val="accent1"/>
-          </a:effectRef>
-          <a:fontRef idx="minor">
-            <a:schemeClr val="dk1"/>
-          </a:fontRef>
-        </p:style>
-        <p:txBody>
-          <a:bodyPr wrap="none" rtlCol="0">
-            <a:spAutoFit/>
-          </a:bodyPr>
-          <a:lstStyle/>
-          <a:p>
-            <a:r>
-              <a:rPr lang="ko-KR" altLang="en-US" dirty="0"/>
-              <a:t>왕</a:t>
-            </a:r>
-            <a:r>
-              <a:rPr lang="ko-KR" altLang="en-US" dirty="0" smtClean="0"/>
-              <a:t>성</a:t>
-            </a:r>
-            <a:endParaRPr lang="ko-KR" altLang="en-US" dirty="0"/>
-          </a:p>
-        </p:txBody>
-      </p:sp>
-      <p:sp>
-        <p:nvSpPr>
-          <p:cNvPr id="13" name="TextBox 12"/>
-          <p:cNvSpPr txBox="1"/>
-          <p:nvPr/>
-        </p:nvSpPr>
-        <p:spPr>
-          <a:xfrm>
-            <a:off x="3519002" y="4509120"/>
-            <a:ext cx="949299" cy="646331"/>
-          </a:xfrm>
-          <a:prstGeom prst="rect">
-            <a:avLst/>
-          </a:prstGeom>
-        </p:spPr>
-        <p:style>
-          <a:lnRef idx="2">
-            <a:schemeClr val="accent1"/>
-          </a:lnRef>
-          <a:fillRef idx="1">
-            <a:schemeClr val="lt1"/>
-          </a:fillRef>
-          <a:effectRef idx="0">
-            <a:schemeClr val="accent1"/>
-          </a:effectRef>
-          <a:fontRef idx="minor">
-            <a:schemeClr val="dk1"/>
-          </a:fontRef>
-        </p:style>
-        <p:txBody>
-          <a:bodyPr wrap="none" rtlCol="0">
-            <a:spAutoFit/>
-          </a:bodyPr>
-          <a:lstStyle/>
-          <a:p>
-            <a:r>
-              <a:rPr lang="ko-KR" altLang="en-US" dirty="0" err="1" smtClean="0"/>
-              <a:t>깊은숲</a:t>
-            </a:r>
-            <a:endParaRPr lang="en-US" altLang="ko-KR" dirty="0" smtClean="0"/>
-          </a:p>
-          <a:p>
-            <a:r>
-              <a:rPr lang="en-US" altLang="ko-KR" dirty="0" smtClean="0"/>
-              <a:t>(5 ~10)</a:t>
-            </a:r>
-            <a:endParaRPr lang="ko-KR" altLang="en-US" dirty="0"/>
-          </a:p>
-        </p:txBody>
-      </p:sp>
-      <p:sp>
-        <p:nvSpPr>
-          <p:cNvPr id="15" name="TextBox 14"/>
-          <p:cNvSpPr txBox="1"/>
-          <p:nvPr/>
-        </p:nvSpPr>
-        <p:spPr>
-          <a:xfrm>
-            <a:off x="4848186" y="2969319"/>
-            <a:ext cx="1107996" cy="646331"/>
-          </a:xfrm>
-          <a:prstGeom prst="rect">
-            <a:avLst/>
-          </a:prstGeom>
-        </p:spPr>
-        <p:style>
-          <a:lnRef idx="2">
-            <a:schemeClr val="accent1"/>
-          </a:lnRef>
-          <a:fillRef idx="1">
-            <a:schemeClr val="lt1"/>
-          </a:fillRef>
-          <a:effectRef idx="0">
-            <a:schemeClr val="accent1"/>
-          </a:effectRef>
-          <a:fontRef idx="minor">
-            <a:schemeClr val="dk1"/>
-          </a:fontRef>
-        </p:style>
-        <p:txBody>
-          <a:bodyPr wrap="none" rtlCol="0">
-            <a:spAutoFit/>
-          </a:bodyPr>
-          <a:lstStyle/>
-          <a:p>
-            <a:r>
-              <a:rPr lang="ko-KR" altLang="en-US" dirty="0" err="1" smtClean="0"/>
-              <a:t>어두운숲</a:t>
-            </a:r>
-            <a:endParaRPr lang="en-US" altLang="ko-KR" dirty="0" smtClean="0"/>
-          </a:p>
-          <a:p>
-            <a:r>
-              <a:rPr lang="en-US" altLang="ko-KR" dirty="0" smtClean="0"/>
-              <a:t>(10 ~15)</a:t>
-            </a:r>
-            <a:endParaRPr lang="ko-KR" altLang="en-US" dirty="0"/>
-          </a:p>
-        </p:txBody>
-      </p:sp>
-      <p:sp>
-        <p:nvSpPr>
-          <p:cNvPr id="16" name="TextBox 15"/>
-          <p:cNvSpPr txBox="1"/>
-          <p:nvPr/>
-        </p:nvSpPr>
-        <p:spPr>
-          <a:xfrm>
-            <a:off x="5745082" y="4808185"/>
-            <a:ext cx="1075936" cy="646331"/>
-          </a:xfrm>
-          <a:prstGeom prst="rect">
-            <a:avLst/>
-          </a:prstGeom>
-        </p:spPr>
-        <p:style>
-          <a:lnRef idx="2">
-            <a:schemeClr val="accent1"/>
-          </a:lnRef>
-          <a:fillRef idx="1">
-            <a:schemeClr val="lt1"/>
-          </a:fillRef>
-          <a:effectRef idx="0">
-            <a:schemeClr val="accent1"/>
-          </a:effectRef>
-          <a:fontRef idx="minor">
-            <a:schemeClr val="dk1"/>
-          </a:fontRef>
-        </p:style>
-        <p:txBody>
-          <a:bodyPr wrap="none" rtlCol="0">
-            <a:spAutoFit/>
-          </a:bodyPr>
-          <a:lstStyle/>
-          <a:p>
-            <a:r>
-              <a:rPr lang="ko-KR" altLang="en-US" dirty="0" smtClean="0"/>
-              <a:t>심연</a:t>
-            </a:r>
-            <a:endParaRPr lang="en-US" altLang="ko-KR" dirty="0" smtClean="0"/>
-          </a:p>
-          <a:p>
-            <a:r>
-              <a:rPr lang="en-US" altLang="ko-KR" dirty="0" smtClean="0"/>
-              <a:t>(15 ~20)</a:t>
-            </a:r>
-            <a:endParaRPr lang="ko-KR" altLang="en-US" dirty="0"/>
-          </a:p>
-        </p:txBody>
-      </p:sp>
-      <p:sp>
-        <p:nvSpPr>
-          <p:cNvPr id="17" name="TextBox 16">
-            <a:hlinkClick r:id="rId4" action="ppaction://hlinksldjump"/>
-          </p:cNvPr>
-          <p:cNvSpPr txBox="1"/>
-          <p:nvPr/>
-        </p:nvSpPr>
-        <p:spPr>
-          <a:xfrm>
             <a:off x="1331640" y="1124744"/>
             <a:ext cx="877163" cy="369332"/>
-          </a:xfrm>
-          <a:prstGeom prst="rect">
-            <a:avLst/>
-          </a:prstGeom>
-        </p:spPr>
-        <p:style>
-          <a:lnRef idx="2">
-            <a:schemeClr val="accent1"/>
-          </a:lnRef>
-          <a:fillRef idx="1">
-            <a:schemeClr val="lt1"/>
-          </a:fillRef>
-          <a:effectRef idx="0">
-            <a:schemeClr val="accent1"/>
-          </a:effectRef>
-          <a:fontRef idx="minor">
-            <a:schemeClr val="dk1"/>
-          </a:fontRef>
-        </p:style>
-        <p:txBody>
-          <a:bodyPr wrap="none" rtlCol="0">
-            <a:spAutoFit/>
-          </a:bodyPr>
-          <a:lstStyle/>
-          <a:p>
-            <a:r>
-              <a:rPr lang="ko-KR" altLang="en-US" smtClean="0"/>
-              <a:t>월드맵</a:t>
-            </a:r>
-            <a:endParaRPr lang="ko-KR" altLang="en-US" dirty="0"/>
-          </a:p>
-        </p:txBody>
-      </p:sp>
-      <p:sp>
-        <p:nvSpPr>
-          <p:cNvPr id="18" name="TextBox 17">
-            <a:hlinkClick r:id="rId5" action="ppaction://hlinksldjump"/>
-          </p:cNvPr>
-          <p:cNvSpPr txBox="1"/>
-          <p:nvPr/>
-        </p:nvSpPr>
-        <p:spPr>
-          <a:xfrm>
-            <a:off x="4139952" y="1124744"/>
-            <a:ext cx="1107996" cy="369332"/>
           </a:xfrm>
           <a:prstGeom prst="rect">
             <a:avLst/>
@@ -9011,8 +8268,8 @@
           <a:lstStyle/>
           <a:p>
             <a:r>
-              <a:rPr lang="ko-KR" altLang="en-US" dirty="0" err="1" smtClean="0"/>
-              <a:t>인벤토리</a:t>
+              <a:rPr lang="ko-KR" altLang="en-US" smtClean="0"/>
+              <a:t>월드맵</a:t>
             </a:r>
             <a:endParaRPr lang="ko-KR" altLang="en-US" dirty="0"/>
           </a:p>
@@ -9020,15 +8277,15 @@
       </p:sp>
       <p:sp>
         <p:nvSpPr>
-          <p:cNvPr id="19" name="TextBox 18">
-            <a:hlinkClick r:id="rId6" action="ppaction://hlinksldjump"/>
+          <p:cNvPr id="25" name="TextBox 24">
+            <a:hlinkClick r:id="rId3" action="ppaction://hlinksldjump"/>
           </p:cNvPr>
           <p:cNvSpPr txBox="1"/>
           <p:nvPr/>
         </p:nvSpPr>
         <p:spPr>
           <a:xfrm>
-            <a:off x="2629525" y="1124744"/>
+            <a:off x="4139952" y="1124744"/>
             <a:ext cx="1107996" cy="369332"/>
           </a:xfrm>
           <a:prstGeom prst="rect">
@@ -9058,6 +8315,51 @@
           <a:lstStyle/>
           <a:p>
             <a:r>
+              <a:rPr lang="ko-KR" altLang="en-US" dirty="0" err="1" smtClean="0"/>
+              <a:t>인벤토리</a:t>
+            </a:r>
+            <a:endParaRPr lang="ko-KR" altLang="en-US" dirty="0"/>
+          </a:p>
+        </p:txBody>
+      </p:sp>
+      <p:sp>
+        <p:nvSpPr>
+          <p:cNvPr id="26" name="TextBox 25">
+            <a:hlinkClick r:id="rId4" action="ppaction://hlinksldjump"/>
+          </p:cNvPr>
+          <p:cNvSpPr txBox="1"/>
+          <p:nvPr/>
+        </p:nvSpPr>
+        <p:spPr>
+          <a:xfrm>
+            <a:off x="2629525" y="1124744"/>
+            <a:ext cx="1107996" cy="369332"/>
+          </a:xfrm>
+          <a:prstGeom prst="rect">
+            <a:avLst/>
+          </a:prstGeom>
+        </p:spPr>
+        <p:style>
+          <a:lnRef idx="2">
+            <a:schemeClr val="accent1"/>
+          </a:lnRef>
+          <a:fillRef idx="1">
+            <a:schemeClr val="lt1"/>
+          </a:fillRef>
+          <a:effectRef idx="0">
+            <a:schemeClr val="accent1"/>
+          </a:effectRef>
+          <a:fontRef idx="minor">
+            <a:schemeClr val="dk1"/>
+          </a:fontRef>
+        </p:style>
+        <p:txBody>
+          <a:bodyPr wrap="none" rtlCol="0">
+            <a:spAutoFit/>
+          </a:bodyPr>
+          <a:lstStyle/>
+          <a:p>
+            <a:r>
               <a:rPr lang="ko-KR" altLang="en-US" dirty="0" smtClean="0"/>
               <a:t>둘러보</a:t>
             </a:r>
@@ -9070,8 +8372,8 @@
       </p:sp>
       <p:sp>
         <p:nvSpPr>
-          <p:cNvPr id="20" name="TextBox 19">
-            <a:hlinkClick r:id="rId7" action="ppaction://hlinksldjump"/>
+          <p:cNvPr id="27" name="TextBox 26">
+            <a:hlinkClick r:id="rId5" action="ppaction://hlinksldjump"/>
           </p:cNvPr>
           <p:cNvSpPr txBox="1"/>
           <p:nvPr/>
@@ -9117,8 +8419,8 @@
       </p:sp>
       <p:sp>
         <p:nvSpPr>
-          <p:cNvPr id="21" name="TextBox 20">
-            <a:hlinkClick r:id="rId8" action="ppaction://hlinksldjump"/>
+          <p:cNvPr id="28" name="TextBox 27">
+            <a:hlinkClick r:id="rId6" action="ppaction://hlinksldjump"/>
           </p:cNvPr>
           <p:cNvSpPr txBox="1"/>
           <p:nvPr/>
@@ -9162,10 +8464,55 @@
           </a:p>
         </p:txBody>
       </p:sp>
+      <p:sp>
+        <p:nvSpPr>
+          <p:cNvPr id="29" name="TextBox 28">
+            <a:hlinkClick r:id="rId2" action="ppaction://hlinksldjump"/>
+          </p:cNvPr>
+          <p:cNvSpPr txBox="1"/>
+          <p:nvPr/>
+        </p:nvSpPr>
+        <p:spPr>
+          <a:xfrm>
+            <a:off x="6732240" y="5301208"/>
+            <a:ext cx="877163" cy="369332"/>
+          </a:xfrm>
+          <a:prstGeom prst="rect">
+            <a:avLst/>
+          </a:prstGeom>
+        </p:spPr>
+        <p:style>
+          <a:lnRef idx="2">
+            <a:schemeClr val="accent1"/>
+          </a:lnRef>
+          <a:fillRef idx="1">
+            <a:schemeClr val="lt1"/>
+          </a:fillRef>
+          <a:effectRef idx="0">
+            <a:schemeClr val="accent1"/>
+          </a:effectRef>
+          <a:fontRef idx="minor">
+            <a:schemeClr val="dk1"/>
+          </a:fontRef>
+        </p:style>
+        <p:txBody>
+          <a:bodyPr wrap="none" rtlCol="0">
+            <a:spAutoFit/>
+          </a:bodyPr>
+          <a:lstStyle/>
+          <a:p>
+            <a:r>
+              <a:rPr lang="ko-KR" altLang="en-US" dirty="0" smtClean="0"/>
+              <a:t>나가기</a:t>
+            </a:r>
+            <a:endParaRPr lang="ko-KR" altLang="en-US" dirty="0"/>
+          </a:p>
+        </p:txBody>
+      </p:sp>
     </p:spTree>
     <p:extLst>
       <p:ext uri="{BB962C8B-B14F-4D97-AF65-F5344CB8AC3E}">
-        <p14:creationId xmlns:p14="http://schemas.microsoft.com/office/powerpoint/2010/main" val="826412489"/>
+        <p14:creationId xmlns:p14="http://schemas.microsoft.com/office/powerpoint/2010/main" val="3591020272"/>
       </p:ext>
     </p:extLst>
   </p:cSld>
@@ -9278,6 +8625,153 @@
         <p:spPr>
           <a:xfrm>
             <a:off x="1043608" y="1988840"/>
+            <a:ext cx="1135247" cy="369332"/>
+          </a:xfrm>
+          <a:prstGeom prst="rect">
+            <a:avLst/>
+          </a:prstGeom>
+        </p:spPr>
+        <p:style>
+          <a:lnRef idx="2">
+            <a:schemeClr val="accent1"/>
+          </a:lnRef>
+          <a:fillRef idx="1">
+            <a:schemeClr val="lt1"/>
+          </a:fillRef>
+          <a:effectRef idx="0">
+            <a:schemeClr val="accent1"/>
+          </a:effectRef>
+          <a:fontRef idx="minor">
+            <a:schemeClr val="dk1"/>
+          </a:fontRef>
+        </p:style>
+        <p:txBody>
+          <a:bodyPr wrap="none" rtlCol="0">
+            <a:spAutoFit/>
+          </a:bodyPr>
+          <a:lstStyle/>
+          <a:p>
+            <a:r>
+              <a:rPr lang="ko-KR" altLang="en-US" dirty="0" smtClean="0"/>
+              <a:t>숲</a:t>
+            </a:r>
+            <a:r>
+              <a:rPr lang="en-US" altLang="ko-KR" dirty="0" smtClean="0"/>
+              <a:t>(1 ~ 5)</a:t>
+            </a:r>
+            <a:endParaRPr lang="ko-KR" altLang="en-US" dirty="0"/>
+          </a:p>
+        </p:txBody>
+      </p:sp>
+      <p:sp>
+        <p:nvSpPr>
+          <p:cNvPr id="10" name="TextBox 9"/>
+          <p:cNvSpPr txBox="1"/>
+          <p:nvPr/>
+        </p:nvSpPr>
+        <p:spPr>
+          <a:xfrm>
+            <a:off x="1770221" y="2708920"/>
+            <a:ext cx="1600118" cy="369332"/>
+          </a:xfrm>
+          <a:prstGeom prst="rect">
+            <a:avLst/>
+          </a:prstGeom>
+        </p:spPr>
+        <p:style>
+          <a:lnRef idx="2">
+            <a:schemeClr val="accent1"/>
+          </a:lnRef>
+          <a:fillRef idx="1">
+            <a:schemeClr val="lt1"/>
+          </a:fillRef>
+          <a:effectRef idx="0">
+            <a:schemeClr val="accent1"/>
+          </a:effectRef>
+          <a:fontRef idx="minor">
+            <a:schemeClr val="dk1"/>
+          </a:fontRef>
+        </p:style>
+        <p:txBody>
+          <a:bodyPr wrap="none" rtlCol="0">
+            <a:spAutoFit/>
+          </a:bodyPr>
+          <a:lstStyle/>
+          <a:p>
+            <a:r>
+              <a:rPr lang="en-US" altLang="ko-KR" dirty="0" smtClean="0"/>
+              <a:t>* </a:t>
+            </a:r>
+            <a:r>
+              <a:rPr lang="ko-KR" altLang="en-US" dirty="0" err="1" smtClean="0"/>
+              <a:t>길잃은</a:t>
+            </a:r>
+            <a:r>
+              <a:rPr lang="ko-KR" altLang="en-US" dirty="0" smtClean="0"/>
+              <a:t> 아이</a:t>
+            </a:r>
+            <a:endParaRPr lang="ko-KR" altLang="en-US" dirty="0"/>
+          </a:p>
+        </p:txBody>
+      </p:sp>
+      <p:sp>
+        <p:nvSpPr>
+          <p:cNvPr id="11" name="TextBox 10"/>
+          <p:cNvSpPr txBox="1"/>
+          <p:nvPr/>
+        </p:nvSpPr>
+        <p:spPr>
+          <a:xfrm>
+            <a:off x="1770221" y="3284984"/>
+            <a:ext cx="1056700" cy="369332"/>
+          </a:xfrm>
+          <a:prstGeom prst="rect">
+            <a:avLst/>
+          </a:prstGeom>
+        </p:spPr>
+        <p:style>
+          <a:lnRef idx="2">
+            <a:schemeClr val="accent1"/>
+          </a:lnRef>
+          <a:fillRef idx="1">
+            <a:schemeClr val="lt1"/>
+          </a:fillRef>
+          <a:effectRef idx="0">
+            <a:schemeClr val="accent1"/>
+          </a:effectRef>
+          <a:fontRef idx="minor">
+            <a:schemeClr val="dk1"/>
+          </a:fontRef>
+        </p:style>
+        <p:txBody>
+          <a:bodyPr wrap="none" rtlCol="0">
+            <a:spAutoFit/>
+          </a:bodyPr>
+          <a:lstStyle/>
+          <a:p>
+            <a:r>
+              <a:rPr lang="en-US" altLang="ko-KR" dirty="0" smtClean="0"/>
+              <a:t>* </a:t>
+            </a:r>
+            <a:r>
+              <a:rPr lang="ko-KR" altLang="en-US" dirty="0" smtClean="0"/>
+              <a:t>사냥꾼</a:t>
+            </a:r>
+            <a:endParaRPr lang="ko-KR" altLang="en-US" dirty="0"/>
+          </a:p>
+        </p:txBody>
+      </p:sp>
+      <p:sp>
+        <p:nvSpPr>
+          <p:cNvPr id="14" name="TextBox 13">
+            <a:hlinkClick r:id="rId2" action="ppaction://hlinksldjump"/>
+          </p:cNvPr>
+          <p:cNvSpPr txBox="1"/>
+          <p:nvPr/>
+        </p:nvSpPr>
+        <p:spPr>
+          <a:xfrm>
+            <a:off x="1770221" y="5301208"/>
             <a:ext cx="1107996" cy="369332"/>
           </a:xfrm>
           <a:prstGeom prst="rect">
@@ -9306,7 +8800,7 @@
           <a:p>
             <a:r>
               <a:rPr lang="ko-KR" altLang="en-US" dirty="0" smtClean="0"/>
-              <a:t>태초마을</a:t>
+              <a:t>진행하기</a:t>
             </a:r>
             <a:endParaRPr lang="ko-KR" altLang="en-US" dirty="0"/>
           </a:p>
@@ -9314,14 +8808,16 @@
       </p:sp>
       <p:sp>
         <p:nvSpPr>
-          <p:cNvPr id="15" name="TextBox 14"/>
-          <p:cNvSpPr txBox="1"/>
-          <p:nvPr/>
-        </p:nvSpPr>
-        <p:spPr>
-          <a:xfrm>
-            <a:off x="1770221" y="2708920"/>
-            <a:ext cx="646331" cy="369332"/>
+          <p:cNvPr id="15" name="TextBox 14">
+            <a:hlinkClick r:id="rId3" action="ppaction://hlinksldjump"/>
+          </p:cNvPr>
+          <p:cNvSpPr txBox="1"/>
+          <p:nvPr/>
+        </p:nvSpPr>
+        <p:spPr>
+          <a:xfrm>
+            <a:off x="6732240" y="5301208"/>
+            <a:ext cx="877163" cy="369332"/>
           </a:xfrm>
           <a:prstGeom prst="rect">
             <a:avLst/>
@@ -9349,7 +8845,7 @@
           <a:p>
             <a:r>
               <a:rPr lang="ko-KR" altLang="en-US" dirty="0" smtClean="0"/>
-              <a:t>상인</a:t>
+              <a:t>나가기</a:t>
             </a:r>
             <a:endParaRPr lang="ko-KR" altLang="en-US" dirty="0"/>
           </a:p>
@@ -9357,97 +8853,8 @@
       </p:sp>
       <p:sp>
         <p:nvSpPr>
-          <p:cNvPr id="16" name="TextBox 15"/>
-          <p:cNvSpPr txBox="1"/>
-          <p:nvPr/>
-        </p:nvSpPr>
-        <p:spPr>
-          <a:xfrm>
-            <a:off x="1770221" y="3284984"/>
-            <a:ext cx="646331" cy="369332"/>
-          </a:xfrm>
-          <a:prstGeom prst="rect">
-            <a:avLst/>
-          </a:prstGeom>
-        </p:spPr>
-        <p:style>
-          <a:lnRef idx="2">
-            <a:schemeClr val="accent1"/>
-          </a:lnRef>
-          <a:fillRef idx="1">
-            <a:schemeClr val="lt1"/>
-          </a:fillRef>
-          <a:effectRef idx="0">
-            <a:schemeClr val="accent1"/>
-          </a:effectRef>
-          <a:fontRef idx="minor">
-            <a:schemeClr val="dk1"/>
-          </a:fontRef>
-        </p:style>
-        <p:txBody>
-          <a:bodyPr wrap="none" rtlCol="0">
-            <a:spAutoFit/>
-          </a:bodyPr>
-          <a:lstStyle/>
-          <a:p>
-            <a:r>
-              <a:rPr lang="ko-KR" altLang="en-US" dirty="0" smtClean="0"/>
-              <a:t>촌</a:t>
-            </a:r>
-            <a:r>
-              <a:rPr lang="ko-KR" altLang="en-US" dirty="0"/>
-              <a:t>장</a:t>
-            </a:r>
-          </a:p>
-        </p:txBody>
-      </p:sp>
-      <p:sp>
-        <p:nvSpPr>
-          <p:cNvPr id="18" name="TextBox 17"/>
-          <p:cNvSpPr txBox="1"/>
-          <p:nvPr/>
-        </p:nvSpPr>
-        <p:spPr>
-          <a:xfrm>
-            <a:off x="1770221" y="3843595"/>
-            <a:ext cx="877163" cy="369332"/>
-          </a:xfrm>
-          <a:prstGeom prst="rect">
-            <a:avLst/>
-          </a:prstGeom>
-        </p:spPr>
-        <p:style>
-          <a:lnRef idx="2">
-            <a:schemeClr val="accent1"/>
-          </a:lnRef>
-          <a:fillRef idx="1">
-            <a:schemeClr val="lt1"/>
-          </a:fillRef>
-          <a:effectRef idx="0">
-            <a:schemeClr val="accent1"/>
-          </a:effectRef>
-          <a:fontRef idx="minor">
-            <a:schemeClr val="dk1"/>
-          </a:fontRef>
-        </p:style>
-        <p:txBody>
-          <a:bodyPr wrap="none" rtlCol="0">
-            <a:spAutoFit/>
-          </a:bodyPr>
-          <a:lstStyle/>
-          <a:p>
-            <a:r>
-              <a:rPr lang="ko-KR" altLang="en-US" dirty="0" smtClean="0"/>
-              <a:t>게시판</a:t>
-            </a:r>
-            <a:endParaRPr lang="ko-KR" altLang="en-US" dirty="0"/>
-          </a:p>
-        </p:txBody>
-      </p:sp>
-      <p:sp>
-        <p:nvSpPr>
-          <p:cNvPr id="24" name="TextBox 23">
-            <a:hlinkClick r:id="rId2" action="ppaction://hlinksldjump"/>
+          <p:cNvPr id="21" name="TextBox 20">
+            <a:hlinkClick r:id="rId3" action="ppaction://hlinksldjump"/>
           </p:cNvPr>
           <p:cNvSpPr txBox="1"/>
           <p:nvPr/>
@@ -9493,8 +8900,8 @@
       </p:sp>
       <p:sp>
         <p:nvSpPr>
-          <p:cNvPr id="25" name="TextBox 24">
-            <a:hlinkClick r:id="rId3" action="ppaction://hlinksldjump"/>
+          <p:cNvPr id="22" name="TextBox 21">
+            <a:hlinkClick r:id="rId4" action="ppaction://hlinksldjump"/>
           </p:cNvPr>
           <p:cNvSpPr txBox="1"/>
           <p:nvPr/>
@@ -9540,8 +8947,8 @@
       </p:sp>
       <p:sp>
         <p:nvSpPr>
-          <p:cNvPr id="26" name="TextBox 25">
-            <a:hlinkClick r:id="rId4" action="ppaction://hlinksldjump"/>
+          <p:cNvPr id="23" name="TextBox 22">
+            <a:hlinkClick r:id="rId2" action="ppaction://hlinksldjump"/>
           </p:cNvPr>
           <p:cNvSpPr txBox="1"/>
           <p:nvPr/>
@@ -9588,7 +8995,7 @@
       </p:sp>
       <p:sp>
         <p:nvSpPr>
-          <p:cNvPr id="27" name="TextBox 26">
+          <p:cNvPr id="24" name="TextBox 23">
             <a:hlinkClick r:id="rId5" action="ppaction://hlinksldjump"/>
           </p:cNvPr>
           <p:cNvSpPr txBox="1"/>
@@ -9635,7 +9042,7 @@
       </p:sp>
       <p:sp>
         <p:nvSpPr>
-          <p:cNvPr id="28" name="TextBox 27">
+          <p:cNvPr id="25" name="TextBox 24">
             <a:hlinkClick r:id="rId6" action="ppaction://hlinksldjump"/>
           </p:cNvPr>
           <p:cNvSpPr txBox="1"/>
@@ -9682,16 +9089,16 @@
       </p:sp>
       <p:sp>
         <p:nvSpPr>
-          <p:cNvPr id="29" name="TextBox 28">
-            <a:hlinkClick r:id="rId2" action="ppaction://hlinksldjump"/>
+          <p:cNvPr id="16" name="TextBox 15">
+            <a:hlinkClick r:id="rId7" action="ppaction://hlinksldjump"/>
           </p:cNvPr>
           <p:cNvSpPr txBox="1"/>
           <p:nvPr/>
         </p:nvSpPr>
         <p:spPr>
           <a:xfrm>
-            <a:off x="6732240" y="5301208"/>
-            <a:ext cx="877163" cy="369332"/>
+            <a:off x="1770221" y="3815752"/>
+            <a:ext cx="1600118" cy="369332"/>
           </a:xfrm>
           <a:prstGeom prst="rect">
             <a:avLst/>
@@ -9718,8 +9125,16 @@
           <a:lstStyle/>
           <a:p>
             <a:r>
+              <a:rPr lang="en-US" altLang="ko-KR" dirty="0" smtClean="0"/>
+              <a:t>* </a:t>
+            </a:r>
+            <a:r>
+              <a:rPr lang="ko-KR" altLang="en-US" dirty="0" err="1" smtClean="0"/>
+              <a:t>고블린</a:t>
+            </a:r>
+            <a:r>
               <a:rPr lang="ko-KR" altLang="en-US" dirty="0" smtClean="0"/>
-              <a:t>나가기</a:t>
+              <a:t> 무리</a:t>
             </a:r>
             <a:endParaRPr lang="ko-KR" altLang="en-US" dirty="0"/>
           </a:p>
@@ -9728,7 +9143,7 @@
     </p:spTree>
     <p:extLst>
       <p:ext uri="{BB962C8B-B14F-4D97-AF65-F5344CB8AC3E}">
-        <p14:creationId xmlns:p14="http://schemas.microsoft.com/office/powerpoint/2010/main" val="3591020272"/>
+        <p14:creationId xmlns:p14="http://schemas.microsoft.com/office/powerpoint/2010/main" val="2349231878"/>
       </p:ext>
     </p:extLst>
   </p:cSld>
@@ -9764,37 +9179,7 @@
       </p:grpSpPr>
       <p:sp>
         <p:nvSpPr>
-          <p:cNvPr id="2" name="TextBox 1"/>
-          <p:cNvSpPr txBox="1"/>
-          <p:nvPr/>
-        </p:nvSpPr>
-        <p:spPr>
-          <a:xfrm>
-            <a:off x="0" y="0"/>
-            <a:ext cx="1672253" cy="369332"/>
-          </a:xfrm>
-          <a:prstGeom prst="rect">
-            <a:avLst/>
-          </a:prstGeom>
-          <a:noFill/>
-        </p:spPr>
-        <p:txBody>
-          <a:bodyPr wrap="none" rtlCol="0">
-            <a:spAutoFit/>
-          </a:bodyPr>
-          <a:lstStyle/>
-          <a:p>
-            <a:r>
-              <a:rPr lang="en-US" altLang="ko-KR" dirty="0" err="1" smtClean="0"/>
-              <a:t>map_detail.jsp</a:t>
-            </a:r>
-            <a:endParaRPr lang="ko-KR" altLang="en-US" dirty="0"/>
-          </a:p>
-        </p:txBody>
-      </p:sp>
-      <p:sp>
-        <p:nvSpPr>
-          <p:cNvPr id="8" name="직사각형 7"/>
+          <p:cNvPr id="7" name="직사각형 6"/>
           <p:cNvSpPr/>
           <p:nvPr/>
         </p:nvSpPr>
@@ -9834,61 +9219,57 @@
       </p:sp>
       <p:sp>
         <p:nvSpPr>
+          <p:cNvPr id="8" name="TextBox 7"/>
+          <p:cNvSpPr txBox="1"/>
+          <p:nvPr/>
+        </p:nvSpPr>
+        <p:spPr>
+          <a:xfrm>
+            <a:off x="1043608" y="1988840"/>
+            <a:ext cx="646331" cy="369332"/>
+          </a:xfrm>
+          <a:prstGeom prst="rect">
+            <a:avLst/>
+          </a:prstGeom>
+        </p:spPr>
+        <p:style>
+          <a:lnRef idx="2">
+            <a:schemeClr val="accent1"/>
+          </a:lnRef>
+          <a:fillRef idx="1">
+            <a:schemeClr val="lt1"/>
+          </a:fillRef>
+          <a:effectRef idx="0">
+            <a:schemeClr val="accent1"/>
+          </a:effectRef>
+          <a:fontRef idx="minor">
+            <a:schemeClr val="dk1"/>
+          </a:fontRef>
+        </p:style>
+        <p:txBody>
+          <a:bodyPr wrap="none" rtlCol="0">
+            <a:spAutoFit/>
+          </a:bodyPr>
+          <a:lstStyle/>
+          <a:p>
+            <a:r>
+              <a:rPr lang="ko-KR" altLang="en-US" dirty="0" smtClean="0"/>
+              <a:t>일지</a:t>
+            </a:r>
+            <a:endParaRPr lang="ko-KR" altLang="en-US" dirty="0"/>
+          </a:p>
+        </p:txBody>
+      </p:sp>
+      <p:sp>
+        <p:nvSpPr>
           <p:cNvPr id="9" name="TextBox 8"/>
           <p:cNvSpPr txBox="1"/>
           <p:nvPr/>
         </p:nvSpPr>
         <p:spPr>
           <a:xfrm>
-            <a:off x="1043608" y="1988840"/>
-            <a:ext cx="1135247" cy="369332"/>
-          </a:xfrm>
-          <a:prstGeom prst="rect">
-            <a:avLst/>
-          </a:prstGeom>
-        </p:spPr>
-        <p:style>
-          <a:lnRef idx="2">
-            <a:schemeClr val="accent1"/>
-          </a:lnRef>
-          <a:fillRef idx="1">
-            <a:schemeClr val="lt1"/>
-          </a:fillRef>
-          <a:effectRef idx="0">
-            <a:schemeClr val="accent1"/>
-          </a:effectRef>
-          <a:fontRef idx="minor">
-            <a:schemeClr val="dk1"/>
-          </a:fontRef>
-        </p:style>
-        <p:txBody>
-          <a:bodyPr wrap="none" rtlCol="0">
-            <a:spAutoFit/>
-          </a:bodyPr>
-          <a:lstStyle/>
-          <a:p>
-            <a:r>
-              <a:rPr lang="ko-KR" altLang="en-US" dirty="0" smtClean="0"/>
-              <a:t>숲</a:t>
-            </a:r>
-            <a:r>
-              <a:rPr lang="en-US" altLang="ko-KR" dirty="0" smtClean="0"/>
-              <a:t>(1 ~ 5)</a:t>
-            </a:r>
-            <a:endParaRPr lang="ko-KR" altLang="en-US" dirty="0"/>
-          </a:p>
-        </p:txBody>
-      </p:sp>
-      <p:sp>
-        <p:nvSpPr>
-          <p:cNvPr id="10" name="TextBox 9"/>
-          <p:cNvSpPr txBox="1"/>
-          <p:nvPr/>
-        </p:nvSpPr>
-        <p:spPr>
-          <a:xfrm>
             <a:off x="1770221" y="2708920"/>
-            <a:ext cx="1600118" cy="369332"/>
+            <a:ext cx="3959738" cy="369332"/>
           </a:xfrm>
           <a:prstGeom prst="rect">
             <a:avLst/>
@@ -9924,7 +9305,19 @@
             </a:r>
             <a:r>
               <a:rPr lang="ko-KR" altLang="en-US" dirty="0" smtClean="0"/>
-              <a:t> 아이</a:t>
+              <a:t> 아이를 찾아라 </a:t>
+            </a:r>
+            <a:r>
+              <a:rPr lang="en-US" altLang="ko-KR" dirty="0" smtClean="0"/>
+              <a:t>(</a:t>
+            </a:r>
+            <a:r>
+              <a:rPr lang="ko-KR" altLang="en-US" dirty="0" smtClean="0"/>
+              <a:t>권장레벨 </a:t>
+            </a:r>
+            <a:r>
+              <a:rPr lang="en-US" altLang="ko-KR" dirty="0" smtClean="0"/>
+              <a:t>1)</a:t>
             </a:r>
             <a:endParaRPr lang="ko-KR" altLang="en-US" dirty="0"/>
           </a:p>
@@ -9932,14 +9325,14 @@
       </p:sp>
       <p:sp>
         <p:nvSpPr>
-          <p:cNvPr id="11" name="TextBox 10"/>
-          <p:cNvSpPr txBox="1"/>
-          <p:nvPr/>
-        </p:nvSpPr>
-        <p:spPr>
-          <a:xfrm>
-            <a:off x="1770221" y="3284984"/>
-            <a:ext cx="1056700" cy="369332"/>
+          <p:cNvPr id="10" name="TextBox 9"/>
+          <p:cNvSpPr txBox="1"/>
+          <p:nvPr/>
+        </p:nvSpPr>
+        <p:spPr>
+          <a:xfrm>
+            <a:off x="1770221" y="3815752"/>
+            <a:ext cx="2954655" cy="369332"/>
           </a:xfrm>
           <a:prstGeom prst="rect">
             <a:avLst/>
@@ -9971,7 +9364,19 @@
             </a:r>
             <a:r>
               <a:rPr lang="ko-KR" altLang="en-US" dirty="0" smtClean="0"/>
-              <a:t>사냥꾼</a:t>
+              <a:t>멧돼지 사냥 </a:t>
+            </a:r>
+            <a:r>
+              <a:rPr lang="en-US" altLang="ko-KR" dirty="0" smtClean="0"/>
+              <a:t>(</a:t>
+            </a:r>
+            <a:r>
+              <a:rPr lang="ko-KR" altLang="en-US" dirty="0" smtClean="0"/>
+              <a:t>권장레벨 </a:t>
+            </a:r>
+            <a:r>
+              <a:rPr lang="en-US" altLang="ko-KR" dirty="0" smtClean="0"/>
+              <a:t>3)</a:t>
             </a:r>
             <a:endParaRPr lang="ko-KR" altLang="en-US" dirty="0"/>
           </a:p>
@@ -9979,7 +9384,7 @@
       </p:sp>
       <p:sp>
         <p:nvSpPr>
-          <p:cNvPr id="14" name="TextBox 13">
+          <p:cNvPr id="11" name="TextBox 10">
             <a:hlinkClick r:id="rId2" action="ppaction://hlinksldjump"/>
           </p:cNvPr>
           <p:cNvSpPr txBox="1"/>
@@ -9987,8 +9392,53 @@
         </p:nvSpPr>
         <p:spPr>
           <a:xfrm>
+            <a:off x="6732240" y="5301208"/>
+            <a:ext cx="646331" cy="369332"/>
+          </a:xfrm>
+          <a:prstGeom prst="rect">
+            <a:avLst/>
+          </a:prstGeom>
+        </p:spPr>
+        <p:style>
+          <a:lnRef idx="2">
+            <a:schemeClr val="accent1"/>
+          </a:lnRef>
+          <a:fillRef idx="1">
+            <a:schemeClr val="lt1"/>
+          </a:fillRef>
+          <a:effectRef idx="0">
+            <a:schemeClr val="accent1"/>
+          </a:effectRef>
+          <a:fontRef idx="minor">
+            <a:schemeClr val="dk1"/>
+          </a:fontRef>
+        </p:style>
+        <p:txBody>
+          <a:bodyPr wrap="none" rtlCol="0">
+            <a:spAutoFit/>
+          </a:bodyPr>
+          <a:lstStyle/>
+          <a:p>
+            <a:r>
+              <a:rPr lang="ko-KR" altLang="en-US" dirty="0" smtClean="0"/>
+              <a:t>다음</a:t>
+            </a:r>
+            <a:endParaRPr lang="ko-KR" altLang="en-US" dirty="0"/>
+          </a:p>
+        </p:txBody>
+      </p:sp>
+      <p:sp>
+        <p:nvSpPr>
+          <p:cNvPr id="12" name="TextBox 11">
+            <a:hlinkClick r:id="rId2" action="ppaction://hlinksldjump"/>
+          </p:cNvPr>
+          <p:cNvSpPr txBox="1"/>
+          <p:nvPr/>
+        </p:nvSpPr>
+        <p:spPr>
+          <a:xfrm>
             <a:off x="1770221" y="5301208"/>
-            <a:ext cx="1107996" cy="369332"/>
+            <a:ext cx="646331" cy="369332"/>
           </a:xfrm>
           <a:prstGeom prst="rect">
             <a:avLst/>
@@ -10016,7 +9466,7 @@
           <a:p>
             <a:r>
               <a:rPr lang="ko-KR" altLang="en-US" dirty="0" smtClean="0"/>
-              <a:t>진행하기</a:t>
+              <a:t>이전</a:t>
             </a:r>
             <a:endParaRPr lang="ko-KR" altLang="en-US" dirty="0"/>
           </a:p>
@@ -10024,16 +9474,14 @@
       </p:sp>
       <p:sp>
         <p:nvSpPr>
-          <p:cNvPr id="15" name="TextBox 14">
-            <a:hlinkClick r:id="rId3" action="ppaction://hlinksldjump"/>
-          </p:cNvPr>
-          <p:cNvSpPr txBox="1"/>
-          <p:nvPr/>
-        </p:nvSpPr>
-        <p:spPr>
-          <a:xfrm>
-            <a:off x="6732240" y="5301208"/>
-            <a:ext cx="877163" cy="369332"/>
+          <p:cNvPr id="13" name="TextBox 12"/>
+          <p:cNvSpPr txBox="1"/>
+          <p:nvPr/>
+        </p:nvSpPr>
+        <p:spPr>
+          <a:xfrm>
+            <a:off x="2208803" y="3104832"/>
+            <a:ext cx="5046574" cy="646331"/>
           </a:xfrm>
           <a:prstGeom prst="rect">
             <a:avLst/>
@@ -10060,8 +9508,47 @@
           <a:lstStyle/>
           <a:p>
             <a:r>
+              <a:rPr lang="ko-KR" altLang="en-US" dirty="0" err="1" smtClean="0"/>
+              <a:t>퀘스트설명</a:t>
+            </a:r>
+            <a:r>
               <a:rPr lang="ko-KR" altLang="en-US" dirty="0" smtClean="0"/>
-              <a:t>나가기</a:t>
+              <a:t> </a:t>
+            </a:r>
+            <a:r>
+              <a:rPr lang="ko-KR" altLang="en-US" dirty="0" err="1" smtClean="0"/>
+              <a:t>퀘스트설명</a:t>
+            </a:r>
+            <a:r>
+              <a:rPr lang="ko-KR" altLang="en-US" dirty="0" smtClean="0"/>
+              <a:t> </a:t>
+            </a:r>
+            <a:r>
+              <a:rPr lang="ko-KR" altLang="en-US" dirty="0" err="1" smtClean="0"/>
+              <a:t>퀘스트설명</a:t>
+            </a:r>
+            <a:r>
+              <a:rPr lang="ko-KR" altLang="en-US" dirty="0" smtClean="0"/>
+              <a:t> </a:t>
+            </a:r>
+            <a:r>
+              <a:rPr lang="ko-KR" altLang="en-US" dirty="0" err="1" smtClean="0"/>
+              <a:t>퀘스트설명</a:t>
+            </a:r>
+            <a:endParaRPr lang="en-US" altLang="ko-KR" dirty="0" smtClean="0"/>
+          </a:p>
+          <a:p>
+            <a:r>
+              <a:rPr lang="ko-KR" altLang="en-US" dirty="0" err="1" smtClean="0"/>
+              <a:t>퀘스트설명</a:t>
+            </a:r>
+            <a:r>
+              <a:rPr lang="ko-KR" altLang="en-US" dirty="0" smtClean="0"/>
+              <a:t> </a:t>
+            </a:r>
+            <a:r>
+              <a:rPr lang="ko-KR" altLang="en-US" dirty="0" err="1" smtClean="0"/>
+              <a:t>퀘스트설명</a:t>
             </a:r>
             <a:endParaRPr lang="ko-KR" altLang="en-US" dirty="0"/>
           </a:p>
@@ -10069,7 +9556,89 @@
       </p:sp>
       <p:sp>
         <p:nvSpPr>
-          <p:cNvPr id="21" name="TextBox 20">
+          <p:cNvPr id="14" name="TextBox 13"/>
+          <p:cNvSpPr txBox="1"/>
+          <p:nvPr/>
+        </p:nvSpPr>
+        <p:spPr>
+          <a:xfrm>
+            <a:off x="2208803" y="4293096"/>
+            <a:ext cx="5046574" cy="646331"/>
+          </a:xfrm>
+          <a:prstGeom prst="rect">
+            <a:avLst/>
+          </a:prstGeom>
+        </p:spPr>
+        <p:style>
+          <a:lnRef idx="2">
+            <a:schemeClr val="accent1"/>
+          </a:lnRef>
+          <a:fillRef idx="1">
+            <a:schemeClr val="lt1"/>
+          </a:fillRef>
+          <a:effectRef idx="0">
+            <a:schemeClr val="accent1"/>
+          </a:effectRef>
+          <a:fontRef idx="minor">
+            <a:schemeClr val="dk1"/>
+          </a:fontRef>
+        </p:style>
+        <p:txBody>
+          <a:bodyPr wrap="none" rtlCol="0">
+            <a:spAutoFit/>
+          </a:bodyPr>
+          <a:lstStyle/>
+          <a:p>
+            <a:r>
+              <a:rPr lang="ko-KR" altLang="en-US" dirty="0" err="1" smtClean="0"/>
+              <a:t>퀘스트설명</a:t>
+            </a:r>
+            <a:r>
+              <a:rPr lang="ko-KR" altLang="en-US" dirty="0" smtClean="0"/>
+              <a:t> </a:t>
+            </a:r>
+            <a:r>
+              <a:rPr lang="ko-KR" altLang="en-US" dirty="0" err="1" smtClean="0"/>
+              <a:t>퀘스트설명</a:t>
+            </a:r>
+            <a:r>
+              <a:rPr lang="ko-KR" altLang="en-US" dirty="0" smtClean="0"/>
+              <a:t> </a:t>
+            </a:r>
+            <a:r>
+              <a:rPr lang="ko-KR" altLang="en-US" dirty="0" err="1" smtClean="0"/>
+              <a:t>퀘스트설명</a:t>
+            </a:r>
+            <a:r>
+              <a:rPr lang="ko-KR" altLang="en-US" dirty="0" smtClean="0"/>
+              <a:t> </a:t>
+            </a:r>
+            <a:r>
+              <a:rPr lang="ko-KR" altLang="en-US" dirty="0" err="1" smtClean="0"/>
+              <a:t>퀘스트설명</a:t>
+            </a:r>
+            <a:endParaRPr lang="en-US" altLang="ko-KR" dirty="0" smtClean="0"/>
+          </a:p>
+          <a:p>
+            <a:r>
+              <a:rPr lang="ko-KR" altLang="en-US" dirty="0" err="1" smtClean="0"/>
+              <a:t>퀘스트설명</a:t>
+            </a:r>
+            <a:r>
+              <a:rPr lang="ko-KR" altLang="en-US" dirty="0" smtClean="0"/>
+              <a:t> </a:t>
+            </a:r>
+            <a:r>
+              <a:rPr lang="ko-KR" altLang="en-US" dirty="0" err="1" smtClean="0"/>
+              <a:t>퀘스트설명</a:t>
+            </a:r>
+            <a:endParaRPr lang="ko-KR" altLang="en-US" dirty="0"/>
+          </a:p>
+        </p:txBody>
+      </p:sp>
+      <p:sp>
+        <p:nvSpPr>
+          <p:cNvPr id="20" name="TextBox 19">
             <a:hlinkClick r:id="rId3" action="ppaction://hlinksldjump"/>
           </p:cNvPr>
           <p:cNvSpPr txBox="1"/>
@@ -10116,7 +9685,7 @@
       </p:sp>
       <p:sp>
         <p:nvSpPr>
-          <p:cNvPr id="22" name="TextBox 21">
+          <p:cNvPr id="21" name="TextBox 20">
             <a:hlinkClick r:id="rId4" action="ppaction://hlinksldjump"/>
           </p:cNvPr>
           <p:cNvSpPr txBox="1"/>
@@ -10163,6 +9732,56 @@
       </p:sp>
       <p:sp>
         <p:nvSpPr>
+          <p:cNvPr id="22" name="TextBox 21">
+            <a:hlinkClick r:id="rId5" action="ppaction://hlinksldjump"/>
+          </p:cNvPr>
+          <p:cNvSpPr txBox="1"/>
+          <p:nvPr/>
+        </p:nvSpPr>
+        <p:spPr>
+          <a:xfrm>
+            <a:off x="2629525" y="1124744"/>
+            <a:ext cx="1107996" cy="369332"/>
+          </a:xfrm>
+          <a:prstGeom prst="rect">
+            <a:avLst/>
+          </a:prstGeom>
+        </p:spPr>
+        <p:style>
+          <a:lnRef idx="2">
+            <a:schemeClr val="accent1">
+              <a:shade val="50000"/>
+            </a:schemeClr>
+          </a:lnRef>
+          <a:fillRef idx="1">
+            <a:schemeClr val="accent1"/>
+          </a:fillRef>
+          <a:effectRef idx="0">
+            <a:schemeClr val="accent1"/>
+          </a:effectRef>
+          <a:fontRef idx="minor">
+            <a:schemeClr val="lt1"/>
+          </a:fontRef>
+        </p:style>
+        <p:txBody>
+          <a:bodyPr wrap="none" rtlCol="0">
+            <a:spAutoFit/>
+          </a:bodyPr>
+          <a:lstStyle/>
+          <a:p>
+            <a:r>
+              <a:rPr lang="ko-KR" altLang="en-US" dirty="0" smtClean="0"/>
+              <a:t>둘러보</a:t>
+            </a:r>
+            <a:r>
+              <a:rPr lang="ko-KR" altLang="en-US" dirty="0"/>
+              <a:t>기</a:t>
+            </a:r>
+          </a:p>
+        </p:txBody>
+      </p:sp>
+      <p:sp>
+        <p:nvSpPr>
           <p:cNvPr id="23" name="TextBox 22">
             <a:hlinkClick r:id="rId2" action="ppaction://hlinksldjump"/>
           </p:cNvPr>
@@ -10171,56 +9790,53 @@
         </p:nvSpPr>
         <p:spPr>
           <a:xfrm>
-            <a:off x="2629525" y="1124744"/>
-            <a:ext cx="1107996" cy="369332"/>
-          </a:xfrm>
-          <a:prstGeom prst="rect">
-            <a:avLst/>
-          </a:prstGeom>
-        </p:spPr>
-        <p:style>
-          <a:lnRef idx="2">
-            <a:schemeClr val="accent1"/>
-          </a:lnRef>
-          <a:fillRef idx="1">
-            <a:schemeClr val="lt1"/>
-          </a:fillRef>
-          <a:effectRef idx="0">
-            <a:schemeClr val="accent1"/>
-          </a:effectRef>
-          <a:fontRef idx="minor">
-            <a:schemeClr val="dk1"/>
-          </a:fontRef>
-        </p:style>
-        <p:txBody>
-          <a:bodyPr wrap="none" rtlCol="0">
-            <a:spAutoFit/>
-          </a:bodyPr>
-          <a:lstStyle/>
-          <a:p>
-            <a:r>
-              <a:rPr lang="ko-KR" altLang="en-US" dirty="0" smtClean="0"/>
-              <a:t>둘러보</a:t>
-            </a:r>
-            <a:r>
-              <a:rPr lang="ko-KR" altLang="en-US" dirty="0"/>
-              <a:t>기</a:t>
-            </a:r>
-          </a:p>
-        </p:txBody>
-      </p:sp>
-      <p:sp>
-        <p:nvSpPr>
-          <p:cNvPr id="24" name="TextBox 23">
-            <a:hlinkClick r:id="rId5" action="ppaction://hlinksldjump"/>
-          </p:cNvPr>
-          <p:cNvSpPr txBox="1"/>
-          <p:nvPr/>
-        </p:nvSpPr>
-        <p:spPr>
-          <a:xfrm>
             <a:off x="5753452" y="1124744"/>
             <a:ext cx="1338828" cy="369332"/>
+          </a:xfrm>
+          <a:prstGeom prst="rect">
+            <a:avLst/>
+          </a:prstGeom>
+        </p:spPr>
+        <p:style>
+          <a:lnRef idx="2">
+            <a:schemeClr val="accent1"/>
+          </a:lnRef>
+          <a:fillRef idx="1">
+            <a:schemeClr val="lt1"/>
+          </a:fillRef>
+          <a:effectRef idx="0">
+            <a:schemeClr val="accent1"/>
+          </a:effectRef>
+          <a:fontRef idx="minor">
+            <a:schemeClr val="dk1"/>
+          </a:fontRef>
+        </p:style>
+        <p:txBody>
+          <a:bodyPr wrap="none" rtlCol="0">
+            <a:spAutoFit/>
+          </a:bodyPr>
+          <a:lstStyle/>
+          <a:p>
+            <a:r>
+              <a:rPr lang="ko-KR" altLang="en-US" dirty="0" err="1" smtClean="0"/>
+              <a:t>퀘스트일지</a:t>
+            </a:r>
+            <a:endParaRPr lang="ko-KR" altLang="en-US" dirty="0"/>
+          </a:p>
+        </p:txBody>
+      </p:sp>
+      <p:sp>
+        <p:nvSpPr>
+          <p:cNvPr id="24" name="TextBox 23">
+            <a:hlinkClick r:id="rId6" action="ppaction://hlinksldjump"/>
+          </p:cNvPr>
+          <p:cNvSpPr txBox="1"/>
+          <p:nvPr/>
+        </p:nvSpPr>
+        <p:spPr>
+          <a:xfrm>
+            <a:off x="7524328" y="1124744"/>
+            <a:ext cx="646331" cy="369332"/>
           </a:xfrm>
           <a:prstGeom prst="rect">
             <a:avLst/>
@@ -10249,53 +9865,6 @@
           <a:lstStyle/>
           <a:p>
             <a:r>
-              <a:rPr lang="ko-KR" altLang="en-US" dirty="0" err="1" smtClean="0"/>
-              <a:t>퀘스트일지</a:t>
-            </a:r>
-            <a:endParaRPr lang="ko-KR" altLang="en-US" dirty="0"/>
-          </a:p>
-        </p:txBody>
-      </p:sp>
-      <p:sp>
-        <p:nvSpPr>
-          <p:cNvPr id="25" name="TextBox 24">
-            <a:hlinkClick r:id="rId6" action="ppaction://hlinksldjump"/>
-          </p:cNvPr>
-          <p:cNvSpPr txBox="1"/>
-          <p:nvPr/>
-        </p:nvSpPr>
-        <p:spPr>
-          <a:xfrm>
-            <a:off x="7524328" y="1124744"/>
-            <a:ext cx="646331" cy="369332"/>
-          </a:xfrm>
-          <a:prstGeom prst="rect">
-            <a:avLst/>
-          </a:prstGeom>
-        </p:spPr>
-        <p:style>
-          <a:lnRef idx="2">
-            <a:schemeClr val="accent1">
-              <a:shade val="50000"/>
-            </a:schemeClr>
-          </a:lnRef>
-          <a:fillRef idx="1">
-            <a:schemeClr val="accent1"/>
-          </a:fillRef>
-          <a:effectRef idx="0">
-            <a:schemeClr val="accent1"/>
-          </a:effectRef>
-          <a:fontRef idx="minor">
-            <a:schemeClr val="lt1"/>
-          </a:fontRef>
-        </p:style>
-        <p:txBody>
-          <a:bodyPr wrap="none" rtlCol="0">
-            <a:spAutoFit/>
-          </a:bodyPr>
-          <a:lstStyle/>
-          <a:p>
-            <a:r>
               <a:rPr lang="ko-KR" altLang="en-US" dirty="0" smtClean="0"/>
               <a:t>도감</a:t>
             </a:r>
@@ -10305,52 +9874,29 @@
       </p:sp>
       <p:sp>
         <p:nvSpPr>
-          <p:cNvPr id="16" name="TextBox 15">
-            <a:hlinkClick r:id="rId7" action="ppaction://hlinksldjump"/>
-          </p:cNvPr>
-          <p:cNvSpPr txBox="1"/>
-          <p:nvPr/>
-        </p:nvSpPr>
-        <p:spPr>
-          <a:xfrm>
-            <a:off x="1770221" y="3815752"/>
-            <a:ext cx="1600118" cy="369332"/>
-          </a:xfrm>
-          <a:prstGeom prst="rect">
-            <a:avLst/>
-          </a:prstGeom>
-        </p:spPr>
-        <p:style>
-          <a:lnRef idx="2">
-            <a:schemeClr val="accent1"/>
-          </a:lnRef>
-          <a:fillRef idx="1">
-            <a:schemeClr val="lt1"/>
-          </a:fillRef>
-          <a:effectRef idx="0">
-            <a:schemeClr val="accent1"/>
-          </a:effectRef>
-          <a:fontRef idx="minor">
-            <a:schemeClr val="dk1"/>
-          </a:fontRef>
-        </p:style>
-        <p:txBody>
-          <a:bodyPr wrap="none" rtlCol="0">
-            <a:spAutoFit/>
-          </a:bodyPr>
-          <a:lstStyle/>
-          <a:p>
-            <a:r>
-              <a:rPr lang="en-US" altLang="ko-KR" dirty="0" smtClean="0"/>
-              <a:t>* </a:t>
-            </a:r>
-            <a:r>
-              <a:rPr lang="ko-KR" altLang="en-US" dirty="0" err="1" smtClean="0"/>
-              <a:t>고블린</a:t>
-            </a:r>
-            <a:r>
-              <a:rPr lang="ko-KR" altLang="en-US" dirty="0" smtClean="0"/>
-              <a:t> 무리</a:t>
+          <p:cNvPr id="25" name="TextBox 24"/>
+          <p:cNvSpPr txBox="1"/>
+          <p:nvPr/>
+        </p:nvSpPr>
+        <p:spPr>
+          <a:xfrm>
+            <a:off x="0" y="0"/>
+            <a:ext cx="1274260" cy="369332"/>
+          </a:xfrm>
+          <a:prstGeom prst="rect">
+            <a:avLst/>
+          </a:prstGeom>
+          <a:noFill/>
+        </p:spPr>
+        <p:txBody>
+          <a:bodyPr wrap="none" rtlCol="0">
+            <a:spAutoFit/>
+          </a:bodyPr>
+          <a:lstStyle/>
+          <a:p>
+            <a:r>
+              <a:rPr lang="en-US" altLang="ko-KR" dirty="0" err="1" smtClean="0"/>
+              <a:t>journal.jsp</a:t>
             </a:r>
             <a:endParaRPr lang="ko-KR" altLang="en-US" dirty="0"/>
           </a:p>
@@ -10359,7 +9905,7 @@
     </p:spTree>
     <p:extLst>
       <p:ext uri="{BB962C8B-B14F-4D97-AF65-F5344CB8AC3E}">
-        <p14:creationId xmlns:p14="http://schemas.microsoft.com/office/powerpoint/2010/main" val="2349231878"/>
+        <p14:creationId xmlns:p14="http://schemas.microsoft.com/office/powerpoint/2010/main" val="1449020973"/>
       </p:ext>
     </p:extLst>
   </p:cSld>
